--- a/Outbox/Optimize Outbox pattern.pptx
+++ b/Outbox/Optimize Outbox pattern.pptx
@@ -2,7 +2,7 @@
 <file path=ppt/presentation.xml><?xml version="1.0" encoding="utf-8"?>
 <p:presentation xmlns:a="http://schemas.openxmlformats.org/drawingml/2006/main" xmlns:r="http://schemas.openxmlformats.org/officeDocument/2006/relationships" xmlns:p="http://schemas.openxmlformats.org/presentationml/2006/main" saveSubsetFonts="1">
   <p:sldMasterIdLst>
-    <p:sldMasterId id="2147483786" r:id="rId1"/>
+    <p:sldMasterId id="2147483840" r:id="rId1"/>
   </p:sldMasterIdLst>
   <p:notesMasterIdLst>
     <p:notesMasterId r:id="rId12"/>
@@ -116,6 +116,11 @@
       </a:defRPr>
     </a:lvl9pPr>
   </p:defaultTextStyle>
+  <p:extLst>
+    <p:ext uri="{EFAFB233-063F-42B5-8137-9DF3F51BA10A}">
+      <p15:sldGuideLst xmlns:p15="http://schemas.microsoft.com/office/powerpoint/2012/main"/>
+    </p:ext>
+  </p:extLst>
 </p:presentation>
 </file>
 
@@ -213,7 +218,7 @@
           <a:p>
             <a:fld id="{BBBA6961-CC6B-4BAB-A110-39B28AFB2430}" type="datetimeFigureOut">
               <a:rPr lang="da-DK" smtClean="0"/>
-              <a:t>15-01-2022</a:t>
+              <a:t>16-01-2022</a:t>
             </a:fld>
             <a:endParaRPr lang="da-DK"/>
           </a:p>
@@ -482,7 +487,7 @@
 </file>
 
 <file path=ppt/slideLayouts/slideLayout1.xml><?xml version="1.0" encoding="utf-8"?>
-<p:sldLayout xmlns:a="http://schemas.openxmlformats.org/drawingml/2006/main" xmlns:r="http://schemas.openxmlformats.org/officeDocument/2006/relationships" xmlns:p="http://schemas.openxmlformats.org/presentationml/2006/main" type="title" preserve="1">
+<p:sldLayout xmlns:a="http://schemas.openxmlformats.org/drawingml/2006/main" xmlns:r="http://schemas.openxmlformats.org/officeDocument/2006/relationships" xmlns:p="http://schemas.openxmlformats.org/presentationml/2006/main" showMasterSp="0" type="title" preserve="1">
   <p:cSld name="Title Slide">
     <p:spTree>
       <p:nvGrpSpPr>
@@ -500,145 +505,185 @@
       </p:grpSpPr>
       <p:sp>
         <p:nvSpPr>
-          <p:cNvPr id="2" name="Title 1"/>
-          <p:cNvSpPr>
-            <a:spLocks noGrp="1"/>
-          </p:cNvSpPr>
-          <p:nvPr>
-            <p:ph type="ctrTitle"/>
-          </p:nvPr>
+          <p:cNvPr id="7" name="Rectangle 6"/>
+          <p:cNvSpPr/>
+          <p:nvPr/>
         </p:nvSpPr>
         <p:spPr>
           <a:xfrm>
-            <a:off x="1154955" y="1447800"/>
-            <a:ext cx="8825658" cy="3329581"/>
+            <a:off x="3175" y="6400800"/>
+            <a:ext cx="12188825" cy="457200"/>
+          </a:xfrm>
+          <a:prstGeom prst="rect">
+            <a:avLst/>
+          </a:prstGeom>
+          <a:solidFill>
+            <a:schemeClr val="accent2"/>
+          </a:solidFill>
+          <a:ln>
+            <a:noFill/>
+          </a:ln>
+        </p:spPr>
+        <p:style>
+          <a:lnRef idx="2">
+            <a:schemeClr val="accent1">
+              <a:shade val="50000"/>
+            </a:schemeClr>
+          </a:lnRef>
+          <a:fillRef idx="1">
+            <a:schemeClr val="accent1"/>
+          </a:fillRef>
+          <a:effectRef idx="0">
+            <a:schemeClr val="accent1"/>
+          </a:effectRef>
+          <a:fontRef idx="minor">
+            <a:schemeClr val="lt1"/>
+          </a:fontRef>
+        </p:style>
+      </p:sp>
+      <p:sp>
+        <p:nvSpPr>
+          <p:cNvPr id="8" name="Rectangle 7"/>
+          <p:cNvSpPr/>
+          <p:nvPr/>
+        </p:nvSpPr>
+        <p:spPr>
+          <a:xfrm>
+            <a:off x="15" y="6334316"/>
+            <a:ext cx="12188825" cy="64008"/>
+          </a:xfrm>
+          <a:prstGeom prst="rect">
+            <a:avLst/>
+          </a:prstGeom>
+          <a:solidFill>
+            <a:schemeClr val="accent1"/>
+          </a:solidFill>
+          <a:ln>
+            <a:noFill/>
+          </a:ln>
+        </p:spPr>
+        <p:style>
+          <a:lnRef idx="2">
+            <a:schemeClr val="accent1">
+              <a:shade val="50000"/>
+            </a:schemeClr>
+          </a:lnRef>
+          <a:fillRef idx="1">
+            <a:schemeClr val="accent1"/>
+          </a:fillRef>
+          <a:effectRef idx="0">
+            <a:schemeClr val="accent1"/>
+          </a:effectRef>
+          <a:fontRef idx="minor">
+            <a:schemeClr val="lt1"/>
+          </a:fontRef>
+        </p:style>
+      </p:sp>
+      <p:sp>
+        <p:nvSpPr>
+          <p:cNvPr id="2" name="Title 1"/>
+          <p:cNvSpPr>
+            <a:spLocks noGrp="1"/>
+          </p:cNvSpPr>
+          <p:nvPr>
+            <p:ph type="ctrTitle"/>
+          </p:nvPr>
+        </p:nvSpPr>
+        <p:spPr>
+          <a:xfrm>
+            <a:off x="1097280" y="758952"/>
+            <a:ext cx="10058400" cy="3566160"/>
           </a:xfrm>
         </p:spPr>
         <p:txBody>
-          <a:bodyPr anchor="b"/>
+          <a:bodyPr anchor="b">
+            <a:normAutofit/>
+          </a:bodyPr>
           <a:lstStyle>
-            <a:lvl1pPr>
-              <a:defRPr sz="7200"/>
-            </a:lvl1pPr>
-          </a:lstStyle>
-          <a:p>
-            <a:r>
-              <a:rPr lang="en-US"/>
-              <a:t>Click to edit Master title style</a:t>
-            </a:r>
-            <a:endParaRPr lang="en-US" dirty="0"/>
-          </a:p>
-        </p:txBody>
-      </p:sp>
-      <p:sp>
-        <p:nvSpPr>
-          <p:cNvPr id="3" name="Subtitle 2"/>
-          <p:cNvSpPr>
-            <a:spLocks noGrp="1"/>
-          </p:cNvSpPr>
-          <p:nvPr>
-            <p:ph type="subTitle" idx="1"/>
-          </p:nvPr>
-        </p:nvSpPr>
-        <p:spPr>
-          <a:xfrm>
-            <a:off x="1154955" y="4777380"/>
-            <a:ext cx="8825658" cy="861420"/>
-          </a:xfrm>
-        </p:spPr>
-        <p:txBody>
-          <a:bodyPr anchor="t"/>
-          <a:lstStyle>
-            <a:lvl1pPr marL="0" indent="0" algn="l">
-              <a:buNone/>
-              <a:defRPr cap="all">
+            <a:lvl1pPr algn="l">
+              <a:lnSpc>
+                <a:spcPct val="85000"/>
+              </a:lnSpc>
+              <a:defRPr sz="8000" spc="-50" baseline="0">
                 <a:solidFill>
-                  <a:schemeClr val="bg2">
-                    <a:lumMod val="40000"/>
-                    <a:lumOff val="60000"/>
+                  <a:schemeClr val="tx1">
+                    <a:lumMod val="85000"/>
+                    <a:lumOff val="15000"/>
                   </a:schemeClr>
                 </a:solidFill>
               </a:defRPr>
             </a:lvl1pPr>
+          </a:lstStyle>
+          <a:p>
+            <a:r>
+              <a:rPr lang="en-US"/>
+              <a:t>Click to edit Master title style</a:t>
+            </a:r>
+            <a:endParaRPr lang="en-US" dirty="0"/>
+          </a:p>
+        </p:txBody>
+      </p:sp>
+      <p:sp>
+        <p:nvSpPr>
+          <p:cNvPr id="3" name="Subtitle 2"/>
+          <p:cNvSpPr>
+            <a:spLocks noGrp="1"/>
+          </p:cNvSpPr>
+          <p:nvPr>
+            <p:ph type="subTitle" idx="1"/>
+          </p:nvPr>
+        </p:nvSpPr>
+        <p:spPr>
+          <a:xfrm>
+            <a:off x="1100051" y="4455620"/>
+            <a:ext cx="10058400" cy="1143000"/>
+          </a:xfrm>
+        </p:spPr>
+        <p:txBody>
+          <a:bodyPr lIns="91440" rIns="91440">
+            <a:normAutofit/>
+          </a:bodyPr>
+          <a:lstStyle>
+            <a:lvl1pPr marL="0" indent="0" algn="l">
+              <a:buNone/>
+              <a:defRPr sz="2400" cap="all" spc="200" baseline="0">
+                <a:solidFill>
+                  <a:schemeClr val="tx2"/>
+                </a:solidFill>
+                <a:latin typeface="+mj-lt"/>
+              </a:defRPr>
+            </a:lvl1pPr>
             <a:lvl2pPr marL="457200" indent="0" algn="ctr">
               <a:buNone/>
-              <a:defRPr>
-                <a:solidFill>
-                  <a:schemeClr val="tx1">
-                    <a:tint val="75000"/>
-                  </a:schemeClr>
-                </a:solidFill>
-              </a:defRPr>
+              <a:defRPr sz="2400"/>
             </a:lvl2pPr>
             <a:lvl3pPr marL="914400" indent="0" algn="ctr">
               <a:buNone/>
-              <a:defRPr>
-                <a:solidFill>
-                  <a:schemeClr val="tx1">
-                    <a:tint val="75000"/>
-                  </a:schemeClr>
-                </a:solidFill>
-              </a:defRPr>
+              <a:defRPr sz="2400"/>
             </a:lvl3pPr>
             <a:lvl4pPr marL="1371600" indent="0" algn="ctr">
               <a:buNone/>
-              <a:defRPr>
-                <a:solidFill>
-                  <a:schemeClr val="tx1">
-                    <a:tint val="75000"/>
-                  </a:schemeClr>
-                </a:solidFill>
-              </a:defRPr>
+              <a:defRPr sz="2000"/>
             </a:lvl4pPr>
             <a:lvl5pPr marL="1828800" indent="0" algn="ctr">
               <a:buNone/>
-              <a:defRPr>
-                <a:solidFill>
-                  <a:schemeClr val="tx1">
-                    <a:tint val="75000"/>
-                  </a:schemeClr>
-                </a:solidFill>
-              </a:defRPr>
+              <a:defRPr sz="2000"/>
             </a:lvl5pPr>
             <a:lvl6pPr marL="2286000" indent="0" algn="ctr">
               <a:buNone/>
-              <a:defRPr>
-                <a:solidFill>
-                  <a:schemeClr val="tx1">
-                    <a:tint val="75000"/>
-                  </a:schemeClr>
-                </a:solidFill>
-              </a:defRPr>
+              <a:defRPr sz="2000"/>
             </a:lvl6pPr>
             <a:lvl7pPr marL="2743200" indent="0" algn="ctr">
               <a:buNone/>
-              <a:defRPr>
-                <a:solidFill>
-                  <a:schemeClr val="tx1">
-                    <a:tint val="75000"/>
-                  </a:schemeClr>
-                </a:solidFill>
-              </a:defRPr>
+              <a:defRPr sz="2000"/>
             </a:lvl7pPr>
             <a:lvl8pPr marL="3200400" indent="0" algn="ctr">
               <a:buNone/>
-              <a:defRPr>
-                <a:solidFill>
-                  <a:schemeClr val="tx1">
-                    <a:tint val="75000"/>
-                  </a:schemeClr>
-                </a:solidFill>
-              </a:defRPr>
+              <a:defRPr sz="2000"/>
             </a:lvl8pPr>
             <a:lvl9pPr marL="3657600" indent="0" algn="ctr">
               <a:buNone/>
-              <a:defRPr>
-                <a:solidFill>
-                  <a:schemeClr val="tx1">
-                    <a:tint val="75000"/>
-                  </a:schemeClr>
-                </a:solidFill>
-              </a:defRPr>
+              <a:defRPr sz="2000"/>
             </a:lvl9pPr>
           </a:lstStyle>
           <a:p>
@@ -667,7 +712,7 @@
           <a:p>
             <a:fld id="{FD59F0F9-D457-40B1-A03A-FC6FE8C60E26}" type="datetimeFigureOut">
               <a:rPr lang="da-DK" smtClean="0"/>
-              <a:t>15-01-2022</a:t>
+              <a:t>16-01-2022</a:t>
             </a:fld>
             <a:endParaRPr lang="da-DK"/>
           </a:p>
@@ -715,10 +760,48 @@
           </a:p>
         </p:txBody>
       </p:sp>
+      <p:cxnSp>
+        <p:nvCxnSpPr>
+          <p:cNvPr id="9" name="Straight Connector 8"/>
+          <p:cNvCxnSpPr/>
+          <p:nvPr/>
+        </p:nvCxnSpPr>
+        <p:spPr>
+          <a:xfrm>
+            <a:off x="1207658" y="4343400"/>
+            <a:ext cx="9875520" cy="0"/>
+          </a:xfrm>
+          <a:prstGeom prst="line">
+            <a:avLst/>
+          </a:prstGeom>
+          <a:ln w="6350">
+            <a:solidFill>
+              <a:schemeClr val="tx1">
+                <a:lumMod val="50000"/>
+                <a:lumOff val="50000"/>
+              </a:schemeClr>
+            </a:solidFill>
+          </a:ln>
+        </p:spPr>
+        <p:style>
+          <a:lnRef idx="1">
+            <a:schemeClr val="accent1"/>
+          </a:lnRef>
+          <a:fillRef idx="0">
+            <a:schemeClr val="accent1"/>
+          </a:fillRef>
+          <a:effectRef idx="0">
+            <a:schemeClr val="accent1"/>
+          </a:effectRef>
+          <a:fontRef idx="minor">
+            <a:schemeClr val="tx1"/>
+          </a:fontRef>
+        </p:style>
+      </p:cxnSp>
     </p:spTree>
     <p:extLst>
       <p:ext uri="{BB962C8B-B14F-4D97-AF65-F5344CB8AC3E}">
-        <p14:creationId xmlns:p14="http://schemas.microsoft.com/office/powerpoint/2010/main" val="1783742298"/>
+        <p14:creationId xmlns:p14="http://schemas.microsoft.com/office/powerpoint/2010/main" val="1416926147"/>
       </p:ext>
     </p:extLst>
   </p:cSld>
@@ -729,2572 +812,6 @@
 </file>
 
 <file path=ppt/slideLayouts/slideLayout10.xml><?xml version="1.0" encoding="utf-8"?>
-<p:sldLayout xmlns:a="http://schemas.openxmlformats.org/drawingml/2006/main" xmlns:r="http://schemas.openxmlformats.org/officeDocument/2006/relationships" xmlns:p="http://schemas.openxmlformats.org/presentationml/2006/main" preserve="1">
-  <p:cSld name="Panoramic Picture with Caption">
-    <p:spTree>
-      <p:nvGrpSpPr>
-        <p:cNvPr id="1" name=""/>
-        <p:cNvGrpSpPr/>
-        <p:nvPr/>
-      </p:nvGrpSpPr>
-      <p:grpSpPr>
-        <a:xfrm>
-          <a:off x="0" y="0"/>
-          <a:ext cx="0" cy="0"/>
-          <a:chOff x="0" y="0"/>
-          <a:chExt cx="0" cy="0"/>
-        </a:xfrm>
-      </p:grpSpPr>
-      <p:sp>
-        <p:nvSpPr>
-          <p:cNvPr id="2" name="Title 1"/>
-          <p:cNvSpPr>
-            <a:spLocks noGrp="1"/>
-          </p:cNvSpPr>
-          <p:nvPr>
-            <p:ph type="title"/>
-          </p:nvPr>
-        </p:nvSpPr>
-        <p:spPr>
-          <a:xfrm>
-            <a:off x="1154956" y="4800587"/>
-            <a:ext cx="8825657" cy="566738"/>
-          </a:xfrm>
-        </p:spPr>
-        <p:txBody>
-          <a:bodyPr anchor="b">
-            <a:normAutofit/>
-          </a:bodyPr>
-          <a:lstStyle>
-            <a:lvl1pPr algn="l">
-              <a:defRPr sz="2400" b="0"/>
-            </a:lvl1pPr>
-          </a:lstStyle>
-          <a:p>
-            <a:r>
-              <a:rPr lang="en-US"/>
-              <a:t>Click to edit Master title style</a:t>
-            </a:r>
-            <a:endParaRPr lang="en-US" dirty="0"/>
-          </a:p>
-        </p:txBody>
-      </p:sp>
-      <p:sp>
-        <p:nvSpPr>
-          <p:cNvPr id="3" name="Picture Placeholder 2"/>
-          <p:cNvSpPr>
-            <a:spLocks noGrp="1" noChangeAspect="1"/>
-          </p:cNvSpPr>
-          <p:nvPr>
-            <p:ph type="pic" idx="1"/>
-          </p:nvPr>
-        </p:nvSpPr>
-        <p:spPr>
-          <a:xfrm>
-            <a:off x="1154955" y="685800"/>
-            <a:ext cx="8825658" cy="3640666"/>
-          </a:xfrm>
-          <a:prstGeom prst="roundRect">
-            <a:avLst>
-              <a:gd name="adj" fmla="val 1858"/>
-            </a:avLst>
-          </a:prstGeom>
-          <a:effectLst>
-            <a:outerShdw blurRad="50800" dist="50800" dir="5400000" algn="tl" rotWithShape="0">
-              <a:srgbClr val="000000">
-                <a:alpha val="43000"/>
-              </a:srgbClr>
-            </a:outerShdw>
-          </a:effectLst>
-        </p:spPr>
-        <p:txBody>
-          <a:bodyPr anchor="t">
-            <a:normAutofit/>
-          </a:bodyPr>
-          <a:lstStyle>
-            <a:lvl1pPr marL="0" indent="0" algn="ctr">
-              <a:buNone/>
-              <a:defRPr sz="1600"/>
-            </a:lvl1pPr>
-            <a:lvl2pPr marL="457200" indent="0">
-              <a:buNone/>
-              <a:defRPr sz="1600"/>
-            </a:lvl2pPr>
-            <a:lvl3pPr marL="914400" indent="0">
-              <a:buNone/>
-              <a:defRPr sz="1600"/>
-            </a:lvl3pPr>
-            <a:lvl4pPr marL="1371600" indent="0">
-              <a:buNone/>
-              <a:defRPr sz="1600"/>
-            </a:lvl4pPr>
-            <a:lvl5pPr marL="1828800" indent="0">
-              <a:buNone/>
-              <a:defRPr sz="1600"/>
-            </a:lvl5pPr>
-            <a:lvl6pPr marL="2286000" indent="0">
-              <a:buNone/>
-              <a:defRPr sz="1600"/>
-            </a:lvl6pPr>
-            <a:lvl7pPr marL="2743200" indent="0">
-              <a:buNone/>
-              <a:defRPr sz="1600"/>
-            </a:lvl7pPr>
-            <a:lvl8pPr marL="3200400" indent="0">
-              <a:buNone/>
-              <a:defRPr sz="1600"/>
-            </a:lvl8pPr>
-            <a:lvl9pPr marL="3657600" indent="0">
-              <a:buNone/>
-              <a:defRPr sz="1600"/>
-            </a:lvl9pPr>
-          </a:lstStyle>
-          <a:p>
-            <a:r>
-              <a:rPr lang="en-US"/>
-              <a:t>Click icon to add picture</a:t>
-            </a:r>
-            <a:endParaRPr lang="en-US" dirty="0"/>
-          </a:p>
-        </p:txBody>
-      </p:sp>
-      <p:sp>
-        <p:nvSpPr>
-          <p:cNvPr id="4" name="Text Placeholder 3"/>
-          <p:cNvSpPr>
-            <a:spLocks noGrp="1"/>
-          </p:cNvSpPr>
-          <p:nvPr>
-            <p:ph type="body" sz="half" idx="2"/>
-          </p:nvPr>
-        </p:nvSpPr>
-        <p:spPr>
-          <a:xfrm>
-            <a:off x="1154956" y="5367325"/>
-            <a:ext cx="8825656" cy="493712"/>
-          </a:xfrm>
-        </p:spPr>
-        <p:txBody>
-          <a:bodyPr>
-            <a:normAutofit/>
-          </a:bodyPr>
-          <a:lstStyle>
-            <a:lvl1pPr marL="0" indent="0">
-              <a:buNone/>
-              <a:defRPr sz="1200"/>
-            </a:lvl1pPr>
-            <a:lvl2pPr marL="457200" indent="0">
-              <a:buNone/>
-              <a:defRPr sz="1200"/>
-            </a:lvl2pPr>
-            <a:lvl3pPr marL="914400" indent="0">
-              <a:buNone/>
-              <a:defRPr sz="1000"/>
-            </a:lvl3pPr>
-            <a:lvl4pPr marL="1371600" indent="0">
-              <a:buNone/>
-              <a:defRPr sz="900"/>
-            </a:lvl4pPr>
-            <a:lvl5pPr marL="1828800" indent="0">
-              <a:buNone/>
-              <a:defRPr sz="900"/>
-            </a:lvl5pPr>
-            <a:lvl6pPr marL="2286000" indent="0">
-              <a:buNone/>
-              <a:defRPr sz="900"/>
-            </a:lvl6pPr>
-            <a:lvl7pPr marL="2743200" indent="0">
-              <a:buNone/>
-              <a:defRPr sz="900"/>
-            </a:lvl7pPr>
-            <a:lvl8pPr marL="3200400" indent="0">
-              <a:buNone/>
-              <a:defRPr sz="900"/>
-            </a:lvl8pPr>
-            <a:lvl9pPr marL="3657600" indent="0">
-              <a:buNone/>
-              <a:defRPr sz="900"/>
-            </a:lvl9pPr>
-          </a:lstStyle>
-          <a:p>
-            <a:pPr lvl="0"/>
-            <a:r>
-              <a:rPr lang="en-US"/>
-              <a:t>Click to edit Master text styles</a:t>
-            </a:r>
-          </a:p>
-        </p:txBody>
-      </p:sp>
-      <p:sp>
-        <p:nvSpPr>
-          <p:cNvPr id="5" name="Date Placeholder 4"/>
-          <p:cNvSpPr>
-            <a:spLocks noGrp="1"/>
-          </p:cNvSpPr>
-          <p:nvPr>
-            <p:ph type="dt" sz="half" idx="10"/>
-          </p:nvPr>
-        </p:nvSpPr>
-        <p:spPr/>
-        <p:txBody>
-          <a:bodyPr/>
-          <a:lstStyle/>
-          <a:p>
-            <a:fld id="{FD59F0F9-D457-40B1-A03A-FC6FE8C60E26}" type="datetimeFigureOut">
-              <a:rPr lang="da-DK" smtClean="0"/>
-              <a:t>15-01-2022</a:t>
-            </a:fld>
-            <a:endParaRPr lang="da-DK"/>
-          </a:p>
-        </p:txBody>
-      </p:sp>
-      <p:sp>
-        <p:nvSpPr>
-          <p:cNvPr id="6" name="Footer Placeholder 5"/>
-          <p:cNvSpPr>
-            <a:spLocks noGrp="1"/>
-          </p:cNvSpPr>
-          <p:nvPr>
-            <p:ph type="ftr" sz="quarter" idx="11"/>
-          </p:nvPr>
-        </p:nvSpPr>
-        <p:spPr/>
-        <p:txBody>
-          <a:bodyPr/>
-          <a:lstStyle/>
-          <a:p>
-            <a:endParaRPr lang="da-DK"/>
-          </a:p>
-        </p:txBody>
-      </p:sp>
-      <p:sp>
-        <p:nvSpPr>
-          <p:cNvPr id="7" name="Slide Number Placeholder 6"/>
-          <p:cNvSpPr>
-            <a:spLocks noGrp="1"/>
-          </p:cNvSpPr>
-          <p:nvPr>
-            <p:ph type="sldNum" sz="quarter" idx="12"/>
-          </p:nvPr>
-        </p:nvSpPr>
-        <p:spPr/>
-        <p:txBody>
-          <a:bodyPr/>
-          <a:lstStyle/>
-          <a:p>
-            <a:fld id="{489B7644-859D-4C1C-8690-A1D7D58893F1}" type="slidenum">
-              <a:rPr lang="da-DK" smtClean="0"/>
-              <a:t>‹#›</a:t>
-            </a:fld>
-            <a:endParaRPr lang="da-DK"/>
-          </a:p>
-        </p:txBody>
-      </p:sp>
-    </p:spTree>
-    <p:extLst>
-      <p:ext uri="{BB962C8B-B14F-4D97-AF65-F5344CB8AC3E}">
-        <p14:creationId xmlns:p14="http://schemas.microsoft.com/office/powerpoint/2010/main" val="3130901808"/>
-      </p:ext>
-    </p:extLst>
-  </p:cSld>
-  <p:clrMapOvr>
-    <a:masterClrMapping/>
-  </p:clrMapOvr>
-</p:sldLayout>
-</file>
-
-<file path=ppt/slideLayouts/slideLayout11.xml><?xml version="1.0" encoding="utf-8"?>
-<p:sldLayout xmlns:a="http://schemas.openxmlformats.org/drawingml/2006/main" xmlns:r="http://schemas.openxmlformats.org/officeDocument/2006/relationships" xmlns:p="http://schemas.openxmlformats.org/presentationml/2006/main" preserve="1">
-  <p:cSld name="Title and Caption">
-    <p:spTree>
-      <p:nvGrpSpPr>
-        <p:cNvPr id="1" name=""/>
-        <p:cNvGrpSpPr/>
-        <p:nvPr/>
-      </p:nvGrpSpPr>
-      <p:grpSpPr>
-        <a:xfrm>
-          <a:off x="0" y="0"/>
-          <a:ext cx="0" cy="0"/>
-          <a:chOff x="0" y="0"/>
-          <a:chExt cx="0" cy="0"/>
-        </a:xfrm>
-      </p:grpSpPr>
-      <p:sp>
-        <p:nvSpPr>
-          <p:cNvPr id="2" name="Title 1"/>
-          <p:cNvSpPr>
-            <a:spLocks noGrp="1"/>
-          </p:cNvSpPr>
-          <p:nvPr>
-            <p:ph type="title"/>
-          </p:nvPr>
-        </p:nvSpPr>
-        <p:spPr>
-          <a:xfrm>
-            <a:off x="1154954" y="1447800"/>
-            <a:ext cx="8825659" cy="1981200"/>
-          </a:xfrm>
-        </p:spPr>
-        <p:txBody>
-          <a:bodyPr/>
-          <a:lstStyle>
-            <a:lvl1pPr>
-              <a:defRPr sz="4800"/>
-            </a:lvl1pPr>
-          </a:lstStyle>
-          <a:p>
-            <a:r>
-              <a:rPr lang="en-US"/>
-              <a:t>Click to edit Master title style</a:t>
-            </a:r>
-            <a:endParaRPr lang="en-US" dirty="0"/>
-          </a:p>
-        </p:txBody>
-      </p:sp>
-      <p:sp>
-        <p:nvSpPr>
-          <p:cNvPr id="8" name="Text Placeholder 3"/>
-          <p:cNvSpPr>
-            <a:spLocks noGrp="1"/>
-          </p:cNvSpPr>
-          <p:nvPr>
-            <p:ph type="body" sz="half" idx="2"/>
-          </p:nvPr>
-        </p:nvSpPr>
-        <p:spPr>
-          <a:xfrm>
-            <a:off x="1154954" y="3657600"/>
-            <a:ext cx="8825659" cy="2362200"/>
-          </a:xfrm>
-        </p:spPr>
-        <p:txBody>
-          <a:bodyPr anchor="ctr">
-            <a:normAutofit/>
-          </a:bodyPr>
-          <a:lstStyle>
-            <a:lvl1pPr marL="0" indent="0">
-              <a:buNone/>
-              <a:defRPr sz="1800"/>
-            </a:lvl1pPr>
-            <a:lvl2pPr marL="457200" indent="0">
-              <a:buNone/>
-              <a:defRPr sz="1200"/>
-            </a:lvl2pPr>
-            <a:lvl3pPr marL="914400" indent="0">
-              <a:buNone/>
-              <a:defRPr sz="1000"/>
-            </a:lvl3pPr>
-            <a:lvl4pPr marL="1371600" indent="0">
-              <a:buNone/>
-              <a:defRPr sz="900"/>
-            </a:lvl4pPr>
-            <a:lvl5pPr marL="1828800" indent="0">
-              <a:buNone/>
-              <a:defRPr sz="900"/>
-            </a:lvl5pPr>
-            <a:lvl6pPr marL="2286000" indent="0">
-              <a:buNone/>
-              <a:defRPr sz="900"/>
-            </a:lvl6pPr>
-            <a:lvl7pPr marL="2743200" indent="0">
-              <a:buNone/>
-              <a:defRPr sz="900"/>
-            </a:lvl7pPr>
-            <a:lvl8pPr marL="3200400" indent="0">
-              <a:buNone/>
-              <a:defRPr sz="900"/>
-            </a:lvl8pPr>
-            <a:lvl9pPr marL="3657600" indent="0">
-              <a:buNone/>
-              <a:defRPr sz="900"/>
-            </a:lvl9pPr>
-          </a:lstStyle>
-          <a:p>
-            <a:pPr lvl="0"/>
-            <a:r>
-              <a:rPr lang="en-US"/>
-              <a:t>Click to edit Master text styles</a:t>
-            </a:r>
-          </a:p>
-        </p:txBody>
-      </p:sp>
-      <p:sp>
-        <p:nvSpPr>
-          <p:cNvPr id="4" name="Date Placeholder 3"/>
-          <p:cNvSpPr>
-            <a:spLocks noGrp="1"/>
-          </p:cNvSpPr>
-          <p:nvPr>
-            <p:ph type="dt" sz="half" idx="10"/>
-          </p:nvPr>
-        </p:nvSpPr>
-        <p:spPr/>
-        <p:txBody>
-          <a:bodyPr/>
-          <a:lstStyle/>
-          <a:p>
-            <a:fld id="{FD59F0F9-D457-40B1-A03A-FC6FE8C60E26}" type="datetimeFigureOut">
-              <a:rPr lang="da-DK" smtClean="0"/>
-              <a:t>15-01-2022</a:t>
-            </a:fld>
-            <a:endParaRPr lang="da-DK"/>
-          </a:p>
-        </p:txBody>
-      </p:sp>
-      <p:sp>
-        <p:nvSpPr>
-          <p:cNvPr id="5" name="Footer Placeholder 4"/>
-          <p:cNvSpPr>
-            <a:spLocks noGrp="1"/>
-          </p:cNvSpPr>
-          <p:nvPr>
-            <p:ph type="ftr" sz="quarter" idx="11"/>
-          </p:nvPr>
-        </p:nvSpPr>
-        <p:spPr/>
-        <p:txBody>
-          <a:bodyPr/>
-          <a:lstStyle/>
-          <a:p>
-            <a:endParaRPr lang="da-DK"/>
-          </a:p>
-        </p:txBody>
-      </p:sp>
-      <p:sp>
-        <p:nvSpPr>
-          <p:cNvPr id="6" name="Slide Number Placeholder 5"/>
-          <p:cNvSpPr>
-            <a:spLocks noGrp="1"/>
-          </p:cNvSpPr>
-          <p:nvPr>
-            <p:ph type="sldNum" sz="quarter" idx="12"/>
-          </p:nvPr>
-        </p:nvSpPr>
-        <p:spPr/>
-        <p:txBody>
-          <a:bodyPr/>
-          <a:lstStyle/>
-          <a:p>
-            <a:fld id="{489B7644-859D-4C1C-8690-A1D7D58893F1}" type="slidenum">
-              <a:rPr lang="da-DK" smtClean="0"/>
-              <a:t>‹#›</a:t>
-            </a:fld>
-            <a:endParaRPr lang="da-DK"/>
-          </a:p>
-        </p:txBody>
-      </p:sp>
-    </p:spTree>
-    <p:extLst>
-      <p:ext uri="{BB962C8B-B14F-4D97-AF65-F5344CB8AC3E}">
-        <p14:creationId xmlns:p14="http://schemas.microsoft.com/office/powerpoint/2010/main" val="3648158489"/>
-      </p:ext>
-    </p:extLst>
-  </p:cSld>
-  <p:clrMapOvr>
-    <a:masterClrMapping/>
-  </p:clrMapOvr>
-</p:sldLayout>
-</file>
-
-<file path=ppt/slideLayouts/slideLayout12.xml><?xml version="1.0" encoding="utf-8"?>
-<p:sldLayout xmlns:a="http://schemas.openxmlformats.org/drawingml/2006/main" xmlns:r="http://schemas.openxmlformats.org/officeDocument/2006/relationships" xmlns:p="http://schemas.openxmlformats.org/presentationml/2006/main" preserve="1">
-  <p:cSld name="Quote with Caption">
-    <p:spTree>
-      <p:nvGrpSpPr>
-        <p:cNvPr id="1" name=""/>
-        <p:cNvGrpSpPr/>
-        <p:nvPr/>
-      </p:nvGrpSpPr>
-      <p:grpSpPr>
-        <a:xfrm>
-          <a:off x="0" y="0"/>
-          <a:ext cx="0" cy="0"/>
-          <a:chOff x="0" y="0"/>
-          <a:chExt cx="0" cy="0"/>
-        </a:xfrm>
-      </p:grpSpPr>
-      <p:sp>
-        <p:nvSpPr>
-          <p:cNvPr id="2" name="Title 1"/>
-          <p:cNvSpPr>
-            <a:spLocks noGrp="1"/>
-          </p:cNvSpPr>
-          <p:nvPr>
-            <p:ph type="title"/>
-          </p:nvPr>
-        </p:nvSpPr>
-        <p:spPr>
-          <a:xfrm>
-            <a:off x="1574801" y="1447800"/>
-            <a:ext cx="7999315" cy="2323374"/>
-          </a:xfrm>
-        </p:spPr>
-        <p:txBody>
-          <a:bodyPr/>
-          <a:lstStyle>
-            <a:lvl1pPr>
-              <a:defRPr sz="4800"/>
-            </a:lvl1pPr>
-          </a:lstStyle>
-          <a:p>
-            <a:r>
-              <a:rPr lang="en-US"/>
-              <a:t>Click to edit Master title style</a:t>
-            </a:r>
-            <a:endParaRPr lang="en-US" dirty="0"/>
-          </a:p>
-        </p:txBody>
-      </p:sp>
-      <p:sp>
-        <p:nvSpPr>
-          <p:cNvPr id="11" name="Text Placeholder 3"/>
-          <p:cNvSpPr>
-            <a:spLocks noGrp="1"/>
-          </p:cNvSpPr>
-          <p:nvPr>
-            <p:ph type="body" sz="half" idx="14"/>
-          </p:nvPr>
-        </p:nvSpPr>
-        <p:spPr>
-          <a:xfrm>
-            <a:off x="1930400" y="3771174"/>
-            <a:ext cx="7279649" cy="342174"/>
-          </a:xfrm>
-        </p:spPr>
-        <p:txBody>
-          <a:bodyPr vert="horz" lIns="91440" tIns="45720" rIns="91440" bIns="45720" rtlCol="0" anchor="t">
-            <a:normAutofit/>
-          </a:bodyPr>
-          <a:lstStyle>
-            <a:lvl1pPr marL="0" indent="0">
-              <a:buNone/>
-              <a:defRPr lang="en-US" sz="1400" b="0" i="0" kern="1200" cap="small" dirty="0">
-                <a:solidFill>
-                  <a:schemeClr val="bg2">
-                    <a:lumMod val="40000"/>
-                    <a:lumOff val="60000"/>
-                  </a:schemeClr>
-                </a:solidFill>
-                <a:latin typeface="+mj-lt"/>
-                <a:ea typeface="+mj-ea"/>
-                <a:cs typeface="+mj-cs"/>
-              </a:defRPr>
-            </a:lvl1pPr>
-            <a:lvl2pPr marL="457200" indent="0">
-              <a:buNone/>
-              <a:defRPr sz="1200"/>
-            </a:lvl2pPr>
-            <a:lvl3pPr marL="914400" indent="0">
-              <a:buNone/>
-              <a:defRPr sz="1000"/>
-            </a:lvl3pPr>
-            <a:lvl4pPr marL="1371600" indent="0">
-              <a:buNone/>
-              <a:defRPr sz="900"/>
-            </a:lvl4pPr>
-            <a:lvl5pPr marL="1828800" indent="0">
-              <a:buNone/>
-              <a:defRPr sz="900"/>
-            </a:lvl5pPr>
-            <a:lvl6pPr marL="2286000" indent="0">
-              <a:buNone/>
-              <a:defRPr sz="900"/>
-            </a:lvl6pPr>
-            <a:lvl7pPr marL="2743200" indent="0">
-              <a:buNone/>
-              <a:defRPr sz="900"/>
-            </a:lvl7pPr>
-            <a:lvl8pPr marL="3200400" indent="0">
-              <a:buNone/>
-              <a:defRPr sz="900"/>
-            </a:lvl8pPr>
-            <a:lvl9pPr marL="3657600" indent="0">
-              <a:buNone/>
-              <a:defRPr sz="900"/>
-            </a:lvl9pPr>
-          </a:lstStyle>
-          <a:p>
-            <a:pPr marL="0" lvl="0" indent="0">
-              <a:buNone/>
-            </a:pPr>
-            <a:r>
-              <a:rPr lang="en-US"/>
-              <a:t>Click to edit Master text styles</a:t>
-            </a:r>
-          </a:p>
-        </p:txBody>
-      </p:sp>
-      <p:sp>
-        <p:nvSpPr>
-          <p:cNvPr id="10" name="Text Placeholder 3"/>
-          <p:cNvSpPr>
-            <a:spLocks noGrp="1"/>
-          </p:cNvSpPr>
-          <p:nvPr>
-            <p:ph type="body" sz="half" idx="2"/>
-          </p:nvPr>
-        </p:nvSpPr>
-        <p:spPr>
-          <a:xfrm>
-            <a:off x="1154954" y="4350657"/>
-            <a:ext cx="8825659" cy="1676400"/>
-          </a:xfrm>
-        </p:spPr>
-        <p:txBody>
-          <a:bodyPr anchor="ctr">
-            <a:normAutofit/>
-          </a:bodyPr>
-          <a:lstStyle>
-            <a:lvl1pPr marL="0" indent="0">
-              <a:buNone/>
-              <a:defRPr sz="1800"/>
-            </a:lvl1pPr>
-            <a:lvl2pPr marL="457200" indent="0">
-              <a:buNone/>
-              <a:defRPr sz="1200"/>
-            </a:lvl2pPr>
-            <a:lvl3pPr marL="914400" indent="0">
-              <a:buNone/>
-              <a:defRPr sz="1000"/>
-            </a:lvl3pPr>
-            <a:lvl4pPr marL="1371600" indent="0">
-              <a:buNone/>
-              <a:defRPr sz="900"/>
-            </a:lvl4pPr>
-            <a:lvl5pPr marL="1828800" indent="0">
-              <a:buNone/>
-              <a:defRPr sz="900"/>
-            </a:lvl5pPr>
-            <a:lvl6pPr marL="2286000" indent="0">
-              <a:buNone/>
-              <a:defRPr sz="900"/>
-            </a:lvl6pPr>
-            <a:lvl7pPr marL="2743200" indent="0">
-              <a:buNone/>
-              <a:defRPr sz="900"/>
-            </a:lvl7pPr>
-            <a:lvl8pPr marL="3200400" indent="0">
-              <a:buNone/>
-              <a:defRPr sz="900"/>
-            </a:lvl8pPr>
-            <a:lvl9pPr marL="3657600" indent="0">
-              <a:buNone/>
-              <a:defRPr sz="900"/>
-            </a:lvl9pPr>
-          </a:lstStyle>
-          <a:p>
-            <a:pPr lvl="0"/>
-            <a:r>
-              <a:rPr lang="en-US"/>
-              <a:t>Click to edit Master text styles</a:t>
-            </a:r>
-          </a:p>
-        </p:txBody>
-      </p:sp>
-      <p:sp>
-        <p:nvSpPr>
-          <p:cNvPr id="4" name="Date Placeholder 3"/>
-          <p:cNvSpPr>
-            <a:spLocks noGrp="1"/>
-          </p:cNvSpPr>
-          <p:nvPr>
-            <p:ph type="dt" sz="half" idx="10"/>
-          </p:nvPr>
-        </p:nvSpPr>
-        <p:spPr/>
-        <p:txBody>
-          <a:bodyPr/>
-          <a:lstStyle/>
-          <a:p>
-            <a:fld id="{FD59F0F9-D457-40B1-A03A-FC6FE8C60E26}" type="datetimeFigureOut">
-              <a:rPr lang="da-DK" smtClean="0"/>
-              <a:t>15-01-2022</a:t>
-            </a:fld>
-            <a:endParaRPr lang="da-DK"/>
-          </a:p>
-        </p:txBody>
-      </p:sp>
-      <p:sp>
-        <p:nvSpPr>
-          <p:cNvPr id="5" name="Footer Placeholder 4"/>
-          <p:cNvSpPr>
-            <a:spLocks noGrp="1"/>
-          </p:cNvSpPr>
-          <p:nvPr>
-            <p:ph type="ftr" sz="quarter" idx="11"/>
-          </p:nvPr>
-        </p:nvSpPr>
-        <p:spPr/>
-        <p:txBody>
-          <a:bodyPr/>
-          <a:lstStyle/>
-          <a:p>
-            <a:endParaRPr lang="da-DK"/>
-          </a:p>
-        </p:txBody>
-      </p:sp>
-      <p:sp>
-        <p:nvSpPr>
-          <p:cNvPr id="6" name="Slide Number Placeholder 5"/>
-          <p:cNvSpPr>
-            <a:spLocks noGrp="1"/>
-          </p:cNvSpPr>
-          <p:nvPr>
-            <p:ph type="sldNum" sz="quarter" idx="12"/>
-          </p:nvPr>
-        </p:nvSpPr>
-        <p:spPr/>
-        <p:txBody>
-          <a:bodyPr/>
-          <a:lstStyle/>
-          <a:p>
-            <a:fld id="{489B7644-859D-4C1C-8690-A1D7D58893F1}" type="slidenum">
-              <a:rPr lang="da-DK" smtClean="0"/>
-              <a:t>‹#›</a:t>
-            </a:fld>
-            <a:endParaRPr lang="da-DK"/>
-          </a:p>
-        </p:txBody>
-      </p:sp>
-      <p:sp>
-        <p:nvSpPr>
-          <p:cNvPr id="12" name="TextBox 11"/>
-          <p:cNvSpPr txBox="1"/>
-          <p:nvPr/>
-        </p:nvSpPr>
-        <p:spPr>
-          <a:xfrm>
-            <a:off x="898295" y="971253"/>
-            <a:ext cx="801912" cy="1969770"/>
-          </a:xfrm>
-          <a:prstGeom prst="rect">
-            <a:avLst/>
-          </a:prstGeom>
-          <a:noFill/>
-        </p:spPr>
-        <p:txBody>
-          <a:bodyPr wrap="square" rtlCol="0">
-            <a:spAutoFit/>
-          </a:bodyPr>
-          <a:lstStyle>
-            <a:defPPr>
-              <a:defRPr lang="en-US"/>
-            </a:defPPr>
-            <a:lvl1pPr algn="r">
-              <a:defRPr sz="12200" b="0" i="0">
-                <a:solidFill>
-                  <a:schemeClr val="bg2">
-                    <a:lumMod val="40000"/>
-                    <a:lumOff val="60000"/>
-                  </a:schemeClr>
-                </a:solidFill>
-                <a:latin typeface="Arial"/>
-                <a:ea typeface="+mj-ea"/>
-                <a:cs typeface="+mj-cs"/>
-              </a:defRPr>
-            </a:lvl1pPr>
-          </a:lstStyle>
-          <a:p>
-            <a:pPr lvl="0"/>
-            <a:r>
-              <a:rPr lang="en-US" dirty="0"/>
-              <a:t>“</a:t>
-            </a:r>
-          </a:p>
-        </p:txBody>
-      </p:sp>
-      <p:sp>
-        <p:nvSpPr>
-          <p:cNvPr id="15" name="TextBox 14"/>
-          <p:cNvSpPr txBox="1"/>
-          <p:nvPr/>
-        </p:nvSpPr>
-        <p:spPr>
-          <a:xfrm>
-            <a:off x="9330490" y="2613787"/>
-            <a:ext cx="801912" cy="1969770"/>
-          </a:xfrm>
-          <a:prstGeom prst="rect">
-            <a:avLst/>
-          </a:prstGeom>
-          <a:noFill/>
-        </p:spPr>
-        <p:txBody>
-          <a:bodyPr wrap="square" rtlCol="0">
-            <a:spAutoFit/>
-          </a:bodyPr>
-          <a:lstStyle>
-            <a:defPPr>
-              <a:defRPr lang="en-US"/>
-            </a:defPPr>
-            <a:lvl1pPr algn="r">
-              <a:defRPr sz="12200" b="0" i="0">
-                <a:solidFill>
-                  <a:schemeClr val="bg2">
-                    <a:lumMod val="40000"/>
-                    <a:lumOff val="60000"/>
-                  </a:schemeClr>
-                </a:solidFill>
-                <a:latin typeface="Arial"/>
-                <a:ea typeface="+mj-ea"/>
-                <a:cs typeface="+mj-cs"/>
-              </a:defRPr>
-            </a:lvl1pPr>
-          </a:lstStyle>
-          <a:p>
-            <a:pPr lvl="0"/>
-            <a:r>
-              <a:rPr lang="en-US" dirty="0"/>
-              <a:t>”</a:t>
-            </a:r>
-          </a:p>
-        </p:txBody>
-      </p:sp>
-    </p:spTree>
-    <p:extLst>
-      <p:ext uri="{BB962C8B-B14F-4D97-AF65-F5344CB8AC3E}">
-        <p14:creationId xmlns:p14="http://schemas.microsoft.com/office/powerpoint/2010/main" val="187052642"/>
-      </p:ext>
-    </p:extLst>
-  </p:cSld>
-  <p:clrMapOvr>
-    <a:masterClrMapping/>
-  </p:clrMapOvr>
-</p:sldLayout>
-</file>
-
-<file path=ppt/slideLayouts/slideLayout13.xml><?xml version="1.0" encoding="utf-8"?>
-<p:sldLayout xmlns:a="http://schemas.openxmlformats.org/drawingml/2006/main" xmlns:r="http://schemas.openxmlformats.org/officeDocument/2006/relationships" xmlns:p="http://schemas.openxmlformats.org/presentationml/2006/main" preserve="1">
-  <p:cSld name="Name Card">
-    <p:spTree>
-      <p:nvGrpSpPr>
-        <p:cNvPr id="1" name=""/>
-        <p:cNvGrpSpPr/>
-        <p:nvPr/>
-      </p:nvGrpSpPr>
-      <p:grpSpPr>
-        <a:xfrm>
-          <a:off x="0" y="0"/>
-          <a:ext cx="0" cy="0"/>
-          <a:chOff x="0" y="0"/>
-          <a:chExt cx="0" cy="0"/>
-        </a:xfrm>
-      </p:grpSpPr>
-      <p:sp>
-        <p:nvSpPr>
-          <p:cNvPr id="2" name="Title 1"/>
-          <p:cNvSpPr>
-            <a:spLocks noGrp="1"/>
-          </p:cNvSpPr>
-          <p:nvPr>
-            <p:ph type="title"/>
-          </p:nvPr>
-        </p:nvSpPr>
-        <p:spPr>
-          <a:xfrm>
-            <a:off x="1154954" y="3124201"/>
-            <a:ext cx="8825660" cy="1653180"/>
-          </a:xfrm>
-        </p:spPr>
-        <p:txBody>
-          <a:bodyPr anchor="b"/>
-          <a:lstStyle>
-            <a:lvl1pPr algn="l">
-              <a:defRPr sz="4000" b="0" cap="none"/>
-            </a:lvl1pPr>
-          </a:lstStyle>
-          <a:p>
-            <a:r>
-              <a:rPr lang="en-US"/>
-              <a:t>Click to edit Master title style</a:t>
-            </a:r>
-            <a:endParaRPr lang="en-US" dirty="0"/>
-          </a:p>
-        </p:txBody>
-      </p:sp>
-      <p:sp>
-        <p:nvSpPr>
-          <p:cNvPr id="3" name="Text Placeholder 2"/>
-          <p:cNvSpPr>
-            <a:spLocks noGrp="1"/>
-          </p:cNvSpPr>
-          <p:nvPr>
-            <p:ph type="body" idx="1"/>
-          </p:nvPr>
-        </p:nvSpPr>
-        <p:spPr>
-          <a:xfrm>
-            <a:off x="1154954" y="4777381"/>
-            <a:ext cx="8825659" cy="860400"/>
-          </a:xfrm>
-        </p:spPr>
-        <p:txBody>
-          <a:bodyPr anchor="t"/>
-          <a:lstStyle>
-            <a:lvl1pPr marL="0" indent="0" algn="l">
-              <a:buNone/>
-              <a:defRPr sz="2000" cap="none">
-                <a:solidFill>
-                  <a:schemeClr val="bg2">
-                    <a:lumMod val="40000"/>
-                    <a:lumOff val="60000"/>
-                  </a:schemeClr>
-                </a:solidFill>
-              </a:defRPr>
-            </a:lvl1pPr>
-            <a:lvl2pPr marL="457200" indent="0">
-              <a:buNone/>
-              <a:defRPr sz="1800">
-                <a:solidFill>
-                  <a:schemeClr val="tx1">
-                    <a:tint val="75000"/>
-                  </a:schemeClr>
-                </a:solidFill>
-              </a:defRPr>
-            </a:lvl2pPr>
-            <a:lvl3pPr marL="914400" indent="0">
-              <a:buNone/>
-              <a:defRPr sz="1600">
-                <a:solidFill>
-                  <a:schemeClr val="tx1">
-                    <a:tint val="75000"/>
-                  </a:schemeClr>
-                </a:solidFill>
-              </a:defRPr>
-            </a:lvl3pPr>
-            <a:lvl4pPr marL="1371600" indent="0">
-              <a:buNone/>
-              <a:defRPr sz="1400">
-                <a:solidFill>
-                  <a:schemeClr val="tx1">
-                    <a:tint val="75000"/>
-                  </a:schemeClr>
-                </a:solidFill>
-              </a:defRPr>
-            </a:lvl4pPr>
-            <a:lvl5pPr marL="1828800" indent="0">
-              <a:buNone/>
-              <a:defRPr sz="1400">
-                <a:solidFill>
-                  <a:schemeClr val="tx1">
-                    <a:tint val="75000"/>
-                  </a:schemeClr>
-                </a:solidFill>
-              </a:defRPr>
-            </a:lvl5pPr>
-            <a:lvl6pPr marL="2286000" indent="0">
-              <a:buNone/>
-              <a:defRPr sz="1400">
-                <a:solidFill>
-                  <a:schemeClr val="tx1">
-                    <a:tint val="75000"/>
-                  </a:schemeClr>
-                </a:solidFill>
-              </a:defRPr>
-            </a:lvl6pPr>
-            <a:lvl7pPr marL="2743200" indent="0">
-              <a:buNone/>
-              <a:defRPr sz="1400">
-                <a:solidFill>
-                  <a:schemeClr val="tx1">
-                    <a:tint val="75000"/>
-                  </a:schemeClr>
-                </a:solidFill>
-              </a:defRPr>
-            </a:lvl7pPr>
-            <a:lvl8pPr marL="3200400" indent="0">
-              <a:buNone/>
-              <a:defRPr sz="1400">
-                <a:solidFill>
-                  <a:schemeClr val="tx1">
-                    <a:tint val="75000"/>
-                  </a:schemeClr>
-                </a:solidFill>
-              </a:defRPr>
-            </a:lvl8pPr>
-            <a:lvl9pPr marL="3657600" indent="0">
-              <a:buNone/>
-              <a:defRPr sz="1400">
-                <a:solidFill>
-                  <a:schemeClr val="tx1">
-                    <a:tint val="75000"/>
-                  </a:schemeClr>
-                </a:solidFill>
-              </a:defRPr>
-            </a:lvl9pPr>
-          </a:lstStyle>
-          <a:p>
-            <a:pPr lvl="0"/>
-            <a:r>
-              <a:rPr lang="en-US"/>
-              <a:t>Click to edit Master text styles</a:t>
-            </a:r>
-          </a:p>
-        </p:txBody>
-      </p:sp>
-      <p:sp>
-        <p:nvSpPr>
-          <p:cNvPr id="4" name="Date Placeholder 3"/>
-          <p:cNvSpPr>
-            <a:spLocks noGrp="1"/>
-          </p:cNvSpPr>
-          <p:nvPr>
-            <p:ph type="dt" sz="half" idx="10"/>
-          </p:nvPr>
-        </p:nvSpPr>
-        <p:spPr/>
-        <p:txBody>
-          <a:bodyPr/>
-          <a:lstStyle/>
-          <a:p>
-            <a:fld id="{FD59F0F9-D457-40B1-A03A-FC6FE8C60E26}" type="datetimeFigureOut">
-              <a:rPr lang="da-DK" smtClean="0"/>
-              <a:t>15-01-2022</a:t>
-            </a:fld>
-            <a:endParaRPr lang="da-DK"/>
-          </a:p>
-        </p:txBody>
-      </p:sp>
-      <p:sp>
-        <p:nvSpPr>
-          <p:cNvPr id="5" name="Footer Placeholder 4"/>
-          <p:cNvSpPr>
-            <a:spLocks noGrp="1"/>
-          </p:cNvSpPr>
-          <p:nvPr>
-            <p:ph type="ftr" sz="quarter" idx="11"/>
-          </p:nvPr>
-        </p:nvSpPr>
-        <p:spPr/>
-        <p:txBody>
-          <a:bodyPr/>
-          <a:lstStyle/>
-          <a:p>
-            <a:endParaRPr lang="da-DK"/>
-          </a:p>
-        </p:txBody>
-      </p:sp>
-      <p:sp>
-        <p:nvSpPr>
-          <p:cNvPr id="6" name="Slide Number Placeholder 5"/>
-          <p:cNvSpPr>
-            <a:spLocks noGrp="1"/>
-          </p:cNvSpPr>
-          <p:nvPr>
-            <p:ph type="sldNum" sz="quarter" idx="12"/>
-          </p:nvPr>
-        </p:nvSpPr>
-        <p:spPr/>
-        <p:txBody>
-          <a:bodyPr/>
-          <a:lstStyle/>
-          <a:p>
-            <a:fld id="{489B7644-859D-4C1C-8690-A1D7D58893F1}" type="slidenum">
-              <a:rPr lang="da-DK" smtClean="0"/>
-              <a:t>‹#›</a:t>
-            </a:fld>
-            <a:endParaRPr lang="da-DK"/>
-          </a:p>
-        </p:txBody>
-      </p:sp>
-    </p:spTree>
-    <p:extLst>
-      <p:ext uri="{BB962C8B-B14F-4D97-AF65-F5344CB8AC3E}">
-        <p14:creationId xmlns:p14="http://schemas.microsoft.com/office/powerpoint/2010/main" val="26526133"/>
-      </p:ext>
-    </p:extLst>
-  </p:cSld>
-  <p:clrMapOvr>
-    <a:masterClrMapping/>
-  </p:clrMapOvr>
-</p:sldLayout>
-</file>
-
-<file path=ppt/slideLayouts/slideLayout14.xml><?xml version="1.0" encoding="utf-8"?>
-<p:sldLayout xmlns:a="http://schemas.openxmlformats.org/drawingml/2006/main" xmlns:r="http://schemas.openxmlformats.org/officeDocument/2006/relationships" xmlns:p="http://schemas.openxmlformats.org/presentationml/2006/main" preserve="1">
-  <p:cSld name="3 Column">
-    <p:spTree>
-      <p:nvGrpSpPr>
-        <p:cNvPr id="1" name=""/>
-        <p:cNvGrpSpPr/>
-        <p:nvPr/>
-      </p:nvGrpSpPr>
-      <p:grpSpPr>
-        <a:xfrm>
-          <a:off x="0" y="0"/>
-          <a:ext cx="0" cy="0"/>
-          <a:chOff x="0" y="0"/>
-          <a:chExt cx="0" cy="0"/>
-        </a:xfrm>
-      </p:grpSpPr>
-      <p:sp>
-        <p:nvSpPr>
-          <p:cNvPr id="2" name="Title 1"/>
-          <p:cNvSpPr>
-            <a:spLocks noGrp="1"/>
-          </p:cNvSpPr>
-          <p:nvPr>
-            <p:ph type="title"/>
-          </p:nvPr>
-        </p:nvSpPr>
-        <p:spPr/>
-        <p:txBody>
-          <a:bodyPr/>
-          <a:lstStyle>
-            <a:lvl1pPr>
-              <a:defRPr sz="4200"/>
-            </a:lvl1pPr>
-          </a:lstStyle>
-          <a:p>
-            <a:r>
-              <a:rPr lang="en-US"/>
-              <a:t>Click to edit Master title style</a:t>
-            </a:r>
-            <a:endParaRPr lang="en-US" dirty="0"/>
-          </a:p>
-        </p:txBody>
-      </p:sp>
-      <p:sp>
-        <p:nvSpPr>
-          <p:cNvPr id="3" name="Text Placeholder 2"/>
-          <p:cNvSpPr>
-            <a:spLocks noGrp="1"/>
-          </p:cNvSpPr>
-          <p:nvPr>
-            <p:ph type="body" idx="1"/>
-          </p:nvPr>
-        </p:nvSpPr>
-        <p:spPr>
-          <a:xfrm>
-            <a:off x="632947" y="1981200"/>
-            <a:ext cx="2946866" cy="576262"/>
-          </a:xfrm>
-        </p:spPr>
-        <p:txBody>
-          <a:bodyPr anchor="b">
-            <a:noAutofit/>
-          </a:bodyPr>
-          <a:lstStyle>
-            <a:lvl1pPr marL="0" indent="0">
-              <a:buNone/>
-              <a:defRPr sz="2400" b="0">
-                <a:solidFill>
-                  <a:schemeClr val="bg2">
-                    <a:lumMod val="40000"/>
-                    <a:lumOff val="60000"/>
-                  </a:schemeClr>
-                </a:solidFill>
-              </a:defRPr>
-            </a:lvl1pPr>
-            <a:lvl2pPr marL="457200" indent="0">
-              <a:buNone/>
-              <a:defRPr sz="2000" b="1"/>
-            </a:lvl2pPr>
-            <a:lvl3pPr marL="914400" indent="0">
-              <a:buNone/>
-              <a:defRPr sz="1800" b="1"/>
-            </a:lvl3pPr>
-            <a:lvl4pPr marL="1371600" indent="0">
-              <a:buNone/>
-              <a:defRPr sz="1600" b="1"/>
-            </a:lvl4pPr>
-            <a:lvl5pPr marL="1828800" indent="0">
-              <a:buNone/>
-              <a:defRPr sz="1600" b="1"/>
-            </a:lvl5pPr>
-            <a:lvl6pPr marL="2286000" indent="0">
-              <a:buNone/>
-              <a:defRPr sz="1600" b="1"/>
-            </a:lvl6pPr>
-            <a:lvl7pPr marL="2743200" indent="0">
-              <a:buNone/>
-              <a:defRPr sz="1600" b="1"/>
-            </a:lvl7pPr>
-            <a:lvl8pPr marL="3200400" indent="0">
-              <a:buNone/>
-              <a:defRPr sz="1600" b="1"/>
-            </a:lvl8pPr>
-            <a:lvl9pPr marL="3657600" indent="0">
-              <a:buNone/>
-              <a:defRPr sz="1600" b="1"/>
-            </a:lvl9pPr>
-          </a:lstStyle>
-          <a:p>
-            <a:pPr lvl="0"/>
-            <a:r>
-              <a:rPr lang="en-US"/>
-              <a:t>Click to edit Master text styles</a:t>
-            </a:r>
-          </a:p>
-        </p:txBody>
-      </p:sp>
-      <p:sp>
-        <p:nvSpPr>
-          <p:cNvPr id="16" name="Text Placeholder 3"/>
-          <p:cNvSpPr>
-            <a:spLocks noGrp="1"/>
-          </p:cNvSpPr>
-          <p:nvPr>
-            <p:ph type="body" sz="half" idx="15"/>
-          </p:nvPr>
-        </p:nvSpPr>
-        <p:spPr>
-          <a:xfrm>
-            <a:off x="652463" y="2667000"/>
-            <a:ext cx="2927350" cy="3589338"/>
-          </a:xfrm>
-        </p:spPr>
-        <p:txBody>
-          <a:bodyPr anchor="t">
-            <a:normAutofit/>
-          </a:bodyPr>
-          <a:lstStyle>
-            <a:lvl1pPr marL="0" indent="0">
-              <a:buNone/>
-              <a:defRPr sz="1400"/>
-            </a:lvl1pPr>
-            <a:lvl2pPr marL="457200" indent="0">
-              <a:buNone/>
-              <a:defRPr sz="1200"/>
-            </a:lvl2pPr>
-            <a:lvl3pPr marL="914400" indent="0">
-              <a:buNone/>
-              <a:defRPr sz="1000"/>
-            </a:lvl3pPr>
-            <a:lvl4pPr marL="1371600" indent="0">
-              <a:buNone/>
-              <a:defRPr sz="900"/>
-            </a:lvl4pPr>
-            <a:lvl5pPr marL="1828800" indent="0">
-              <a:buNone/>
-              <a:defRPr sz="900"/>
-            </a:lvl5pPr>
-            <a:lvl6pPr marL="2286000" indent="0">
-              <a:buNone/>
-              <a:defRPr sz="900"/>
-            </a:lvl6pPr>
-            <a:lvl7pPr marL="2743200" indent="0">
-              <a:buNone/>
-              <a:defRPr sz="900"/>
-            </a:lvl7pPr>
-            <a:lvl8pPr marL="3200400" indent="0">
-              <a:buNone/>
-              <a:defRPr sz="900"/>
-            </a:lvl8pPr>
-            <a:lvl9pPr marL="3657600" indent="0">
-              <a:buNone/>
-              <a:defRPr sz="900"/>
-            </a:lvl9pPr>
-          </a:lstStyle>
-          <a:p>
-            <a:pPr lvl="0"/>
-            <a:r>
-              <a:rPr lang="en-US"/>
-              <a:t>Click to edit Master text styles</a:t>
-            </a:r>
-          </a:p>
-        </p:txBody>
-      </p:sp>
-      <p:sp>
-        <p:nvSpPr>
-          <p:cNvPr id="5" name="Text Placeholder 4"/>
-          <p:cNvSpPr>
-            <a:spLocks noGrp="1"/>
-          </p:cNvSpPr>
-          <p:nvPr>
-            <p:ph type="body" sz="quarter" idx="3"/>
-          </p:nvPr>
-        </p:nvSpPr>
-        <p:spPr>
-          <a:xfrm>
-            <a:off x="3883659" y="1981200"/>
-            <a:ext cx="2936241" cy="576262"/>
-          </a:xfrm>
-        </p:spPr>
-        <p:txBody>
-          <a:bodyPr anchor="b">
-            <a:noAutofit/>
-          </a:bodyPr>
-          <a:lstStyle>
-            <a:lvl1pPr marL="0" indent="0">
-              <a:buNone/>
-              <a:defRPr sz="2400" b="0">
-                <a:solidFill>
-                  <a:schemeClr val="bg2">
-                    <a:lumMod val="40000"/>
-                    <a:lumOff val="60000"/>
-                  </a:schemeClr>
-                </a:solidFill>
-              </a:defRPr>
-            </a:lvl1pPr>
-            <a:lvl2pPr marL="457200" indent="0">
-              <a:buNone/>
-              <a:defRPr sz="2000" b="1"/>
-            </a:lvl2pPr>
-            <a:lvl3pPr marL="914400" indent="0">
-              <a:buNone/>
-              <a:defRPr sz="1800" b="1"/>
-            </a:lvl3pPr>
-            <a:lvl4pPr marL="1371600" indent="0">
-              <a:buNone/>
-              <a:defRPr sz="1600" b="1"/>
-            </a:lvl4pPr>
-            <a:lvl5pPr marL="1828800" indent="0">
-              <a:buNone/>
-              <a:defRPr sz="1600" b="1"/>
-            </a:lvl5pPr>
-            <a:lvl6pPr marL="2286000" indent="0">
-              <a:buNone/>
-              <a:defRPr sz="1600" b="1"/>
-            </a:lvl6pPr>
-            <a:lvl7pPr marL="2743200" indent="0">
-              <a:buNone/>
-              <a:defRPr sz="1600" b="1"/>
-            </a:lvl7pPr>
-            <a:lvl8pPr marL="3200400" indent="0">
-              <a:buNone/>
-              <a:defRPr sz="1600" b="1"/>
-            </a:lvl8pPr>
-            <a:lvl9pPr marL="3657600" indent="0">
-              <a:buNone/>
-              <a:defRPr sz="1600" b="1"/>
-            </a:lvl9pPr>
-          </a:lstStyle>
-          <a:p>
-            <a:pPr lvl="0"/>
-            <a:r>
-              <a:rPr lang="en-US"/>
-              <a:t>Click to edit Master text styles</a:t>
-            </a:r>
-          </a:p>
-        </p:txBody>
-      </p:sp>
-      <p:sp>
-        <p:nvSpPr>
-          <p:cNvPr id="19" name="Text Placeholder 3"/>
-          <p:cNvSpPr>
-            <a:spLocks noGrp="1"/>
-          </p:cNvSpPr>
-          <p:nvPr>
-            <p:ph type="body" sz="half" idx="16"/>
-          </p:nvPr>
-        </p:nvSpPr>
-        <p:spPr>
-          <a:xfrm>
-            <a:off x="3873106" y="2667000"/>
-            <a:ext cx="2946794" cy="3589338"/>
-          </a:xfrm>
-        </p:spPr>
-        <p:txBody>
-          <a:bodyPr anchor="t">
-            <a:normAutofit/>
-          </a:bodyPr>
-          <a:lstStyle>
-            <a:lvl1pPr marL="0" indent="0">
-              <a:buNone/>
-              <a:defRPr sz="1400"/>
-            </a:lvl1pPr>
-            <a:lvl2pPr marL="457200" indent="0">
-              <a:buNone/>
-              <a:defRPr sz="1200"/>
-            </a:lvl2pPr>
-            <a:lvl3pPr marL="914400" indent="0">
-              <a:buNone/>
-              <a:defRPr sz="1000"/>
-            </a:lvl3pPr>
-            <a:lvl4pPr marL="1371600" indent="0">
-              <a:buNone/>
-              <a:defRPr sz="900"/>
-            </a:lvl4pPr>
-            <a:lvl5pPr marL="1828800" indent="0">
-              <a:buNone/>
-              <a:defRPr sz="900"/>
-            </a:lvl5pPr>
-            <a:lvl6pPr marL="2286000" indent="0">
-              <a:buNone/>
-              <a:defRPr sz="900"/>
-            </a:lvl6pPr>
-            <a:lvl7pPr marL="2743200" indent="0">
-              <a:buNone/>
-              <a:defRPr sz="900"/>
-            </a:lvl7pPr>
-            <a:lvl8pPr marL="3200400" indent="0">
-              <a:buNone/>
-              <a:defRPr sz="900"/>
-            </a:lvl8pPr>
-            <a:lvl9pPr marL="3657600" indent="0">
-              <a:buNone/>
-              <a:defRPr sz="900"/>
-            </a:lvl9pPr>
-          </a:lstStyle>
-          <a:p>
-            <a:pPr lvl="0"/>
-            <a:r>
-              <a:rPr lang="en-US"/>
-              <a:t>Click to edit Master text styles</a:t>
-            </a:r>
-          </a:p>
-        </p:txBody>
-      </p:sp>
-      <p:sp>
-        <p:nvSpPr>
-          <p:cNvPr id="14" name="Text Placeholder 4"/>
-          <p:cNvSpPr>
-            <a:spLocks noGrp="1"/>
-          </p:cNvSpPr>
-          <p:nvPr>
-            <p:ph type="body" sz="quarter" idx="13"/>
-          </p:nvPr>
-        </p:nvSpPr>
-        <p:spPr>
-          <a:xfrm>
-            <a:off x="7124700" y="1981200"/>
-            <a:ext cx="2932113" cy="576262"/>
-          </a:xfrm>
-        </p:spPr>
-        <p:txBody>
-          <a:bodyPr anchor="b">
-            <a:noAutofit/>
-          </a:bodyPr>
-          <a:lstStyle>
-            <a:lvl1pPr marL="0" indent="0">
-              <a:buNone/>
-              <a:defRPr sz="2400" b="0">
-                <a:solidFill>
-                  <a:schemeClr val="bg2">
-                    <a:lumMod val="40000"/>
-                    <a:lumOff val="60000"/>
-                  </a:schemeClr>
-                </a:solidFill>
-              </a:defRPr>
-            </a:lvl1pPr>
-            <a:lvl2pPr marL="457200" indent="0">
-              <a:buNone/>
-              <a:defRPr sz="2000" b="1"/>
-            </a:lvl2pPr>
-            <a:lvl3pPr marL="914400" indent="0">
-              <a:buNone/>
-              <a:defRPr sz="1800" b="1"/>
-            </a:lvl3pPr>
-            <a:lvl4pPr marL="1371600" indent="0">
-              <a:buNone/>
-              <a:defRPr sz="1600" b="1"/>
-            </a:lvl4pPr>
-            <a:lvl5pPr marL="1828800" indent="0">
-              <a:buNone/>
-              <a:defRPr sz="1600" b="1"/>
-            </a:lvl5pPr>
-            <a:lvl6pPr marL="2286000" indent="0">
-              <a:buNone/>
-              <a:defRPr sz="1600" b="1"/>
-            </a:lvl6pPr>
-            <a:lvl7pPr marL="2743200" indent="0">
-              <a:buNone/>
-              <a:defRPr sz="1600" b="1"/>
-            </a:lvl7pPr>
-            <a:lvl8pPr marL="3200400" indent="0">
-              <a:buNone/>
-              <a:defRPr sz="1600" b="1"/>
-            </a:lvl8pPr>
-            <a:lvl9pPr marL="3657600" indent="0">
-              <a:buNone/>
-              <a:defRPr sz="1600" b="1"/>
-            </a:lvl9pPr>
-          </a:lstStyle>
-          <a:p>
-            <a:pPr lvl="0"/>
-            <a:r>
-              <a:rPr lang="en-US"/>
-              <a:t>Click to edit Master text styles</a:t>
-            </a:r>
-          </a:p>
-        </p:txBody>
-      </p:sp>
-      <p:sp>
-        <p:nvSpPr>
-          <p:cNvPr id="20" name="Text Placeholder 3"/>
-          <p:cNvSpPr>
-            <a:spLocks noGrp="1"/>
-          </p:cNvSpPr>
-          <p:nvPr>
-            <p:ph type="body" sz="half" idx="17"/>
-          </p:nvPr>
-        </p:nvSpPr>
-        <p:spPr>
-          <a:xfrm>
-            <a:off x="7124700" y="2667000"/>
-            <a:ext cx="2932113" cy="3589338"/>
-          </a:xfrm>
-        </p:spPr>
-        <p:txBody>
-          <a:bodyPr anchor="t">
-            <a:normAutofit/>
-          </a:bodyPr>
-          <a:lstStyle>
-            <a:lvl1pPr marL="0" indent="0">
-              <a:buNone/>
-              <a:defRPr sz="1400"/>
-            </a:lvl1pPr>
-            <a:lvl2pPr marL="457200" indent="0">
-              <a:buNone/>
-              <a:defRPr sz="1200"/>
-            </a:lvl2pPr>
-            <a:lvl3pPr marL="914400" indent="0">
-              <a:buNone/>
-              <a:defRPr sz="1000"/>
-            </a:lvl3pPr>
-            <a:lvl4pPr marL="1371600" indent="0">
-              <a:buNone/>
-              <a:defRPr sz="900"/>
-            </a:lvl4pPr>
-            <a:lvl5pPr marL="1828800" indent="0">
-              <a:buNone/>
-              <a:defRPr sz="900"/>
-            </a:lvl5pPr>
-            <a:lvl6pPr marL="2286000" indent="0">
-              <a:buNone/>
-              <a:defRPr sz="900"/>
-            </a:lvl6pPr>
-            <a:lvl7pPr marL="2743200" indent="0">
-              <a:buNone/>
-              <a:defRPr sz="900"/>
-            </a:lvl7pPr>
-            <a:lvl8pPr marL="3200400" indent="0">
-              <a:buNone/>
-              <a:defRPr sz="900"/>
-            </a:lvl8pPr>
-            <a:lvl9pPr marL="3657600" indent="0">
-              <a:buNone/>
-              <a:defRPr sz="900"/>
-            </a:lvl9pPr>
-          </a:lstStyle>
-          <a:p>
-            <a:pPr lvl="0"/>
-            <a:r>
-              <a:rPr lang="en-US"/>
-              <a:t>Click to edit Master text styles</a:t>
-            </a:r>
-          </a:p>
-        </p:txBody>
-      </p:sp>
-      <p:cxnSp>
-        <p:nvCxnSpPr>
-          <p:cNvPr id="17" name="Straight Connector 16"/>
-          <p:cNvCxnSpPr/>
-          <p:nvPr/>
-        </p:nvCxnSpPr>
-        <p:spPr>
-          <a:xfrm>
-            <a:off x="3726142" y="2133600"/>
-            <a:ext cx="0" cy="3962400"/>
-          </a:xfrm>
-          <a:prstGeom prst="line">
-            <a:avLst/>
-          </a:prstGeom>
-          <a:ln w="12700" cmpd="sng">
-            <a:solidFill>
-              <a:schemeClr val="bg2">
-                <a:lumMod val="40000"/>
-                <a:lumOff val="60000"/>
-                <a:alpha val="40000"/>
-              </a:schemeClr>
-            </a:solidFill>
-          </a:ln>
-        </p:spPr>
-        <p:style>
-          <a:lnRef idx="2">
-            <a:schemeClr val="accent1"/>
-          </a:lnRef>
-          <a:fillRef idx="0">
-            <a:schemeClr val="accent1"/>
-          </a:fillRef>
-          <a:effectRef idx="1">
-            <a:schemeClr val="accent1"/>
-          </a:effectRef>
-          <a:fontRef idx="minor">
-            <a:schemeClr val="tx1"/>
-          </a:fontRef>
-        </p:style>
-      </p:cxnSp>
-      <p:cxnSp>
-        <p:nvCxnSpPr>
-          <p:cNvPr id="18" name="Straight Connector 17"/>
-          <p:cNvCxnSpPr/>
-          <p:nvPr/>
-        </p:nvCxnSpPr>
-        <p:spPr>
-          <a:xfrm>
-            <a:off x="6962227" y="2133600"/>
-            <a:ext cx="0" cy="3966882"/>
-          </a:xfrm>
-          <a:prstGeom prst="line">
-            <a:avLst/>
-          </a:prstGeom>
-          <a:ln w="12700" cmpd="sng">
-            <a:solidFill>
-              <a:schemeClr val="bg2">
-                <a:lumMod val="40000"/>
-                <a:lumOff val="60000"/>
-                <a:alpha val="40000"/>
-              </a:schemeClr>
-            </a:solidFill>
-          </a:ln>
-        </p:spPr>
-        <p:style>
-          <a:lnRef idx="2">
-            <a:schemeClr val="accent1"/>
-          </a:lnRef>
-          <a:fillRef idx="0">
-            <a:schemeClr val="accent1"/>
-          </a:fillRef>
-          <a:effectRef idx="1">
-            <a:schemeClr val="accent1"/>
-          </a:effectRef>
-          <a:fontRef idx="minor">
-            <a:schemeClr val="tx1"/>
-          </a:fontRef>
-        </p:style>
-      </p:cxnSp>
-      <p:sp>
-        <p:nvSpPr>
-          <p:cNvPr id="7" name="Date Placeholder 3"/>
-          <p:cNvSpPr>
-            <a:spLocks noGrp="1"/>
-          </p:cNvSpPr>
-          <p:nvPr>
-            <p:ph type="dt" sz="half" idx="10"/>
-          </p:nvPr>
-        </p:nvSpPr>
-        <p:spPr/>
-        <p:txBody>
-          <a:bodyPr/>
-          <a:lstStyle/>
-          <a:p>
-            <a:fld id="{FD59F0F9-D457-40B1-A03A-FC6FE8C60E26}" type="datetimeFigureOut">
-              <a:rPr lang="da-DK" smtClean="0"/>
-              <a:t>15-01-2022</a:t>
-            </a:fld>
-            <a:endParaRPr lang="da-DK"/>
-          </a:p>
-        </p:txBody>
-      </p:sp>
-      <p:sp>
-        <p:nvSpPr>
-          <p:cNvPr id="4" name="Footer Placeholder 4"/>
-          <p:cNvSpPr>
-            <a:spLocks noGrp="1"/>
-          </p:cNvSpPr>
-          <p:nvPr>
-            <p:ph type="ftr" sz="quarter" idx="11"/>
-          </p:nvPr>
-        </p:nvSpPr>
-        <p:spPr/>
-        <p:txBody>
-          <a:bodyPr/>
-          <a:lstStyle/>
-          <a:p>
-            <a:endParaRPr lang="da-DK"/>
-          </a:p>
-        </p:txBody>
-      </p:sp>
-      <p:sp>
-        <p:nvSpPr>
-          <p:cNvPr id="6" name="Slide Number Placeholder 5"/>
-          <p:cNvSpPr>
-            <a:spLocks noGrp="1"/>
-          </p:cNvSpPr>
-          <p:nvPr>
-            <p:ph type="sldNum" sz="quarter" idx="12"/>
-          </p:nvPr>
-        </p:nvSpPr>
-        <p:spPr/>
-        <p:txBody>
-          <a:bodyPr/>
-          <a:lstStyle/>
-          <a:p>
-            <a:fld id="{489B7644-859D-4C1C-8690-A1D7D58893F1}" type="slidenum">
-              <a:rPr lang="da-DK" smtClean="0"/>
-              <a:t>‹#›</a:t>
-            </a:fld>
-            <a:endParaRPr lang="da-DK"/>
-          </a:p>
-        </p:txBody>
-      </p:sp>
-    </p:spTree>
-    <p:extLst>
-      <p:ext uri="{BB962C8B-B14F-4D97-AF65-F5344CB8AC3E}">
-        <p14:creationId xmlns:p14="http://schemas.microsoft.com/office/powerpoint/2010/main" val="3956779859"/>
-      </p:ext>
-    </p:extLst>
-  </p:cSld>
-  <p:clrMapOvr>
-    <a:masterClrMapping/>
-  </p:clrMapOvr>
-</p:sldLayout>
-</file>
-
-<file path=ppt/slideLayouts/slideLayout15.xml><?xml version="1.0" encoding="utf-8"?>
-<p:sldLayout xmlns:a="http://schemas.openxmlformats.org/drawingml/2006/main" xmlns:r="http://schemas.openxmlformats.org/officeDocument/2006/relationships" xmlns:p="http://schemas.openxmlformats.org/presentationml/2006/main" preserve="1">
-  <p:cSld name="3 Picture Column">
-    <p:spTree>
-      <p:nvGrpSpPr>
-        <p:cNvPr id="1" name=""/>
-        <p:cNvGrpSpPr/>
-        <p:nvPr/>
-      </p:nvGrpSpPr>
-      <p:grpSpPr>
-        <a:xfrm>
-          <a:off x="0" y="0"/>
-          <a:ext cx="0" cy="0"/>
-          <a:chOff x="0" y="0"/>
-          <a:chExt cx="0" cy="0"/>
-        </a:xfrm>
-      </p:grpSpPr>
-      <p:sp>
-        <p:nvSpPr>
-          <p:cNvPr id="2" name="Title 1"/>
-          <p:cNvSpPr>
-            <a:spLocks noGrp="1"/>
-          </p:cNvSpPr>
-          <p:nvPr>
-            <p:ph type="title"/>
-          </p:nvPr>
-        </p:nvSpPr>
-        <p:spPr/>
-        <p:txBody>
-          <a:bodyPr/>
-          <a:lstStyle>
-            <a:lvl1pPr>
-              <a:defRPr sz="4200"/>
-            </a:lvl1pPr>
-          </a:lstStyle>
-          <a:p>
-            <a:r>
-              <a:rPr lang="en-US"/>
-              <a:t>Click to edit Master title style</a:t>
-            </a:r>
-            <a:endParaRPr lang="en-US" dirty="0"/>
-          </a:p>
-        </p:txBody>
-      </p:sp>
-      <p:sp>
-        <p:nvSpPr>
-          <p:cNvPr id="3" name="Text Placeholder 2"/>
-          <p:cNvSpPr>
-            <a:spLocks noGrp="1"/>
-          </p:cNvSpPr>
-          <p:nvPr>
-            <p:ph type="body" idx="1"/>
-          </p:nvPr>
-        </p:nvSpPr>
-        <p:spPr>
-          <a:xfrm>
-            <a:off x="652463" y="4250949"/>
-            <a:ext cx="2940050" cy="576262"/>
-          </a:xfrm>
-        </p:spPr>
-        <p:txBody>
-          <a:bodyPr anchor="b">
-            <a:noAutofit/>
-          </a:bodyPr>
-          <a:lstStyle>
-            <a:lvl1pPr marL="0" indent="0">
-              <a:buNone/>
-              <a:defRPr sz="2400" b="0">
-                <a:solidFill>
-                  <a:schemeClr val="bg2">
-                    <a:lumMod val="40000"/>
-                    <a:lumOff val="60000"/>
-                  </a:schemeClr>
-                </a:solidFill>
-              </a:defRPr>
-            </a:lvl1pPr>
-            <a:lvl2pPr marL="457200" indent="0">
-              <a:buNone/>
-              <a:defRPr sz="2000" b="1"/>
-            </a:lvl2pPr>
-            <a:lvl3pPr marL="914400" indent="0">
-              <a:buNone/>
-              <a:defRPr sz="1800" b="1"/>
-            </a:lvl3pPr>
-            <a:lvl4pPr marL="1371600" indent="0">
-              <a:buNone/>
-              <a:defRPr sz="1600" b="1"/>
-            </a:lvl4pPr>
-            <a:lvl5pPr marL="1828800" indent="0">
-              <a:buNone/>
-              <a:defRPr sz="1600" b="1"/>
-            </a:lvl5pPr>
-            <a:lvl6pPr marL="2286000" indent="0">
-              <a:buNone/>
-              <a:defRPr sz="1600" b="1"/>
-            </a:lvl6pPr>
-            <a:lvl7pPr marL="2743200" indent="0">
-              <a:buNone/>
-              <a:defRPr sz="1600" b="1"/>
-            </a:lvl7pPr>
-            <a:lvl8pPr marL="3200400" indent="0">
-              <a:buNone/>
-              <a:defRPr sz="1600" b="1"/>
-            </a:lvl8pPr>
-            <a:lvl9pPr marL="3657600" indent="0">
-              <a:buNone/>
-              <a:defRPr sz="1600" b="1"/>
-            </a:lvl9pPr>
-          </a:lstStyle>
-          <a:p>
-            <a:pPr lvl="0"/>
-            <a:r>
-              <a:rPr lang="en-US"/>
-              <a:t>Click to edit Master text styles</a:t>
-            </a:r>
-          </a:p>
-        </p:txBody>
-      </p:sp>
-      <p:sp>
-        <p:nvSpPr>
-          <p:cNvPr id="29" name="Picture Placeholder 2"/>
-          <p:cNvSpPr>
-            <a:spLocks noGrp="1" noChangeAspect="1"/>
-          </p:cNvSpPr>
-          <p:nvPr>
-            <p:ph type="pic" idx="15"/>
-          </p:nvPr>
-        </p:nvSpPr>
-        <p:spPr>
-          <a:xfrm>
-            <a:off x="652463" y="2209800"/>
-            <a:ext cx="2940050" cy="1524000"/>
-          </a:xfrm>
-          <a:prstGeom prst="roundRect">
-            <a:avLst>
-              <a:gd name="adj" fmla="val 1858"/>
-            </a:avLst>
-          </a:prstGeom>
-          <a:effectLst>
-            <a:outerShdw blurRad="50800" dist="50800" dir="5400000" algn="tl" rotWithShape="0">
-              <a:srgbClr val="000000">
-                <a:alpha val="43000"/>
-              </a:srgbClr>
-            </a:outerShdw>
-          </a:effectLst>
-        </p:spPr>
-        <p:txBody>
-          <a:bodyPr anchor="t">
-            <a:normAutofit/>
-          </a:bodyPr>
-          <a:lstStyle>
-            <a:lvl1pPr marL="0" indent="0" algn="ctr">
-              <a:buNone/>
-              <a:defRPr sz="1600"/>
-            </a:lvl1pPr>
-            <a:lvl2pPr marL="457200" indent="0">
-              <a:buNone/>
-              <a:defRPr sz="1600"/>
-            </a:lvl2pPr>
-            <a:lvl3pPr marL="914400" indent="0">
-              <a:buNone/>
-              <a:defRPr sz="1600"/>
-            </a:lvl3pPr>
-            <a:lvl4pPr marL="1371600" indent="0">
-              <a:buNone/>
-              <a:defRPr sz="1600"/>
-            </a:lvl4pPr>
-            <a:lvl5pPr marL="1828800" indent="0">
-              <a:buNone/>
-              <a:defRPr sz="1600"/>
-            </a:lvl5pPr>
-            <a:lvl6pPr marL="2286000" indent="0">
-              <a:buNone/>
-              <a:defRPr sz="1600"/>
-            </a:lvl6pPr>
-            <a:lvl7pPr marL="2743200" indent="0">
-              <a:buNone/>
-              <a:defRPr sz="1600"/>
-            </a:lvl7pPr>
-            <a:lvl8pPr marL="3200400" indent="0">
-              <a:buNone/>
-              <a:defRPr sz="1600"/>
-            </a:lvl8pPr>
-            <a:lvl9pPr marL="3657600" indent="0">
-              <a:buNone/>
-              <a:defRPr sz="1600"/>
-            </a:lvl9pPr>
-          </a:lstStyle>
-          <a:p>
-            <a:r>
-              <a:rPr lang="en-US"/>
-              <a:t>Click icon to add picture</a:t>
-            </a:r>
-            <a:endParaRPr lang="en-US" dirty="0"/>
-          </a:p>
-        </p:txBody>
-      </p:sp>
-      <p:sp>
-        <p:nvSpPr>
-          <p:cNvPr id="22" name="Text Placeholder 3"/>
-          <p:cNvSpPr>
-            <a:spLocks noGrp="1"/>
-          </p:cNvSpPr>
-          <p:nvPr>
-            <p:ph type="body" sz="half" idx="18"/>
-          </p:nvPr>
-        </p:nvSpPr>
-        <p:spPr>
-          <a:xfrm>
-            <a:off x="652463" y="4827211"/>
-            <a:ext cx="2940050" cy="659189"/>
-          </a:xfrm>
-        </p:spPr>
-        <p:txBody>
-          <a:bodyPr anchor="t">
-            <a:normAutofit/>
-          </a:bodyPr>
-          <a:lstStyle>
-            <a:lvl1pPr marL="0" indent="0">
-              <a:buNone/>
-              <a:defRPr sz="1400"/>
-            </a:lvl1pPr>
-            <a:lvl2pPr marL="457200" indent="0">
-              <a:buNone/>
-              <a:defRPr sz="1200"/>
-            </a:lvl2pPr>
-            <a:lvl3pPr marL="914400" indent="0">
-              <a:buNone/>
-              <a:defRPr sz="1000"/>
-            </a:lvl3pPr>
-            <a:lvl4pPr marL="1371600" indent="0">
-              <a:buNone/>
-              <a:defRPr sz="900"/>
-            </a:lvl4pPr>
-            <a:lvl5pPr marL="1828800" indent="0">
-              <a:buNone/>
-              <a:defRPr sz="900"/>
-            </a:lvl5pPr>
-            <a:lvl6pPr marL="2286000" indent="0">
-              <a:buNone/>
-              <a:defRPr sz="900"/>
-            </a:lvl6pPr>
-            <a:lvl7pPr marL="2743200" indent="0">
-              <a:buNone/>
-              <a:defRPr sz="900"/>
-            </a:lvl7pPr>
-            <a:lvl8pPr marL="3200400" indent="0">
-              <a:buNone/>
-              <a:defRPr sz="900"/>
-            </a:lvl8pPr>
-            <a:lvl9pPr marL="3657600" indent="0">
-              <a:buNone/>
-              <a:defRPr sz="900"/>
-            </a:lvl9pPr>
-          </a:lstStyle>
-          <a:p>
-            <a:pPr lvl="0"/>
-            <a:r>
-              <a:rPr lang="en-US"/>
-              <a:t>Click to edit Master text styles</a:t>
-            </a:r>
-          </a:p>
-        </p:txBody>
-      </p:sp>
-      <p:sp>
-        <p:nvSpPr>
-          <p:cNvPr id="5" name="Text Placeholder 4"/>
-          <p:cNvSpPr>
-            <a:spLocks noGrp="1"/>
-          </p:cNvSpPr>
-          <p:nvPr>
-            <p:ph type="body" sz="quarter" idx="3"/>
-          </p:nvPr>
-        </p:nvSpPr>
-        <p:spPr>
-          <a:xfrm>
-            <a:off x="3889375" y="4250949"/>
-            <a:ext cx="2930525" cy="576262"/>
-          </a:xfrm>
-        </p:spPr>
-        <p:txBody>
-          <a:bodyPr anchor="b">
-            <a:noAutofit/>
-          </a:bodyPr>
-          <a:lstStyle>
-            <a:lvl1pPr marL="0" indent="0">
-              <a:buNone/>
-              <a:defRPr sz="2400" b="0">
-                <a:solidFill>
-                  <a:schemeClr val="bg2">
-                    <a:lumMod val="40000"/>
-                    <a:lumOff val="60000"/>
-                  </a:schemeClr>
-                </a:solidFill>
-              </a:defRPr>
-            </a:lvl1pPr>
-            <a:lvl2pPr marL="457200" indent="0">
-              <a:buNone/>
-              <a:defRPr sz="2000" b="1"/>
-            </a:lvl2pPr>
-            <a:lvl3pPr marL="914400" indent="0">
-              <a:buNone/>
-              <a:defRPr sz="1800" b="1"/>
-            </a:lvl3pPr>
-            <a:lvl4pPr marL="1371600" indent="0">
-              <a:buNone/>
-              <a:defRPr sz="1600" b="1"/>
-            </a:lvl4pPr>
-            <a:lvl5pPr marL="1828800" indent="0">
-              <a:buNone/>
-              <a:defRPr sz="1600" b="1"/>
-            </a:lvl5pPr>
-            <a:lvl6pPr marL="2286000" indent="0">
-              <a:buNone/>
-              <a:defRPr sz="1600" b="1"/>
-            </a:lvl6pPr>
-            <a:lvl7pPr marL="2743200" indent="0">
-              <a:buNone/>
-              <a:defRPr sz="1600" b="1"/>
-            </a:lvl7pPr>
-            <a:lvl8pPr marL="3200400" indent="0">
-              <a:buNone/>
-              <a:defRPr sz="1600" b="1"/>
-            </a:lvl8pPr>
-            <a:lvl9pPr marL="3657600" indent="0">
-              <a:buNone/>
-              <a:defRPr sz="1600" b="1"/>
-            </a:lvl9pPr>
-          </a:lstStyle>
-          <a:p>
-            <a:pPr lvl="0"/>
-            <a:r>
-              <a:rPr lang="en-US"/>
-              <a:t>Click to edit Master text styles</a:t>
-            </a:r>
-          </a:p>
-        </p:txBody>
-      </p:sp>
-      <p:sp>
-        <p:nvSpPr>
-          <p:cNvPr id="30" name="Picture Placeholder 2"/>
-          <p:cNvSpPr>
-            <a:spLocks noGrp="1" noChangeAspect="1"/>
-          </p:cNvSpPr>
-          <p:nvPr>
-            <p:ph type="pic" idx="21"/>
-          </p:nvPr>
-        </p:nvSpPr>
-        <p:spPr>
-          <a:xfrm>
-            <a:off x="3889374" y="2209800"/>
-            <a:ext cx="2930525" cy="1524000"/>
-          </a:xfrm>
-          <a:prstGeom prst="roundRect">
-            <a:avLst>
-              <a:gd name="adj" fmla="val 1858"/>
-            </a:avLst>
-          </a:prstGeom>
-          <a:effectLst>
-            <a:outerShdw blurRad="50800" dist="50800" dir="5400000" algn="tl" rotWithShape="0">
-              <a:srgbClr val="000000">
-                <a:alpha val="43000"/>
-              </a:srgbClr>
-            </a:outerShdw>
-          </a:effectLst>
-        </p:spPr>
-        <p:txBody>
-          <a:bodyPr anchor="t">
-            <a:normAutofit/>
-          </a:bodyPr>
-          <a:lstStyle>
-            <a:lvl1pPr marL="0" indent="0" algn="ctr">
-              <a:buNone/>
-              <a:defRPr sz="1600"/>
-            </a:lvl1pPr>
-            <a:lvl2pPr marL="457200" indent="0">
-              <a:buNone/>
-              <a:defRPr sz="1600"/>
-            </a:lvl2pPr>
-            <a:lvl3pPr marL="914400" indent="0">
-              <a:buNone/>
-              <a:defRPr sz="1600"/>
-            </a:lvl3pPr>
-            <a:lvl4pPr marL="1371600" indent="0">
-              <a:buNone/>
-              <a:defRPr sz="1600"/>
-            </a:lvl4pPr>
-            <a:lvl5pPr marL="1828800" indent="0">
-              <a:buNone/>
-              <a:defRPr sz="1600"/>
-            </a:lvl5pPr>
-            <a:lvl6pPr marL="2286000" indent="0">
-              <a:buNone/>
-              <a:defRPr sz="1600"/>
-            </a:lvl6pPr>
-            <a:lvl7pPr marL="2743200" indent="0">
-              <a:buNone/>
-              <a:defRPr sz="1600"/>
-            </a:lvl7pPr>
-            <a:lvl8pPr marL="3200400" indent="0">
-              <a:buNone/>
-              <a:defRPr sz="1600"/>
-            </a:lvl8pPr>
-            <a:lvl9pPr marL="3657600" indent="0">
-              <a:buNone/>
-              <a:defRPr sz="1600"/>
-            </a:lvl9pPr>
-          </a:lstStyle>
-          <a:p>
-            <a:r>
-              <a:rPr lang="en-US"/>
-              <a:t>Click icon to add picture</a:t>
-            </a:r>
-            <a:endParaRPr lang="en-US" dirty="0"/>
-          </a:p>
-        </p:txBody>
-      </p:sp>
-      <p:sp>
-        <p:nvSpPr>
-          <p:cNvPr id="23" name="Text Placeholder 3"/>
-          <p:cNvSpPr>
-            <a:spLocks noGrp="1"/>
-          </p:cNvSpPr>
-          <p:nvPr>
-            <p:ph type="body" sz="half" idx="19"/>
-          </p:nvPr>
-        </p:nvSpPr>
-        <p:spPr>
-          <a:xfrm>
-            <a:off x="3888022" y="4827210"/>
-            <a:ext cx="2934406" cy="659189"/>
-          </a:xfrm>
-        </p:spPr>
-        <p:txBody>
-          <a:bodyPr anchor="t">
-            <a:normAutofit/>
-          </a:bodyPr>
-          <a:lstStyle>
-            <a:lvl1pPr marL="0" indent="0">
-              <a:buNone/>
-              <a:defRPr sz="1400"/>
-            </a:lvl1pPr>
-            <a:lvl2pPr marL="457200" indent="0">
-              <a:buNone/>
-              <a:defRPr sz="1200"/>
-            </a:lvl2pPr>
-            <a:lvl3pPr marL="914400" indent="0">
-              <a:buNone/>
-              <a:defRPr sz="1000"/>
-            </a:lvl3pPr>
-            <a:lvl4pPr marL="1371600" indent="0">
-              <a:buNone/>
-              <a:defRPr sz="900"/>
-            </a:lvl4pPr>
-            <a:lvl5pPr marL="1828800" indent="0">
-              <a:buNone/>
-              <a:defRPr sz="900"/>
-            </a:lvl5pPr>
-            <a:lvl6pPr marL="2286000" indent="0">
-              <a:buNone/>
-              <a:defRPr sz="900"/>
-            </a:lvl6pPr>
-            <a:lvl7pPr marL="2743200" indent="0">
-              <a:buNone/>
-              <a:defRPr sz="900"/>
-            </a:lvl7pPr>
-            <a:lvl8pPr marL="3200400" indent="0">
-              <a:buNone/>
-              <a:defRPr sz="900"/>
-            </a:lvl8pPr>
-            <a:lvl9pPr marL="3657600" indent="0">
-              <a:buNone/>
-              <a:defRPr sz="900"/>
-            </a:lvl9pPr>
-          </a:lstStyle>
-          <a:p>
-            <a:pPr lvl="0"/>
-            <a:r>
-              <a:rPr lang="en-US"/>
-              <a:t>Click to edit Master text styles</a:t>
-            </a:r>
-          </a:p>
-        </p:txBody>
-      </p:sp>
-      <p:sp>
-        <p:nvSpPr>
-          <p:cNvPr id="14" name="Text Placeholder 4"/>
-          <p:cNvSpPr>
-            <a:spLocks noGrp="1"/>
-          </p:cNvSpPr>
-          <p:nvPr>
-            <p:ph type="body" sz="quarter" idx="13"/>
-          </p:nvPr>
-        </p:nvSpPr>
-        <p:spPr>
-          <a:xfrm>
-            <a:off x="7124700" y="4250949"/>
-            <a:ext cx="2932113" cy="576262"/>
-          </a:xfrm>
-        </p:spPr>
-        <p:txBody>
-          <a:bodyPr anchor="b">
-            <a:noAutofit/>
-          </a:bodyPr>
-          <a:lstStyle>
-            <a:lvl1pPr marL="0" indent="0">
-              <a:buNone/>
-              <a:defRPr sz="2400" b="0">
-                <a:solidFill>
-                  <a:schemeClr val="bg2">
-                    <a:lumMod val="40000"/>
-                    <a:lumOff val="60000"/>
-                  </a:schemeClr>
-                </a:solidFill>
-              </a:defRPr>
-            </a:lvl1pPr>
-            <a:lvl2pPr marL="457200" indent="0">
-              <a:buNone/>
-              <a:defRPr sz="2000" b="1"/>
-            </a:lvl2pPr>
-            <a:lvl3pPr marL="914400" indent="0">
-              <a:buNone/>
-              <a:defRPr sz="1800" b="1"/>
-            </a:lvl3pPr>
-            <a:lvl4pPr marL="1371600" indent="0">
-              <a:buNone/>
-              <a:defRPr sz="1600" b="1"/>
-            </a:lvl4pPr>
-            <a:lvl5pPr marL="1828800" indent="0">
-              <a:buNone/>
-              <a:defRPr sz="1600" b="1"/>
-            </a:lvl5pPr>
-            <a:lvl6pPr marL="2286000" indent="0">
-              <a:buNone/>
-              <a:defRPr sz="1600" b="1"/>
-            </a:lvl6pPr>
-            <a:lvl7pPr marL="2743200" indent="0">
-              <a:buNone/>
-              <a:defRPr sz="1600" b="1"/>
-            </a:lvl7pPr>
-            <a:lvl8pPr marL="3200400" indent="0">
-              <a:buNone/>
-              <a:defRPr sz="1600" b="1"/>
-            </a:lvl8pPr>
-            <a:lvl9pPr marL="3657600" indent="0">
-              <a:buNone/>
-              <a:defRPr sz="1600" b="1"/>
-            </a:lvl9pPr>
-          </a:lstStyle>
-          <a:p>
-            <a:pPr lvl="0"/>
-            <a:r>
-              <a:rPr lang="en-US"/>
-              <a:t>Click to edit Master text styles</a:t>
-            </a:r>
-          </a:p>
-        </p:txBody>
-      </p:sp>
-      <p:sp>
-        <p:nvSpPr>
-          <p:cNvPr id="31" name="Picture Placeholder 2"/>
-          <p:cNvSpPr>
-            <a:spLocks noGrp="1" noChangeAspect="1"/>
-          </p:cNvSpPr>
-          <p:nvPr>
-            <p:ph type="pic" idx="22"/>
-          </p:nvPr>
-        </p:nvSpPr>
-        <p:spPr>
-          <a:xfrm>
-            <a:off x="7124699" y="2209800"/>
-            <a:ext cx="2932113" cy="1524000"/>
-          </a:xfrm>
-          <a:prstGeom prst="roundRect">
-            <a:avLst>
-              <a:gd name="adj" fmla="val 1858"/>
-            </a:avLst>
-          </a:prstGeom>
-          <a:effectLst>
-            <a:outerShdw blurRad="50800" dist="50800" dir="5400000" algn="tl" rotWithShape="0">
-              <a:srgbClr val="000000">
-                <a:alpha val="43000"/>
-              </a:srgbClr>
-            </a:outerShdw>
-          </a:effectLst>
-        </p:spPr>
-        <p:txBody>
-          <a:bodyPr anchor="t">
-            <a:normAutofit/>
-          </a:bodyPr>
-          <a:lstStyle>
-            <a:lvl1pPr marL="0" indent="0" algn="ctr">
-              <a:buNone/>
-              <a:defRPr sz="1600"/>
-            </a:lvl1pPr>
-            <a:lvl2pPr marL="457200" indent="0">
-              <a:buNone/>
-              <a:defRPr sz="1600"/>
-            </a:lvl2pPr>
-            <a:lvl3pPr marL="914400" indent="0">
-              <a:buNone/>
-              <a:defRPr sz="1600"/>
-            </a:lvl3pPr>
-            <a:lvl4pPr marL="1371600" indent="0">
-              <a:buNone/>
-              <a:defRPr sz="1600"/>
-            </a:lvl4pPr>
-            <a:lvl5pPr marL="1828800" indent="0">
-              <a:buNone/>
-              <a:defRPr sz="1600"/>
-            </a:lvl5pPr>
-            <a:lvl6pPr marL="2286000" indent="0">
-              <a:buNone/>
-              <a:defRPr sz="1600"/>
-            </a:lvl6pPr>
-            <a:lvl7pPr marL="2743200" indent="0">
-              <a:buNone/>
-              <a:defRPr sz="1600"/>
-            </a:lvl7pPr>
-            <a:lvl8pPr marL="3200400" indent="0">
-              <a:buNone/>
-              <a:defRPr sz="1600"/>
-            </a:lvl8pPr>
-            <a:lvl9pPr marL="3657600" indent="0">
-              <a:buNone/>
-              <a:defRPr sz="1600"/>
-            </a:lvl9pPr>
-          </a:lstStyle>
-          <a:p>
-            <a:r>
-              <a:rPr lang="en-US"/>
-              <a:t>Click icon to add picture</a:t>
-            </a:r>
-            <a:endParaRPr lang="en-US" dirty="0"/>
-          </a:p>
-        </p:txBody>
-      </p:sp>
-      <p:sp>
-        <p:nvSpPr>
-          <p:cNvPr id="24" name="Text Placeholder 3"/>
-          <p:cNvSpPr>
-            <a:spLocks noGrp="1"/>
-          </p:cNvSpPr>
-          <p:nvPr>
-            <p:ph type="body" sz="half" idx="20"/>
-          </p:nvPr>
-        </p:nvSpPr>
-        <p:spPr>
-          <a:xfrm>
-            <a:off x="7124575" y="4827208"/>
-            <a:ext cx="2935997" cy="659189"/>
-          </a:xfrm>
-        </p:spPr>
-        <p:txBody>
-          <a:bodyPr anchor="t">
-            <a:normAutofit/>
-          </a:bodyPr>
-          <a:lstStyle>
-            <a:lvl1pPr marL="0" indent="0">
-              <a:buNone/>
-              <a:defRPr sz="1400"/>
-            </a:lvl1pPr>
-            <a:lvl2pPr marL="457200" indent="0">
-              <a:buNone/>
-              <a:defRPr sz="1200"/>
-            </a:lvl2pPr>
-            <a:lvl3pPr marL="914400" indent="0">
-              <a:buNone/>
-              <a:defRPr sz="1000"/>
-            </a:lvl3pPr>
-            <a:lvl4pPr marL="1371600" indent="0">
-              <a:buNone/>
-              <a:defRPr sz="900"/>
-            </a:lvl4pPr>
-            <a:lvl5pPr marL="1828800" indent="0">
-              <a:buNone/>
-              <a:defRPr sz="900"/>
-            </a:lvl5pPr>
-            <a:lvl6pPr marL="2286000" indent="0">
-              <a:buNone/>
-              <a:defRPr sz="900"/>
-            </a:lvl6pPr>
-            <a:lvl7pPr marL="2743200" indent="0">
-              <a:buNone/>
-              <a:defRPr sz="900"/>
-            </a:lvl7pPr>
-            <a:lvl8pPr marL="3200400" indent="0">
-              <a:buNone/>
-              <a:defRPr sz="900"/>
-            </a:lvl8pPr>
-            <a:lvl9pPr marL="3657600" indent="0">
-              <a:buNone/>
-              <a:defRPr sz="900"/>
-            </a:lvl9pPr>
-          </a:lstStyle>
-          <a:p>
-            <a:pPr lvl="0"/>
-            <a:r>
-              <a:rPr lang="en-US"/>
-              <a:t>Click to edit Master text styles</a:t>
-            </a:r>
-          </a:p>
-        </p:txBody>
-      </p:sp>
-      <p:cxnSp>
-        <p:nvCxnSpPr>
-          <p:cNvPr id="19" name="Straight Connector 18"/>
-          <p:cNvCxnSpPr/>
-          <p:nvPr/>
-        </p:nvCxnSpPr>
-        <p:spPr>
-          <a:xfrm>
-            <a:off x="3726142" y="2133600"/>
-            <a:ext cx="0" cy="3962400"/>
-          </a:xfrm>
-          <a:prstGeom prst="line">
-            <a:avLst/>
-          </a:prstGeom>
-          <a:ln w="12700" cmpd="sng">
-            <a:solidFill>
-              <a:schemeClr val="bg2">
-                <a:lumMod val="40000"/>
-                <a:lumOff val="60000"/>
-                <a:alpha val="40000"/>
-              </a:schemeClr>
-            </a:solidFill>
-          </a:ln>
-        </p:spPr>
-        <p:style>
-          <a:lnRef idx="2">
-            <a:schemeClr val="accent1"/>
-          </a:lnRef>
-          <a:fillRef idx="0">
-            <a:schemeClr val="accent1"/>
-          </a:fillRef>
-          <a:effectRef idx="1">
-            <a:schemeClr val="accent1"/>
-          </a:effectRef>
-          <a:fontRef idx="minor">
-            <a:schemeClr val="tx1"/>
-          </a:fontRef>
-        </p:style>
-      </p:cxnSp>
-      <p:cxnSp>
-        <p:nvCxnSpPr>
-          <p:cNvPr id="20" name="Straight Connector 19"/>
-          <p:cNvCxnSpPr/>
-          <p:nvPr/>
-        </p:nvCxnSpPr>
-        <p:spPr>
-          <a:xfrm>
-            <a:off x="6962227" y="2133600"/>
-            <a:ext cx="0" cy="3966882"/>
-          </a:xfrm>
-          <a:prstGeom prst="line">
-            <a:avLst/>
-          </a:prstGeom>
-          <a:ln w="12700" cmpd="sng">
-            <a:solidFill>
-              <a:schemeClr val="bg2">
-                <a:lumMod val="40000"/>
-                <a:lumOff val="60000"/>
-                <a:alpha val="40000"/>
-              </a:schemeClr>
-            </a:solidFill>
-          </a:ln>
-        </p:spPr>
-        <p:style>
-          <a:lnRef idx="2">
-            <a:schemeClr val="accent1"/>
-          </a:lnRef>
-          <a:fillRef idx="0">
-            <a:schemeClr val="accent1"/>
-          </a:fillRef>
-          <a:effectRef idx="1">
-            <a:schemeClr val="accent1"/>
-          </a:effectRef>
-          <a:fontRef idx="minor">
-            <a:schemeClr val="tx1"/>
-          </a:fontRef>
-        </p:style>
-      </p:cxnSp>
-      <p:sp>
-        <p:nvSpPr>
-          <p:cNvPr id="7" name="Date Placeholder 3"/>
-          <p:cNvSpPr>
-            <a:spLocks noGrp="1"/>
-          </p:cNvSpPr>
-          <p:nvPr>
-            <p:ph type="dt" sz="half" idx="10"/>
-          </p:nvPr>
-        </p:nvSpPr>
-        <p:spPr/>
-        <p:txBody>
-          <a:bodyPr/>
-          <a:lstStyle/>
-          <a:p>
-            <a:fld id="{FD59F0F9-D457-40B1-A03A-FC6FE8C60E26}" type="datetimeFigureOut">
-              <a:rPr lang="da-DK" smtClean="0"/>
-              <a:t>15-01-2022</a:t>
-            </a:fld>
-            <a:endParaRPr lang="da-DK"/>
-          </a:p>
-        </p:txBody>
-      </p:sp>
-      <p:sp>
-        <p:nvSpPr>
-          <p:cNvPr id="4" name="Footer Placeholder 4"/>
-          <p:cNvSpPr>
-            <a:spLocks noGrp="1"/>
-          </p:cNvSpPr>
-          <p:nvPr>
-            <p:ph type="ftr" sz="quarter" idx="11"/>
-          </p:nvPr>
-        </p:nvSpPr>
-        <p:spPr/>
-        <p:txBody>
-          <a:bodyPr/>
-          <a:lstStyle/>
-          <a:p>
-            <a:endParaRPr lang="da-DK"/>
-          </a:p>
-        </p:txBody>
-      </p:sp>
-      <p:sp>
-        <p:nvSpPr>
-          <p:cNvPr id="6" name="Slide Number Placeholder 5"/>
-          <p:cNvSpPr>
-            <a:spLocks noGrp="1"/>
-          </p:cNvSpPr>
-          <p:nvPr>
-            <p:ph type="sldNum" sz="quarter" idx="12"/>
-          </p:nvPr>
-        </p:nvSpPr>
-        <p:spPr/>
-        <p:txBody>
-          <a:bodyPr/>
-          <a:lstStyle/>
-          <a:p>
-            <a:fld id="{489B7644-859D-4C1C-8690-A1D7D58893F1}" type="slidenum">
-              <a:rPr lang="da-DK" smtClean="0"/>
-              <a:t>‹#›</a:t>
-            </a:fld>
-            <a:endParaRPr lang="da-DK"/>
-          </a:p>
-        </p:txBody>
-      </p:sp>
-    </p:spTree>
-    <p:extLst>
-      <p:ext uri="{BB962C8B-B14F-4D97-AF65-F5344CB8AC3E}">
-        <p14:creationId xmlns:p14="http://schemas.microsoft.com/office/powerpoint/2010/main" val="2612744777"/>
-      </p:ext>
-    </p:extLst>
-  </p:cSld>
-  <p:clrMapOvr>
-    <a:masterClrMapping/>
-  </p:clrMapOvr>
-</p:sldLayout>
-</file>
-
-<file path=ppt/slideLayouts/slideLayout16.xml><?xml version="1.0" encoding="utf-8"?>
 <p:sldLayout xmlns:a="http://schemas.openxmlformats.org/drawingml/2006/main" xmlns:r="http://schemas.openxmlformats.org/officeDocument/2006/relationships" xmlns:p="http://schemas.openxmlformats.org/presentationml/2006/main" type="vertTx" preserve="1">
   <p:cSld name="Title and Vertical Text">
     <p:spTree>
@@ -3346,7 +863,7 @@
         </p:nvSpPr>
         <p:spPr/>
         <p:txBody>
-          <a:bodyPr vert="eaVert" anchor="t" anchorCtr="0"/>
+          <a:bodyPr vert="eaVert" lIns="45720" tIns="0" rIns="45720" bIns="0"/>
           <a:lstStyle/>
           <a:p>
             <a:pPr lvl="0"/>
@@ -3403,7 +920,7 @@
           <a:p>
             <a:fld id="{FD59F0F9-D457-40B1-A03A-FC6FE8C60E26}" type="datetimeFigureOut">
               <a:rPr lang="da-DK" smtClean="0"/>
-              <a:t>15-01-2022</a:t>
+              <a:t>16-01-2022</a:t>
             </a:fld>
             <a:endParaRPr lang="da-DK"/>
           </a:p>
@@ -3454,7 +971,7 @@
     </p:spTree>
     <p:extLst>
       <p:ext uri="{BB962C8B-B14F-4D97-AF65-F5344CB8AC3E}">
-        <p14:creationId xmlns:p14="http://schemas.microsoft.com/office/powerpoint/2010/main" val="1695626851"/>
+        <p14:creationId xmlns:p14="http://schemas.microsoft.com/office/powerpoint/2010/main" val="2475800030"/>
       </p:ext>
     </p:extLst>
   </p:cSld>
@@ -3464,8 +981,8 @@
 </p:sldLayout>
 </file>
 
-<file path=ppt/slideLayouts/slideLayout17.xml><?xml version="1.0" encoding="utf-8"?>
-<p:sldLayout xmlns:a="http://schemas.openxmlformats.org/drawingml/2006/main" xmlns:r="http://schemas.openxmlformats.org/officeDocument/2006/relationships" xmlns:p="http://schemas.openxmlformats.org/presentationml/2006/main" type="vertTitleAndTx" preserve="1">
+<file path=ppt/slideLayouts/slideLayout11.xml><?xml version="1.0" encoding="utf-8"?>
+<p:sldLayout xmlns:a="http://schemas.openxmlformats.org/drawingml/2006/main" xmlns:r="http://schemas.openxmlformats.org/officeDocument/2006/relationships" xmlns:p="http://schemas.openxmlformats.org/presentationml/2006/main" showMasterSp="0" type="vertTitleAndTx" preserve="1">
   <p:cSld name="Vertical Title and Text">
     <p:spTree>
       <p:nvGrpSpPr>
@@ -3483,22 +1000,98 @@
       </p:grpSpPr>
       <p:sp>
         <p:nvSpPr>
-          <p:cNvPr id="2" name="Vertical Title 1"/>
-          <p:cNvSpPr>
-            <a:spLocks noGrp="1"/>
-          </p:cNvSpPr>
-          <p:nvPr>
-            <p:ph type="title" orient="vert"/>
-          </p:nvPr>
+          <p:cNvPr id="7" name="Rectangle 6"/>
+          <p:cNvSpPr/>
+          <p:nvPr/>
         </p:nvSpPr>
         <p:spPr>
           <a:xfrm>
-            <a:off x="8304212" y="430213"/>
-            <a:ext cx="1752601" cy="5826125"/>
+            <a:off x="3175" y="6400800"/>
+            <a:ext cx="12188825" cy="457200"/>
+          </a:xfrm>
+          <a:prstGeom prst="rect">
+            <a:avLst/>
+          </a:prstGeom>
+          <a:solidFill>
+            <a:schemeClr val="accent2"/>
+          </a:solidFill>
+          <a:ln>
+            <a:noFill/>
+          </a:ln>
+        </p:spPr>
+        <p:style>
+          <a:lnRef idx="2">
+            <a:schemeClr val="accent1">
+              <a:shade val="50000"/>
+            </a:schemeClr>
+          </a:lnRef>
+          <a:fillRef idx="1">
+            <a:schemeClr val="accent1"/>
+          </a:fillRef>
+          <a:effectRef idx="0">
+            <a:schemeClr val="accent1"/>
+          </a:effectRef>
+          <a:fontRef idx="minor">
+            <a:schemeClr val="lt1"/>
+          </a:fontRef>
+        </p:style>
+      </p:sp>
+      <p:sp>
+        <p:nvSpPr>
+          <p:cNvPr id="8" name="Rectangle 7"/>
+          <p:cNvSpPr/>
+          <p:nvPr/>
+        </p:nvSpPr>
+        <p:spPr>
+          <a:xfrm>
+            <a:off x="15" y="6334316"/>
+            <a:ext cx="12188825" cy="64008"/>
+          </a:xfrm>
+          <a:prstGeom prst="rect">
+            <a:avLst/>
+          </a:prstGeom>
+          <a:solidFill>
+            <a:schemeClr val="accent1"/>
+          </a:solidFill>
+          <a:ln>
+            <a:noFill/>
+          </a:ln>
+        </p:spPr>
+        <p:style>
+          <a:lnRef idx="2">
+            <a:schemeClr val="accent1">
+              <a:shade val="50000"/>
+            </a:schemeClr>
+          </a:lnRef>
+          <a:fillRef idx="1">
+            <a:schemeClr val="accent1"/>
+          </a:fillRef>
+          <a:effectRef idx="0">
+            <a:schemeClr val="accent1"/>
+          </a:effectRef>
+          <a:fontRef idx="minor">
+            <a:schemeClr val="lt1"/>
+          </a:fontRef>
+        </p:style>
+      </p:sp>
+      <p:sp>
+        <p:nvSpPr>
+          <p:cNvPr id="2" name="Vertical Title 1"/>
+          <p:cNvSpPr>
+            <a:spLocks noGrp="1"/>
+          </p:cNvSpPr>
+          <p:nvPr>
+            <p:ph type="title" orient="vert"/>
+          </p:nvPr>
+        </p:nvSpPr>
+        <p:spPr>
+          <a:xfrm>
+            <a:off x="8724900" y="414778"/>
+            <a:ext cx="2628900" cy="5757421"/>
           </a:xfrm>
         </p:spPr>
         <p:txBody>
-          <a:bodyPr vert="eaVert" anchor="b" anchorCtr="0"/>
+          <a:bodyPr vert="eaVert"/>
           <a:lstStyle/>
           <a:p>
             <a:r>
@@ -3521,12 +1114,12 @@
         </p:nvSpPr>
         <p:spPr>
           <a:xfrm>
-            <a:off x="652463" y="887414"/>
-            <a:ext cx="7423149" cy="5368924"/>
+            <a:off x="838200" y="414778"/>
+            <a:ext cx="7734300" cy="5757422"/>
           </a:xfrm>
         </p:spPr>
         <p:txBody>
-          <a:bodyPr vert="eaVert"/>
+          <a:bodyPr vert="eaVert" lIns="45720" tIns="0" rIns="45720" bIns="0"/>
           <a:lstStyle/>
           <a:p>
             <a:pPr lvl="0"/>
@@ -3583,7 +1176,7 @@
           <a:p>
             <a:fld id="{FD59F0F9-D457-40B1-A03A-FC6FE8C60E26}" type="datetimeFigureOut">
               <a:rPr lang="da-DK" smtClean="0"/>
-              <a:t>15-01-2022</a:t>
+              <a:t>16-01-2022</a:t>
             </a:fld>
             <a:endParaRPr lang="da-DK"/>
           </a:p>
@@ -3634,7 +1227,7 @@
     </p:spTree>
     <p:extLst>
       <p:ext uri="{BB962C8B-B14F-4D97-AF65-F5344CB8AC3E}">
-        <p14:creationId xmlns:p14="http://schemas.microsoft.com/office/powerpoint/2010/main" val="221451077"/>
+        <p14:creationId xmlns:p14="http://schemas.microsoft.com/office/powerpoint/2010/main" val="1945919926"/>
       </p:ext>
     </p:extLst>
   </p:cSld>
@@ -3674,7 +1267,11 @@
         <p:spPr/>
         <p:txBody>
           <a:bodyPr/>
-          <a:lstStyle/>
+          <a:lstStyle>
+            <a:lvl1pPr marL="0">
+              <a:defRPr/>
+            </a:lvl1pPr>
+          </a:lstStyle>
           <a:p>
             <a:r>
               <a:rPr lang="en-US"/>
@@ -3738,7 +1335,7 @@
       </p:sp>
       <p:sp>
         <p:nvSpPr>
-          <p:cNvPr id="7" name="Date Placeholder 3"/>
+          <p:cNvPr id="4" name="Date Placeholder 3"/>
           <p:cNvSpPr>
             <a:spLocks noGrp="1"/>
           </p:cNvSpPr>
@@ -3753,7 +1350,7 @@
           <a:p>
             <a:fld id="{FD59F0F9-D457-40B1-A03A-FC6FE8C60E26}" type="datetimeFigureOut">
               <a:rPr lang="da-DK" smtClean="0"/>
-              <a:t>15-01-2022</a:t>
+              <a:t>16-01-2022</a:t>
             </a:fld>
             <a:endParaRPr lang="da-DK"/>
           </a:p>
@@ -3804,7 +1401,7 @@
     </p:spTree>
     <p:extLst>
       <p:ext uri="{BB962C8B-B14F-4D97-AF65-F5344CB8AC3E}">
-        <p14:creationId xmlns:p14="http://schemas.microsoft.com/office/powerpoint/2010/main" val="3574248955"/>
+        <p14:creationId xmlns:p14="http://schemas.microsoft.com/office/powerpoint/2010/main" val="2191198100"/>
       </p:ext>
     </p:extLst>
   </p:cSld>
@@ -3815,8 +1412,16 @@
 </file>
 
 <file path=ppt/slideLayouts/slideLayout3.xml><?xml version="1.0" encoding="utf-8"?>
-<p:sldLayout xmlns:a="http://schemas.openxmlformats.org/drawingml/2006/main" xmlns:r="http://schemas.openxmlformats.org/officeDocument/2006/relationships" xmlns:p="http://schemas.openxmlformats.org/presentationml/2006/main" type="secHead" preserve="1">
+<p:sldLayout xmlns:a="http://schemas.openxmlformats.org/drawingml/2006/main" xmlns:r="http://schemas.openxmlformats.org/officeDocument/2006/relationships" xmlns:p="http://schemas.openxmlformats.org/presentationml/2006/main" showMasterSp="0" type="secHead" preserve="1">
   <p:cSld name="Section Header">
+    <p:bg>
+      <p:bgPr>
+        <a:solidFill>
+          <a:schemeClr val="bg1"/>
+        </a:solidFill>
+        <a:effectLst/>
+      </p:bgPr>
+    </p:bg>
     <p:spTree>
       <p:nvGrpSpPr>
         <p:cNvPr id="1" name=""/>
@@ -3833,25 +1438,113 @@
       </p:grpSpPr>
       <p:sp>
         <p:nvSpPr>
-          <p:cNvPr id="2" name="Title 1"/>
-          <p:cNvSpPr>
-            <a:spLocks noGrp="1"/>
-          </p:cNvSpPr>
-          <p:nvPr>
-            <p:ph type="title"/>
-          </p:nvPr>
+          <p:cNvPr id="7" name="Rectangle 6"/>
+          <p:cNvSpPr/>
+          <p:nvPr/>
         </p:nvSpPr>
         <p:spPr>
           <a:xfrm>
-            <a:off x="1154956" y="2861733"/>
-            <a:ext cx="8825657" cy="1915647"/>
+            <a:off x="3175" y="6400800"/>
+            <a:ext cx="12188825" cy="457200"/>
+          </a:xfrm>
+          <a:prstGeom prst="rect">
+            <a:avLst/>
+          </a:prstGeom>
+          <a:solidFill>
+            <a:schemeClr val="accent2"/>
+          </a:solidFill>
+          <a:ln>
+            <a:noFill/>
+          </a:ln>
+        </p:spPr>
+        <p:style>
+          <a:lnRef idx="2">
+            <a:schemeClr val="accent1">
+              <a:shade val="50000"/>
+            </a:schemeClr>
+          </a:lnRef>
+          <a:fillRef idx="1">
+            <a:schemeClr val="accent1"/>
+          </a:fillRef>
+          <a:effectRef idx="0">
+            <a:schemeClr val="accent1"/>
+          </a:effectRef>
+          <a:fontRef idx="minor">
+            <a:schemeClr val="lt1"/>
+          </a:fontRef>
+        </p:style>
+      </p:sp>
+      <p:sp>
+        <p:nvSpPr>
+          <p:cNvPr id="8" name="Rectangle 7"/>
+          <p:cNvSpPr/>
+          <p:nvPr/>
+        </p:nvSpPr>
+        <p:spPr>
+          <a:xfrm>
+            <a:off x="15" y="6334316"/>
+            <a:ext cx="12188825" cy="64008"/>
+          </a:xfrm>
+          <a:prstGeom prst="rect">
+            <a:avLst/>
+          </a:prstGeom>
+          <a:solidFill>
+            <a:schemeClr val="accent1"/>
+          </a:solidFill>
+          <a:ln>
+            <a:noFill/>
+          </a:ln>
+        </p:spPr>
+        <p:style>
+          <a:lnRef idx="2">
+            <a:schemeClr val="accent1">
+              <a:shade val="50000"/>
+            </a:schemeClr>
+          </a:lnRef>
+          <a:fillRef idx="1">
+            <a:schemeClr val="accent1"/>
+          </a:fillRef>
+          <a:effectRef idx="0">
+            <a:schemeClr val="accent1"/>
+          </a:effectRef>
+          <a:fontRef idx="minor">
+            <a:schemeClr val="lt1"/>
+          </a:fontRef>
+        </p:style>
+      </p:sp>
+      <p:sp>
+        <p:nvSpPr>
+          <p:cNvPr id="2" name="Title 1"/>
+          <p:cNvSpPr>
+            <a:spLocks noGrp="1"/>
+          </p:cNvSpPr>
+          <p:nvPr>
+            <p:ph type="title"/>
+          </p:nvPr>
+        </p:nvSpPr>
+        <p:spPr>
+          <a:xfrm>
+            <a:off x="1097280" y="758952"/>
+            <a:ext cx="10058400" cy="3566160"/>
           </a:xfrm>
         </p:spPr>
         <p:txBody>
-          <a:bodyPr anchor="b"/>
+          <a:bodyPr anchor="b" anchorCtr="0">
+            <a:normAutofit/>
+          </a:bodyPr>
           <a:lstStyle>
-            <a:lvl1pPr algn="l">
-              <a:defRPr sz="4000" b="0" cap="none"/>
+            <a:lvl1pPr>
+              <a:lnSpc>
+                <a:spcPct val="85000"/>
+              </a:lnSpc>
+              <a:defRPr sz="8000" b="0">
+                <a:solidFill>
+                  <a:schemeClr val="tx1">
+                    <a:lumMod val="85000"/>
+                    <a:lumOff val="15000"/>
+                  </a:schemeClr>
+                </a:solidFill>
+              </a:defRPr>
             </a:lvl1pPr>
           </a:lstStyle>
           <a:p>
@@ -3875,22 +1568,22 @@
         </p:nvSpPr>
         <p:spPr>
           <a:xfrm>
-            <a:off x="1154955" y="4777381"/>
-            <a:ext cx="8825658" cy="860400"/>
+            <a:off x="1097280" y="4453128"/>
+            <a:ext cx="10058400" cy="1143000"/>
           </a:xfrm>
         </p:spPr>
         <p:txBody>
-          <a:bodyPr anchor="t"/>
+          <a:bodyPr lIns="91440" rIns="91440" anchor="t" anchorCtr="0">
+            <a:normAutofit/>
+          </a:bodyPr>
           <a:lstStyle>
-            <a:lvl1pPr marL="0" indent="0" algn="l">
-              <a:buNone/>
-              <a:defRPr sz="2000" cap="all">
+            <a:lvl1pPr marL="0" indent="0">
+              <a:buNone/>
+              <a:defRPr sz="2400" cap="all" spc="200" baseline="0">
                 <a:solidFill>
-                  <a:schemeClr val="bg2">
-                    <a:lumMod val="40000"/>
-                    <a:lumOff val="60000"/>
-                  </a:schemeClr>
+                  <a:schemeClr val="tx2"/>
                 </a:solidFill>
+                <a:latin typeface="+mj-lt"/>
               </a:defRPr>
             </a:lvl1pPr>
             <a:lvl2pPr marL="457200" indent="0">
@@ -4000,7 +1693,7 @@
           <a:p>
             <a:fld id="{FD59F0F9-D457-40B1-A03A-FC6FE8C60E26}" type="datetimeFigureOut">
               <a:rPr lang="da-DK" smtClean="0"/>
-              <a:t>15-01-2022</a:t>
+              <a:t>16-01-2022</a:t>
             </a:fld>
             <a:endParaRPr lang="da-DK"/>
           </a:p>
@@ -4048,10 +1741,48 @@
           </a:p>
         </p:txBody>
       </p:sp>
+      <p:cxnSp>
+        <p:nvCxnSpPr>
+          <p:cNvPr id="9" name="Straight Connector 8"/>
+          <p:cNvCxnSpPr/>
+          <p:nvPr/>
+        </p:nvCxnSpPr>
+        <p:spPr>
+          <a:xfrm>
+            <a:off x="1207658" y="4343400"/>
+            <a:ext cx="9875520" cy="0"/>
+          </a:xfrm>
+          <a:prstGeom prst="line">
+            <a:avLst/>
+          </a:prstGeom>
+          <a:ln w="6350">
+            <a:solidFill>
+              <a:schemeClr val="tx1">
+                <a:lumMod val="50000"/>
+                <a:lumOff val="50000"/>
+              </a:schemeClr>
+            </a:solidFill>
+          </a:ln>
+        </p:spPr>
+        <p:style>
+          <a:lnRef idx="1">
+            <a:schemeClr val="accent1"/>
+          </a:lnRef>
+          <a:fillRef idx="0">
+            <a:schemeClr val="accent1"/>
+          </a:fillRef>
+          <a:effectRef idx="0">
+            <a:schemeClr val="accent1"/>
+          </a:effectRef>
+          <a:fontRef idx="minor">
+            <a:schemeClr val="tx1"/>
+          </a:fontRef>
+        </p:style>
+      </p:cxnSp>
     </p:spTree>
     <p:extLst>
       <p:ext uri="{BB962C8B-B14F-4D97-AF65-F5344CB8AC3E}">
-        <p14:creationId xmlns:p14="http://schemas.microsoft.com/office/powerpoint/2010/main" val="1917125051"/>
+        <p14:creationId xmlns:p14="http://schemas.microsoft.com/office/powerpoint/2010/main" val="294972717"/>
       </p:ext>
     </p:extLst>
   </p:cSld>
@@ -4080,109 +1811,27 @@
       </p:grpSpPr>
       <p:sp>
         <p:nvSpPr>
-          <p:cNvPr id="2" name="Title 1"/>
+          <p:cNvPr id="8" name="Title 7"/>
           <p:cNvSpPr>
             <a:spLocks noGrp="1"/>
           </p:cNvSpPr>
           <p:nvPr>
             <p:ph type="title"/>
-          </p:nvPr>
-        </p:nvSpPr>
-        <p:spPr/>
-        <p:txBody>
-          <a:bodyPr/>
-          <a:lstStyle/>
-          <a:p>
-            <a:r>
-              <a:rPr lang="en-US"/>
-              <a:t>Click to edit Master title style</a:t>
-            </a:r>
-            <a:endParaRPr lang="en-US" dirty="0"/>
-          </a:p>
-        </p:txBody>
-      </p:sp>
-      <p:sp>
-        <p:nvSpPr>
-          <p:cNvPr id="3" name="Content Placeholder 2"/>
-          <p:cNvSpPr>
-            <a:spLocks noGrp="1"/>
-          </p:cNvSpPr>
-          <p:nvPr>
-            <p:ph sz="half" idx="1"/>
           </p:nvPr>
         </p:nvSpPr>
         <p:spPr>
           <a:xfrm>
-            <a:off x="1103312" y="2060575"/>
-            <a:ext cx="4396339" cy="4195763"/>
+            <a:off x="1097280" y="286603"/>
+            <a:ext cx="10058400" cy="1450757"/>
           </a:xfrm>
         </p:spPr>
         <p:txBody>
-          <a:bodyPr>
-            <a:normAutofit/>
-          </a:bodyPr>
-          <a:lstStyle>
-            <a:lvl1pPr>
-              <a:defRPr sz="1800"/>
-            </a:lvl1pPr>
-            <a:lvl2pPr>
-              <a:defRPr sz="1600"/>
-            </a:lvl2pPr>
-            <a:lvl3pPr>
-              <a:defRPr sz="1400"/>
-            </a:lvl3pPr>
-            <a:lvl4pPr>
-              <a:defRPr sz="1200"/>
-            </a:lvl4pPr>
-            <a:lvl5pPr>
-              <a:defRPr sz="1200"/>
-            </a:lvl5pPr>
-            <a:lvl6pPr>
-              <a:defRPr sz="1200"/>
-            </a:lvl6pPr>
-            <a:lvl7pPr>
-              <a:defRPr sz="1200"/>
-            </a:lvl7pPr>
-            <a:lvl8pPr>
-              <a:defRPr sz="1200"/>
-            </a:lvl8pPr>
-            <a:lvl9pPr>
-              <a:defRPr sz="1200"/>
-            </a:lvl9pPr>
-          </a:lstStyle>
-          <a:p>
-            <a:pPr lvl="0"/>
-            <a:r>
-              <a:rPr lang="en-US"/>
-              <a:t>Click to edit Master text styles</a:t>
-            </a:r>
-          </a:p>
-          <a:p>
-            <a:pPr lvl="1"/>
-            <a:r>
-              <a:rPr lang="en-US"/>
-              <a:t>Second level</a:t>
-            </a:r>
-          </a:p>
-          <a:p>
-            <a:pPr lvl="2"/>
-            <a:r>
-              <a:rPr lang="en-US"/>
-              <a:t>Third level</a:t>
-            </a:r>
-          </a:p>
-          <a:p>
-            <a:pPr lvl="3"/>
-            <a:r>
-              <a:rPr lang="en-US"/>
-              <a:t>Fourth level</a:t>
-            </a:r>
-          </a:p>
-          <a:p>
-            <a:pPr lvl="4"/>
-            <a:r>
-              <a:rPr lang="en-US"/>
-              <a:t>Fifth level</a:t>
+          <a:bodyPr/>
+          <a:lstStyle/>
+          <a:p>
+            <a:r>
+              <a:rPr lang="en-US"/>
+              <a:t>Click to edit Master title style</a:t>
             </a:r>
             <a:endParaRPr lang="en-US" dirty="0"/>
           </a:p>
@@ -4190,53 +1839,80 @@
       </p:sp>
       <p:sp>
         <p:nvSpPr>
-          <p:cNvPr id="4" name="Content Placeholder 3"/>
-          <p:cNvSpPr>
-            <a:spLocks noGrp="1"/>
-          </p:cNvSpPr>
-          <p:nvPr>
-            <p:ph sz="half" idx="2"/>
+          <p:cNvPr id="3" name="Content Placeholder 2"/>
+          <p:cNvSpPr>
+            <a:spLocks noGrp="1"/>
+          </p:cNvSpPr>
+          <p:nvPr>
+            <p:ph sz="half" idx="1"/>
           </p:nvPr>
         </p:nvSpPr>
         <p:spPr>
           <a:xfrm>
-            <a:off x="5654493" y="2056092"/>
-            <a:ext cx="4396341" cy="4200245"/>
+            <a:off x="1097279" y="1845734"/>
+            <a:ext cx="4937760" cy="4023360"/>
           </a:xfrm>
         </p:spPr>
         <p:txBody>
-          <a:bodyPr>
-            <a:normAutofit/>
-          </a:bodyPr>
-          <a:lstStyle>
-            <a:lvl1pPr>
-              <a:defRPr sz="1800"/>
-            </a:lvl1pPr>
-            <a:lvl2pPr>
-              <a:defRPr sz="1600"/>
-            </a:lvl2pPr>
-            <a:lvl3pPr>
-              <a:defRPr sz="1400"/>
-            </a:lvl3pPr>
-            <a:lvl4pPr>
-              <a:defRPr sz="1200"/>
-            </a:lvl4pPr>
-            <a:lvl5pPr>
-              <a:defRPr sz="1200"/>
-            </a:lvl5pPr>
-            <a:lvl6pPr>
-              <a:defRPr sz="1200"/>
-            </a:lvl6pPr>
-            <a:lvl7pPr>
-              <a:defRPr sz="1200"/>
-            </a:lvl7pPr>
-            <a:lvl8pPr>
-              <a:defRPr sz="1200"/>
-            </a:lvl8pPr>
-            <a:lvl9pPr>
-              <a:defRPr sz="1200"/>
-            </a:lvl9pPr>
-          </a:lstStyle>
+          <a:bodyPr/>
+          <a:lstStyle/>
+          <a:p>
+            <a:pPr lvl="0"/>
+            <a:r>
+              <a:rPr lang="en-US"/>
+              <a:t>Click to edit Master text styles</a:t>
+            </a:r>
+          </a:p>
+          <a:p>
+            <a:pPr lvl="1"/>
+            <a:r>
+              <a:rPr lang="en-US"/>
+              <a:t>Second level</a:t>
+            </a:r>
+          </a:p>
+          <a:p>
+            <a:pPr lvl="2"/>
+            <a:r>
+              <a:rPr lang="en-US"/>
+              <a:t>Third level</a:t>
+            </a:r>
+          </a:p>
+          <a:p>
+            <a:pPr lvl="3"/>
+            <a:r>
+              <a:rPr lang="en-US"/>
+              <a:t>Fourth level</a:t>
+            </a:r>
+          </a:p>
+          <a:p>
+            <a:pPr lvl="4"/>
+            <a:r>
+              <a:rPr lang="en-US"/>
+              <a:t>Fifth level</a:t>
+            </a:r>
+            <a:endParaRPr lang="en-US" dirty="0"/>
+          </a:p>
+        </p:txBody>
+      </p:sp>
+      <p:sp>
+        <p:nvSpPr>
+          <p:cNvPr id="4" name="Content Placeholder 3"/>
+          <p:cNvSpPr>
+            <a:spLocks noGrp="1"/>
+          </p:cNvSpPr>
+          <p:nvPr>
+            <p:ph sz="half" idx="2"/>
+          </p:nvPr>
+        </p:nvSpPr>
+        <p:spPr>
+          <a:xfrm>
+            <a:off x="6217920" y="1845735"/>
+            <a:ext cx="4937760" cy="4023360"/>
+          </a:xfrm>
+        </p:spPr>
+        <p:txBody>
+          <a:bodyPr/>
+          <a:lstStyle/>
           <a:p>
             <a:pPr lvl="0"/>
             <a:r>
@@ -4292,7 +1968,7 @@
           <a:p>
             <a:fld id="{FD59F0F9-D457-40B1-A03A-FC6FE8C60E26}" type="datetimeFigureOut">
               <a:rPr lang="da-DK" smtClean="0"/>
-              <a:t>15-01-2022</a:t>
+              <a:t>16-01-2022</a:t>
             </a:fld>
             <a:endParaRPr lang="da-DK"/>
           </a:p>
@@ -4343,7 +2019,7 @@
     </p:spTree>
     <p:extLst>
       <p:ext uri="{BB962C8B-B14F-4D97-AF65-F5344CB8AC3E}">
-        <p14:creationId xmlns:p14="http://schemas.microsoft.com/office/powerpoint/2010/main" val="756010748"/>
+        <p14:creationId xmlns:p14="http://schemas.microsoft.com/office/powerpoint/2010/main" val="3480020054"/>
       </p:ext>
     </p:extLst>
   </p:cSld>
@@ -4372,60 +2048,58 @@
       </p:grpSpPr>
       <p:sp>
         <p:nvSpPr>
-          <p:cNvPr id="2" name="Title 1"/>
+          <p:cNvPr id="10" name="Title 9"/>
           <p:cNvSpPr>
             <a:spLocks noGrp="1"/>
           </p:cNvSpPr>
           <p:nvPr>
             <p:ph type="title"/>
-          </p:nvPr>
-        </p:nvSpPr>
-        <p:spPr/>
-        <p:txBody>
-          <a:bodyPr/>
-          <a:lstStyle>
-            <a:lvl1pPr>
-              <a:defRPr/>
-            </a:lvl1pPr>
-          </a:lstStyle>
-          <a:p>
-            <a:r>
-              <a:rPr lang="en-US"/>
-              <a:t>Click to edit Master title style</a:t>
-            </a:r>
-            <a:endParaRPr lang="en-US" dirty="0"/>
-          </a:p>
-        </p:txBody>
-      </p:sp>
-      <p:sp>
-        <p:nvSpPr>
-          <p:cNvPr id="3" name="Text Placeholder 2"/>
-          <p:cNvSpPr>
-            <a:spLocks noGrp="1"/>
-          </p:cNvSpPr>
-          <p:nvPr>
-            <p:ph type="body" idx="1"/>
           </p:nvPr>
         </p:nvSpPr>
         <p:spPr>
           <a:xfrm>
-            <a:off x="1103313" y="1905000"/>
-            <a:ext cx="4396338" cy="576262"/>
+            <a:off x="1097280" y="286603"/>
+            <a:ext cx="10058400" cy="1450757"/>
           </a:xfrm>
         </p:spPr>
         <p:txBody>
-          <a:bodyPr anchor="b">
-            <a:noAutofit/>
+          <a:bodyPr/>
+          <a:lstStyle/>
+          <a:p>
+            <a:r>
+              <a:rPr lang="en-US"/>
+              <a:t>Click to edit Master title style</a:t>
+            </a:r>
+            <a:endParaRPr lang="en-US" dirty="0"/>
+          </a:p>
+        </p:txBody>
+      </p:sp>
+      <p:sp>
+        <p:nvSpPr>
+          <p:cNvPr id="3" name="Text Placeholder 2"/>
+          <p:cNvSpPr>
+            <a:spLocks noGrp="1"/>
+          </p:cNvSpPr>
+          <p:nvPr>
+            <p:ph type="body" idx="1"/>
+          </p:nvPr>
+        </p:nvSpPr>
+        <p:spPr>
+          <a:xfrm>
+            <a:off x="1097280" y="1846052"/>
+            <a:ext cx="4937760" cy="736282"/>
+          </a:xfrm>
+        </p:spPr>
+        <p:txBody>
+          <a:bodyPr lIns="91440" rIns="91440" anchor="ctr">
+            <a:normAutofit/>
           </a:bodyPr>
           <a:lstStyle>
             <a:lvl1pPr marL="0" indent="0">
               <a:buNone/>
-              <a:defRPr sz="2400" b="0">
+              <a:defRPr sz="2000" b="0" cap="all" baseline="0">
                 <a:solidFill>
-                  <a:schemeClr val="bg2">
-                    <a:lumMod val="40000"/>
-                    <a:lumOff val="60000"/>
-                  </a:schemeClr>
+                  <a:schemeClr val="tx2"/>
                 </a:solidFill>
               </a:defRPr>
             </a:lvl1pPr>
@@ -4483,110 +2157,77 @@
         </p:nvSpPr>
         <p:spPr>
           <a:xfrm>
-            <a:off x="1103312" y="2514600"/>
-            <a:ext cx="4396339" cy="3741738"/>
+            <a:off x="1097280" y="2582334"/>
+            <a:ext cx="4937760" cy="3378200"/>
           </a:xfrm>
         </p:spPr>
         <p:txBody>
-          <a:bodyPr>
+          <a:bodyPr/>
+          <a:lstStyle/>
+          <a:p>
+            <a:pPr lvl="0"/>
+            <a:r>
+              <a:rPr lang="en-US"/>
+              <a:t>Click to edit Master text styles</a:t>
+            </a:r>
+          </a:p>
+          <a:p>
+            <a:pPr lvl="1"/>
+            <a:r>
+              <a:rPr lang="en-US"/>
+              <a:t>Second level</a:t>
+            </a:r>
+          </a:p>
+          <a:p>
+            <a:pPr lvl="2"/>
+            <a:r>
+              <a:rPr lang="en-US"/>
+              <a:t>Third level</a:t>
+            </a:r>
+          </a:p>
+          <a:p>
+            <a:pPr lvl="3"/>
+            <a:r>
+              <a:rPr lang="en-US"/>
+              <a:t>Fourth level</a:t>
+            </a:r>
+          </a:p>
+          <a:p>
+            <a:pPr lvl="4"/>
+            <a:r>
+              <a:rPr lang="en-US"/>
+              <a:t>Fifth level</a:t>
+            </a:r>
+            <a:endParaRPr lang="en-US" dirty="0"/>
+          </a:p>
+        </p:txBody>
+      </p:sp>
+      <p:sp>
+        <p:nvSpPr>
+          <p:cNvPr id="5" name="Text Placeholder 4"/>
+          <p:cNvSpPr>
+            <a:spLocks noGrp="1"/>
+          </p:cNvSpPr>
+          <p:nvPr>
+            <p:ph type="body" sz="quarter" idx="3"/>
+          </p:nvPr>
+        </p:nvSpPr>
+        <p:spPr>
+          <a:xfrm>
+            <a:off x="6217920" y="1846052"/>
+            <a:ext cx="4937760" cy="736282"/>
+          </a:xfrm>
+        </p:spPr>
+        <p:txBody>
+          <a:bodyPr lIns="91440" rIns="91440" anchor="ctr">
             <a:normAutofit/>
           </a:bodyPr>
           <a:lstStyle>
-            <a:lvl1pPr>
-              <a:defRPr sz="1800"/>
-            </a:lvl1pPr>
-            <a:lvl2pPr>
-              <a:defRPr sz="1600"/>
-            </a:lvl2pPr>
-            <a:lvl3pPr>
-              <a:defRPr sz="1400"/>
-            </a:lvl3pPr>
-            <a:lvl4pPr>
-              <a:defRPr sz="1200"/>
-            </a:lvl4pPr>
-            <a:lvl5pPr>
-              <a:defRPr sz="1200"/>
-            </a:lvl5pPr>
-            <a:lvl6pPr>
-              <a:defRPr sz="1200"/>
-            </a:lvl6pPr>
-            <a:lvl7pPr>
-              <a:defRPr sz="1200"/>
-            </a:lvl7pPr>
-            <a:lvl8pPr>
-              <a:defRPr sz="1200"/>
-            </a:lvl8pPr>
-            <a:lvl9pPr>
-              <a:defRPr sz="1200"/>
-            </a:lvl9pPr>
-          </a:lstStyle>
-          <a:p>
-            <a:pPr lvl="0"/>
-            <a:r>
-              <a:rPr lang="en-US"/>
-              <a:t>Click to edit Master text styles</a:t>
-            </a:r>
-          </a:p>
-          <a:p>
-            <a:pPr lvl="1"/>
-            <a:r>
-              <a:rPr lang="en-US"/>
-              <a:t>Second level</a:t>
-            </a:r>
-          </a:p>
-          <a:p>
-            <a:pPr lvl="2"/>
-            <a:r>
-              <a:rPr lang="en-US"/>
-              <a:t>Third level</a:t>
-            </a:r>
-          </a:p>
-          <a:p>
-            <a:pPr lvl="3"/>
-            <a:r>
-              <a:rPr lang="en-US"/>
-              <a:t>Fourth level</a:t>
-            </a:r>
-          </a:p>
-          <a:p>
-            <a:pPr lvl="4"/>
-            <a:r>
-              <a:rPr lang="en-US"/>
-              <a:t>Fifth level</a:t>
-            </a:r>
-            <a:endParaRPr lang="en-US" dirty="0"/>
-          </a:p>
-        </p:txBody>
-      </p:sp>
-      <p:sp>
-        <p:nvSpPr>
-          <p:cNvPr id="5" name="Text Placeholder 4"/>
-          <p:cNvSpPr>
-            <a:spLocks noGrp="1"/>
-          </p:cNvSpPr>
-          <p:nvPr>
-            <p:ph type="body" sz="quarter" idx="3"/>
-          </p:nvPr>
-        </p:nvSpPr>
-        <p:spPr>
-          <a:xfrm>
-            <a:off x="5654495" y="1905000"/>
-            <a:ext cx="4396339" cy="576262"/>
-          </a:xfrm>
-        </p:spPr>
-        <p:txBody>
-          <a:bodyPr anchor="b">
-            <a:noAutofit/>
-          </a:bodyPr>
-          <a:lstStyle>
             <a:lvl1pPr marL="0" indent="0">
               <a:buNone/>
-              <a:defRPr sz="2400" b="0">
+              <a:defRPr sz="2000" b="0" cap="all" baseline="0">
                 <a:solidFill>
-                  <a:schemeClr val="bg2">
-                    <a:lumMod val="40000"/>
-                    <a:lumOff val="60000"/>
-                  </a:schemeClr>
+                  <a:schemeClr val="tx2"/>
                 </a:solidFill>
               </a:defRPr>
             </a:lvl1pPr>
@@ -4644,43 +2285,13 @@
         </p:nvSpPr>
         <p:spPr>
           <a:xfrm>
-            <a:off x="5654495" y="2514600"/>
-            <a:ext cx="4396339" cy="3741738"/>
+            <a:off x="6217920" y="2582334"/>
+            <a:ext cx="4937760" cy="3378200"/>
           </a:xfrm>
         </p:spPr>
         <p:txBody>
-          <a:bodyPr>
-            <a:normAutofit/>
-          </a:bodyPr>
-          <a:lstStyle>
-            <a:lvl1pPr>
-              <a:defRPr sz="1800"/>
-            </a:lvl1pPr>
-            <a:lvl2pPr>
-              <a:defRPr sz="1600"/>
-            </a:lvl2pPr>
-            <a:lvl3pPr>
-              <a:defRPr sz="1400"/>
-            </a:lvl3pPr>
-            <a:lvl4pPr>
-              <a:defRPr sz="1200"/>
-            </a:lvl4pPr>
-            <a:lvl5pPr>
-              <a:defRPr sz="1200"/>
-            </a:lvl5pPr>
-            <a:lvl6pPr>
-              <a:defRPr sz="1200"/>
-            </a:lvl6pPr>
-            <a:lvl7pPr>
-              <a:defRPr sz="1200"/>
-            </a:lvl7pPr>
-            <a:lvl8pPr>
-              <a:defRPr sz="1200"/>
-            </a:lvl8pPr>
-            <a:lvl9pPr>
-              <a:defRPr sz="1200"/>
-            </a:lvl9pPr>
-          </a:lstStyle>
+          <a:bodyPr/>
+          <a:lstStyle/>
           <a:p>
             <a:pPr lvl="0"/>
             <a:r>
@@ -4736,7 +2347,7 @@
           <a:p>
             <a:fld id="{FD59F0F9-D457-40B1-A03A-FC6FE8C60E26}" type="datetimeFigureOut">
               <a:rPr lang="da-DK" smtClean="0"/>
-              <a:t>15-01-2022</a:t>
+              <a:t>16-01-2022</a:t>
             </a:fld>
             <a:endParaRPr lang="da-DK"/>
           </a:p>
@@ -4787,7 +2398,7 @@
     </p:spTree>
     <p:extLst>
       <p:ext uri="{BB962C8B-B14F-4D97-AF65-F5344CB8AC3E}">
-        <p14:creationId xmlns:p14="http://schemas.microsoft.com/office/powerpoint/2010/main" val="1283125158"/>
+        <p14:creationId xmlns:p14="http://schemas.microsoft.com/office/powerpoint/2010/main" val="593425057"/>
       </p:ext>
     </p:extLst>
   </p:cSld>
@@ -4839,7 +2450,7 @@
       </p:sp>
       <p:sp>
         <p:nvSpPr>
-          <p:cNvPr id="7" name="Date Placeholder 2"/>
+          <p:cNvPr id="3" name="Date Placeholder 2"/>
           <p:cNvSpPr>
             <a:spLocks noGrp="1"/>
           </p:cNvSpPr>
@@ -4854,7 +2465,7 @@
           <a:p>
             <a:fld id="{FD59F0F9-D457-40B1-A03A-FC6FE8C60E26}" type="datetimeFigureOut">
               <a:rPr lang="da-DK" smtClean="0"/>
-              <a:t>15-01-2022</a:t>
+              <a:t>16-01-2022</a:t>
             </a:fld>
             <a:endParaRPr lang="da-DK"/>
           </a:p>
@@ -4862,7 +2473,7 @@
       </p:sp>
       <p:sp>
         <p:nvSpPr>
-          <p:cNvPr id="5" name="Footer Placeholder 3"/>
+          <p:cNvPr id="4" name="Footer Placeholder 3"/>
           <p:cNvSpPr>
             <a:spLocks noGrp="1"/>
           </p:cNvSpPr>
@@ -4881,7 +2492,7 @@
       </p:sp>
       <p:sp>
         <p:nvSpPr>
-          <p:cNvPr id="6" name="Slide Number Placeholder 4"/>
+          <p:cNvPr id="5" name="Slide Number Placeholder 4"/>
           <p:cNvSpPr>
             <a:spLocks noGrp="1"/>
           </p:cNvSpPr>
@@ -4905,7 +2516,7 @@
     </p:spTree>
     <p:extLst>
       <p:ext uri="{BB962C8B-B14F-4D97-AF65-F5344CB8AC3E}">
-        <p14:creationId xmlns:p14="http://schemas.microsoft.com/office/powerpoint/2010/main" val="3590614548"/>
+        <p14:creationId xmlns:p14="http://schemas.microsoft.com/office/powerpoint/2010/main" val="4116926053"/>
       </p:ext>
     </p:extLst>
   </p:cSld>
@@ -4916,7 +2527,7 @@
 </file>
 
 <file path=ppt/slideLayouts/slideLayout7.xml><?xml version="1.0" encoding="utf-8"?>
-<p:sldLayout xmlns:a="http://schemas.openxmlformats.org/drawingml/2006/main" xmlns:r="http://schemas.openxmlformats.org/officeDocument/2006/relationships" xmlns:p="http://schemas.openxmlformats.org/presentationml/2006/main" type="blank" preserve="1">
+<p:sldLayout xmlns:a="http://schemas.openxmlformats.org/drawingml/2006/main" xmlns:r="http://schemas.openxmlformats.org/officeDocument/2006/relationships" xmlns:p="http://schemas.openxmlformats.org/presentationml/2006/main" showMasterSp="0" type="blank" preserve="1">
   <p:cSld name="Blank">
     <p:spTree>
       <p:nvGrpSpPr>
@@ -4934,7 +2545,83 @@
       </p:grpSpPr>
       <p:sp>
         <p:nvSpPr>
-          <p:cNvPr id="7" name="Date Placeholder 1"/>
+          <p:cNvPr id="5" name="Rectangle 4"/>
+          <p:cNvSpPr/>
+          <p:nvPr/>
+        </p:nvSpPr>
+        <p:spPr>
+          <a:xfrm>
+            <a:off x="3175" y="6400800"/>
+            <a:ext cx="12188825" cy="457200"/>
+          </a:xfrm>
+          <a:prstGeom prst="rect">
+            <a:avLst/>
+          </a:prstGeom>
+          <a:solidFill>
+            <a:schemeClr val="accent2"/>
+          </a:solidFill>
+          <a:ln>
+            <a:noFill/>
+          </a:ln>
+        </p:spPr>
+        <p:style>
+          <a:lnRef idx="2">
+            <a:schemeClr val="accent1">
+              <a:shade val="50000"/>
+            </a:schemeClr>
+          </a:lnRef>
+          <a:fillRef idx="1">
+            <a:schemeClr val="accent1"/>
+          </a:fillRef>
+          <a:effectRef idx="0">
+            <a:schemeClr val="accent1"/>
+          </a:effectRef>
+          <a:fontRef idx="minor">
+            <a:schemeClr val="lt1"/>
+          </a:fontRef>
+        </p:style>
+      </p:sp>
+      <p:sp>
+        <p:nvSpPr>
+          <p:cNvPr id="6" name="Rectangle 5"/>
+          <p:cNvSpPr/>
+          <p:nvPr/>
+        </p:nvSpPr>
+        <p:spPr>
+          <a:xfrm>
+            <a:off x="15" y="6334316"/>
+            <a:ext cx="12188825" cy="64008"/>
+          </a:xfrm>
+          <a:prstGeom prst="rect">
+            <a:avLst/>
+          </a:prstGeom>
+          <a:solidFill>
+            <a:schemeClr val="accent1"/>
+          </a:solidFill>
+          <a:ln>
+            <a:noFill/>
+          </a:ln>
+        </p:spPr>
+        <p:style>
+          <a:lnRef idx="2">
+            <a:schemeClr val="accent1">
+              <a:shade val="50000"/>
+            </a:schemeClr>
+          </a:lnRef>
+          <a:fillRef idx="1">
+            <a:schemeClr val="accent1"/>
+          </a:fillRef>
+          <a:effectRef idx="0">
+            <a:schemeClr val="accent1"/>
+          </a:effectRef>
+          <a:fontRef idx="minor">
+            <a:schemeClr val="lt1"/>
+          </a:fontRef>
+        </p:style>
+      </p:sp>
+      <p:sp>
+        <p:nvSpPr>
+          <p:cNvPr id="7" name="Date Placeholder 6"/>
           <p:cNvSpPr>
             <a:spLocks noGrp="1"/>
           </p:cNvSpPr>
@@ -4949,7 +2636,7 @@
           <a:p>
             <a:fld id="{FD59F0F9-D457-40B1-A03A-FC6FE8C60E26}" type="datetimeFigureOut">
               <a:rPr lang="da-DK" smtClean="0"/>
-              <a:t>15-01-2022</a:t>
+              <a:t>16-01-2022</a:t>
             </a:fld>
             <a:endParaRPr lang="da-DK"/>
           </a:p>
@@ -4957,7 +2644,7 @@
       </p:sp>
       <p:sp>
         <p:nvSpPr>
-          <p:cNvPr id="5" name="Footer Placeholder 2"/>
+          <p:cNvPr id="8" name="Footer Placeholder 7"/>
           <p:cNvSpPr>
             <a:spLocks noGrp="1"/>
           </p:cNvSpPr>
@@ -4968,7 +2655,15 @@
         <p:spPr/>
         <p:txBody>
           <a:bodyPr/>
-          <a:lstStyle/>
+          <a:lstStyle>
+            <a:lvl1pPr>
+              <a:defRPr>
+                <a:solidFill>
+                  <a:srgbClr val="FFFFFF"/>
+                </a:solidFill>
+              </a:defRPr>
+            </a:lvl1pPr>
+          </a:lstStyle>
           <a:p>
             <a:endParaRPr lang="da-DK"/>
           </a:p>
@@ -4976,7 +2671,7 @@
       </p:sp>
       <p:sp>
         <p:nvSpPr>
-          <p:cNvPr id="6" name="Slide Number Placeholder 3"/>
+          <p:cNvPr id="9" name="Slide Number Placeholder 8"/>
           <p:cNvSpPr>
             <a:spLocks noGrp="1"/>
           </p:cNvSpPr>
@@ -5000,7 +2695,7 @@
     </p:spTree>
     <p:extLst>
       <p:ext uri="{BB962C8B-B14F-4D97-AF65-F5344CB8AC3E}">
-        <p14:creationId xmlns:p14="http://schemas.microsoft.com/office/powerpoint/2010/main" val="4136614915"/>
+        <p14:creationId xmlns:p14="http://schemas.microsoft.com/office/powerpoint/2010/main" val="207019768"/>
       </p:ext>
     </p:extLst>
   </p:cSld>
@@ -5011,7 +2706,7 @@
 </file>
 
 <file path=ppt/slideLayouts/slideLayout8.xml><?xml version="1.0" encoding="utf-8"?>
-<p:sldLayout xmlns:a="http://schemas.openxmlformats.org/drawingml/2006/main" xmlns:r="http://schemas.openxmlformats.org/officeDocument/2006/relationships" xmlns:p="http://schemas.openxmlformats.org/presentationml/2006/main" type="objTx" preserve="1">
+<p:sldLayout xmlns:a="http://schemas.openxmlformats.org/drawingml/2006/main" xmlns:r="http://schemas.openxmlformats.org/officeDocument/2006/relationships" xmlns:p="http://schemas.openxmlformats.org/presentationml/2006/main" showMasterSp="0" type="objTx" preserve="1">
   <p:cSld name="Content with Caption">
     <p:spTree>
       <p:nvGrpSpPr>
@@ -5029,118 +2724,113 @@
       </p:grpSpPr>
       <p:sp>
         <p:nvSpPr>
-          <p:cNvPr id="2" name="Title 1"/>
-          <p:cNvSpPr>
-            <a:spLocks noGrp="1"/>
-          </p:cNvSpPr>
-          <p:nvPr>
-            <p:ph type="title"/>
-          </p:nvPr>
+          <p:cNvPr id="8" name="Rectangle 7"/>
+          <p:cNvSpPr/>
+          <p:nvPr/>
         </p:nvSpPr>
         <p:spPr>
           <a:xfrm>
-            <a:off x="1154953" y="1447800"/>
-            <a:ext cx="3401064" cy="1447800"/>
+            <a:off x="16" y="0"/>
+            <a:ext cx="4050791" cy="6858000"/>
+          </a:xfrm>
+          <a:prstGeom prst="rect">
+            <a:avLst/>
+          </a:prstGeom>
+          <a:solidFill>
+            <a:schemeClr val="accent2"/>
+          </a:solidFill>
+          <a:ln>
+            <a:noFill/>
+          </a:ln>
+        </p:spPr>
+        <p:style>
+          <a:lnRef idx="2">
+            <a:schemeClr val="accent1">
+              <a:shade val="50000"/>
+            </a:schemeClr>
+          </a:lnRef>
+          <a:fillRef idx="1">
+            <a:schemeClr val="accent1"/>
+          </a:fillRef>
+          <a:effectRef idx="0">
+            <a:schemeClr val="accent1"/>
+          </a:effectRef>
+          <a:fontRef idx="minor">
+            <a:schemeClr val="lt1"/>
+          </a:fontRef>
+        </p:style>
+      </p:sp>
+      <p:sp>
+        <p:nvSpPr>
+          <p:cNvPr id="9" name="Rectangle 8"/>
+          <p:cNvSpPr/>
+          <p:nvPr/>
+        </p:nvSpPr>
+        <p:spPr>
+          <a:xfrm>
+            <a:off x="4040071" y="0"/>
+            <a:ext cx="64008" cy="6858000"/>
+          </a:xfrm>
+          <a:prstGeom prst="rect">
+            <a:avLst/>
+          </a:prstGeom>
+          <a:solidFill>
+            <a:schemeClr val="accent1"/>
+          </a:solidFill>
+          <a:ln>
+            <a:noFill/>
+          </a:ln>
+        </p:spPr>
+        <p:style>
+          <a:lnRef idx="2">
+            <a:schemeClr val="accent1">
+              <a:shade val="50000"/>
+            </a:schemeClr>
+          </a:lnRef>
+          <a:fillRef idx="1">
+            <a:schemeClr val="accent1"/>
+          </a:fillRef>
+          <a:effectRef idx="0">
+            <a:schemeClr val="accent1"/>
+          </a:effectRef>
+          <a:fontRef idx="minor">
+            <a:schemeClr val="lt1"/>
+          </a:fontRef>
+        </p:style>
+      </p:sp>
+      <p:sp>
+        <p:nvSpPr>
+          <p:cNvPr id="2" name="Title 1"/>
+          <p:cNvSpPr>
+            <a:spLocks noGrp="1"/>
+          </p:cNvSpPr>
+          <p:nvPr>
+            <p:ph type="title"/>
+          </p:nvPr>
+        </p:nvSpPr>
+        <p:spPr>
+          <a:xfrm>
+            <a:off x="457200" y="594359"/>
+            <a:ext cx="3200400" cy="2286000"/>
           </a:xfrm>
         </p:spPr>
         <p:txBody>
-          <a:bodyPr anchor="b"/>
-          <a:lstStyle>
-            <a:lvl1pPr algn="l">
-              <a:defRPr sz="2400" b="0"/>
-            </a:lvl1pPr>
-          </a:lstStyle>
-          <a:p>
-            <a:r>
-              <a:rPr lang="en-US"/>
-              <a:t>Click to edit Master title style</a:t>
-            </a:r>
-            <a:endParaRPr lang="en-US" dirty="0"/>
-          </a:p>
-        </p:txBody>
-      </p:sp>
-      <p:sp>
-        <p:nvSpPr>
-          <p:cNvPr id="3" name="Content Placeholder 2"/>
-          <p:cNvSpPr>
-            <a:spLocks noGrp="1"/>
-          </p:cNvSpPr>
-          <p:nvPr>
-            <p:ph idx="1"/>
-          </p:nvPr>
-        </p:nvSpPr>
-        <p:spPr>
-          <a:xfrm>
-            <a:off x="4784616" y="1447800"/>
-            <a:ext cx="5195997" cy="4572000"/>
-          </a:xfrm>
-        </p:spPr>
-        <p:txBody>
-          <a:bodyPr anchor="ctr">
+          <a:bodyPr anchor="b">
             <a:normAutofit/>
           </a:bodyPr>
           <a:lstStyle>
             <a:lvl1pPr>
-              <a:defRPr sz="2000"/>
+              <a:defRPr sz="3600" b="0">
+                <a:solidFill>
+                  <a:srgbClr val="FFFFFF"/>
+                </a:solidFill>
+              </a:defRPr>
             </a:lvl1pPr>
-            <a:lvl2pPr>
-              <a:defRPr sz="1800"/>
-            </a:lvl2pPr>
-            <a:lvl3pPr>
-              <a:defRPr sz="1600"/>
-            </a:lvl3pPr>
-            <a:lvl4pPr>
-              <a:defRPr sz="1400"/>
-            </a:lvl4pPr>
-            <a:lvl5pPr>
-              <a:defRPr sz="1400"/>
-            </a:lvl5pPr>
-            <a:lvl6pPr>
-              <a:defRPr sz="1400"/>
-            </a:lvl6pPr>
-            <a:lvl7pPr>
-              <a:defRPr sz="1400"/>
-            </a:lvl7pPr>
-            <a:lvl8pPr>
-              <a:defRPr sz="1400"/>
-            </a:lvl8pPr>
-            <a:lvl9pPr>
-              <a:defRPr sz="1400"/>
-            </a:lvl9pPr>
           </a:lstStyle>
           <a:p>
-            <a:pPr lvl="0"/>
-            <a:r>
-              <a:rPr lang="en-US"/>
-              <a:t>Click to edit Master text styles</a:t>
-            </a:r>
-          </a:p>
-          <a:p>
-            <a:pPr lvl="1"/>
-            <a:r>
-              <a:rPr lang="en-US"/>
-              <a:t>Second level</a:t>
-            </a:r>
-          </a:p>
-          <a:p>
-            <a:pPr lvl="2"/>
-            <a:r>
-              <a:rPr lang="en-US"/>
-              <a:t>Third level</a:t>
-            </a:r>
-          </a:p>
-          <a:p>
-            <a:pPr lvl="3"/>
-            <a:r>
-              <a:rPr lang="en-US"/>
-              <a:t>Fourth level</a:t>
-            </a:r>
-          </a:p>
-          <a:p>
-            <a:pPr lvl="4"/>
-            <a:r>
-              <a:rPr lang="en-US"/>
-              <a:t>Fifth level</a:t>
+            <a:r>
+              <a:rPr lang="en-US"/>
+              <a:t>Click to edit Master title style</a:t>
             </a:r>
             <a:endParaRPr lang="en-US" dirty="0"/>
           </a:p>
@@ -5148,26 +2838,89 @@
       </p:sp>
       <p:sp>
         <p:nvSpPr>
-          <p:cNvPr id="4" name="Text Placeholder 3"/>
-          <p:cNvSpPr>
-            <a:spLocks noGrp="1"/>
-          </p:cNvSpPr>
-          <p:nvPr>
-            <p:ph type="body" sz="half" idx="2"/>
+          <p:cNvPr id="3" name="Content Placeholder 2"/>
+          <p:cNvSpPr>
+            <a:spLocks noGrp="1"/>
+          </p:cNvSpPr>
+          <p:nvPr>
+            <p:ph idx="1"/>
           </p:nvPr>
         </p:nvSpPr>
         <p:spPr>
           <a:xfrm>
-            <a:off x="1154953" y="3129280"/>
-            <a:ext cx="3401063" cy="2895599"/>
+            <a:off x="4800600" y="731520"/>
+            <a:ext cx="6492240" cy="5257800"/>
           </a:xfrm>
         </p:spPr>
         <p:txBody>
           <a:bodyPr/>
+          <a:lstStyle/>
+          <a:p>
+            <a:pPr lvl="0"/>
+            <a:r>
+              <a:rPr lang="en-US"/>
+              <a:t>Click to edit Master text styles</a:t>
+            </a:r>
+          </a:p>
+          <a:p>
+            <a:pPr lvl="1"/>
+            <a:r>
+              <a:rPr lang="en-US"/>
+              <a:t>Second level</a:t>
+            </a:r>
+          </a:p>
+          <a:p>
+            <a:pPr lvl="2"/>
+            <a:r>
+              <a:rPr lang="en-US"/>
+              <a:t>Third level</a:t>
+            </a:r>
+          </a:p>
+          <a:p>
+            <a:pPr lvl="3"/>
+            <a:r>
+              <a:rPr lang="en-US"/>
+              <a:t>Fourth level</a:t>
+            </a:r>
+          </a:p>
+          <a:p>
+            <a:pPr lvl="4"/>
+            <a:r>
+              <a:rPr lang="en-US"/>
+              <a:t>Fifth level</a:t>
+            </a:r>
+            <a:endParaRPr lang="en-US" dirty="0"/>
+          </a:p>
+        </p:txBody>
+      </p:sp>
+      <p:sp>
+        <p:nvSpPr>
+          <p:cNvPr id="4" name="Text Placeholder 3"/>
+          <p:cNvSpPr>
+            <a:spLocks noGrp="1"/>
+          </p:cNvSpPr>
+          <p:nvPr>
+            <p:ph type="body" sz="half" idx="2"/>
+          </p:nvPr>
+        </p:nvSpPr>
+        <p:spPr>
+          <a:xfrm>
+            <a:off x="457200" y="2926080"/>
+            <a:ext cx="3200400" cy="3379124"/>
+          </a:xfrm>
+        </p:spPr>
+        <p:txBody>
+          <a:bodyPr lIns="91440" rIns="91440">
+            <a:normAutofit/>
+          </a:bodyPr>
           <a:lstStyle>
             <a:lvl1pPr marL="0" indent="0">
               <a:buNone/>
-              <a:defRPr sz="1400"/>
+              <a:defRPr sz="1500">
+                <a:solidFill>
+                  <a:srgbClr val="FFFFFF"/>
+                </a:solidFill>
+              </a:defRPr>
             </a:lvl1pPr>
             <a:lvl2pPr marL="457200" indent="0">
               <a:buNone/>
@@ -5213,7 +2966,7 @@
       </p:sp>
       <p:sp>
         <p:nvSpPr>
-          <p:cNvPr id="7" name="Date Placeholder 4"/>
+          <p:cNvPr id="5" name="Date Placeholder 4"/>
           <p:cNvSpPr>
             <a:spLocks noGrp="1"/>
           </p:cNvSpPr>
@@ -5221,14 +2974,23 @@
             <p:ph type="dt" sz="half" idx="10"/>
           </p:nvPr>
         </p:nvSpPr>
-        <p:spPr/>
-        <p:txBody>
-          <a:bodyPr/>
-          <a:lstStyle/>
+        <p:spPr>
+          <a:xfrm>
+            <a:off x="465512" y="6459785"/>
+            <a:ext cx="2618510" cy="365125"/>
+          </a:xfrm>
+        </p:spPr>
+        <p:txBody>
+          <a:bodyPr/>
+          <a:lstStyle>
+            <a:lvl1pPr algn="l">
+              <a:defRPr/>
+            </a:lvl1pPr>
+          </a:lstStyle>
           <a:p>
             <a:fld id="{FD59F0F9-D457-40B1-A03A-FC6FE8C60E26}" type="datetimeFigureOut">
               <a:rPr lang="da-DK" smtClean="0"/>
-              <a:t>15-01-2022</a:t>
+              <a:t>16-01-2022</a:t>
             </a:fld>
             <a:endParaRPr lang="da-DK"/>
           </a:p>
@@ -5236,7 +2998,7 @@
       </p:sp>
       <p:sp>
         <p:nvSpPr>
-          <p:cNvPr id="5" name="Footer Placeholder 5"/>
+          <p:cNvPr id="6" name="Footer Placeholder 5"/>
           <p:cNvSpPr>
             <a:spLocks noGrp="1"/>
           </p:cNvSpPr>
@@ -5244,29 +3006,50 @@
             <p:ph type="ftr" sz="quarter" idx="11"/>
           </p:nvPr>
         </p:nvSpPr>
+        <p:spPr>
+          <a:xfrm>
+            <a:off x="4800600" y="6459785"/>
+            <a:ext cx="4648200" cy="365125"/>
+          </a:xfrm>
+        </p:spPr>
+        <p:txBody>
+          <a:bodyPr/>
+          <a:lstStyle>
+            <a:lvl1pPr algn="l">
+              <a:defRPr>
+                <a:solidFill>
+                  <a:schemeClr val="tx2"/>
+                </a:solidFill>
+              </a:defRPr>
+            </a:lvl1pPr>
+          </a:lstStyle>
+          <a:p>
+            <a:endParaRPr lang="da-DK"/>
+          </a:p>
+        </p:txBody>
+      </p:sp>
+      <p:sp>
+        <p:nvSpPr>
+          <p:cNvPr id="7" name="Slide Number Placeholder 6"/>
+          <p:cNvSpPr>
+            <a:spLocks noGrp="1"/>
+          </p:cNvSpPr>
+          <p:nvPr>
+            <p:ph type="sldNum" sz="quarter" idx="12"/>
+          </p:nvPr>
+        </p:nvSpPr>
         <p:spPr/>
         <p:txBody>
           <a:bodyPr/>
-          <a:lstStyle/>
-          <a:p>
-            <a:endParaRPr lang="da-DK"/>
-          </a:p>
-        </p:txBody>
-      </p:sp>
-      <p:sp>
-        <p:nvSpPr>
-          <p:cNvPr id="6" name="Slide Number Placeholder 6"/>
-          <p:cNvSpPr>
-            <a:spLocks noGrp="1"/>
-          </p:cNvSpPr>
-          <p:nvPr>
-            <p:ph type="sldNum" sz="quarter" idx="12"/>
-          </p:nvPr>
-        </p:nvSpPr>
-        <p:spPr/>
-        <p:txBody>
-          <a:bodyPr/>
-          <a:lstStyle/>
+          <a:lstStyle>
+            <a:lvl1pPr>
+              <a:defRPr>
+                <a:solidFill>
+                  <a:schemeClr val="tx2"/>
+                </a:solidFill>
+              </a:defRPr>
+            </a:lvl1pPr>
+          </a:lstStyle>
           <a:p>
             <a:fld id="{489B7644-859D-4C1C-8690-A1D7D58893F1}" type="slidenum">
               <a:rPr lang="da-DK" smtClean="0"/>
@@ -5279,7 +3062,7 @@
     </p:spTree>
     <p:extLst>
       <p:ext uri="{BB962C8B-B14F-4D97-AF65-F5344CB8AC3E}">
-        <p14:creationId xmlns:p14="http://schemas.microsoft.com/office/powerpoint/2010/main" val="725046025"/>
+        <p14:creationId xmlns:p14="http://schemas.microsoft.com/office/powerpoint/2010/main" val="1180838356"/>
       </p:ext>
     </p:extLst>
   </p:cSld>
@@ -5290,7 +3073,7 @@
 </file>
 
 <file path=ppt/slideLayouts/slideLayout9.xml><?xml version="1.0" encoding="utf-8"?>
-<p:sldLayout xmlns:a="http://schemas.openxmlformats.org/drawingml/2006/main" xmlns:r="http://schemas.openxmlformats.org/officeDocument/2006/relationships" xmlns:p="http://schemas.openxmlformats.org/presentationml/2006/main" type="picTx" preserve="1">
+<p:sldLayout xmlns:a="http://schemas.openxmlformats.org/drawingml/2006/main" xmlns:r="http://schemas.openxmlformats.org/officeDocument/2006/relationships" xmlns:p="http://schemas.openxmlformats.org/presentationml/2006/main" showMasterSp="0" type="picTx" preserve="1">
   <p:cSld name="Picture with Caption">
     <p:spTree>
       <p:nvGrpSpPr>
@@ -5308,27 +3091,107 @@
       </p:grpSpPr>
       <p:sp>
         <p:nvSpPr>
-          <p:cNvPr id="2" name="Title 1"/>
-          <p:cNvSpPr>
-            <a:spLocks noGrp="1"/>
-          </p:cNvSpPr>
-          <p:nvPr>
-            <p:ph type="title"/>
-          </p:nvPr>
+          <p:cNvPr id="8" name="Rectangle 7"/>
+          <p:cNvSpPr/>
+          <p:nvPr/>
         </p:nvSpPr>
         <p:spPr>
           <a:xfrm>
-            <a:off x="1153907" y="1854192"/>
-            <a:ext cx="5092906" cy="1574808"/>
+            <a:off x="0" y="4953000"/>
+            <a:ext cx="12188825" cy="1905000"/>
+          </a:xfrm>
+          <a:prstGeom prst="rect">
+            <a:avLst/>
+          </a:prstGeom>
+          <a:solidFill>
+            <a:schemeClr val="accent2"/>
+          </a:solidFill>
+          <a:ln>
+            <a:noFill/>
+          </a:ln>
+        </p:spPr>
+        <p:style>
+          <a:lnRef idx="2">
+            <a:schemeClr val="accent1">
+              <a:shade val="50000"/>
+            </a:schemeClr>
+          </a:lnRef>
+          <a:fillRef idx="1">
+            <a:schemeClr val="accent1"/>
+          </a:fillRef>
+          <a:effectRef idx="0">
+            <a:schemeClr val="accent1"/>
+          </a:effectRef>
+          <a:fontRef idx="minor">
+            <a:schemeClr val="lt1"/>
+          </a:fontRef>
+        </p:style>
+      </p:sp>
+      <p:sp>
+        <p:nvSpPr>
+          <p:cNvPr id="9" name="Rectangle 8"/>
+          <p:cNvSpPr/>
+          <p:nvPr/>
+        </p:nvSpPr>
+        <p:spPr>
+          <a:xfrm>
+            <a:off x="15" y="4915076"/>
+            <a:ext cx="12188825" cy="64008"/>
+          </a:xfrm>
+          <a:prstGeom prst="rect">
+            <a:avLst/>
+          </a:prstGeom>
+          <a:solidFill>
+            <a:schemeClr val="accent1"/>
+          </a:solidFill>
+          <a:ln>
+            <a:noFill/>
+          </a:ln>
+        </p:spPr>
+        <p:style>
+          <a:lnRef idx="2">
+            <a:schemeClr val="accent1">
+              <a:shade val="50000"/>
+            </a:schemeClr>
+          </a:lnRef>
+          <a:fillRef idx="1">
+            <a:schemeClr val="accent1"/>
+          </a:fillRef>
+          <a:effectRef idx="0">
+            <a:schemeClr val="accent1"/>
+          </a:effectRef>
+          <a:fontRef idx="minor">
+            <a:schemeClr val="lt1"/>
+          </a:fontRef>
+        </p:style>
+      </p:sp>
+      <p:sp>
+        <p:nvSpPr>
+          <p:cNvPr id="2" name="Title 1"/>
+          <p:cNvSpPr>
+            <a:spLocks noGrp="1"/>
+          </p:cNvSpPr>
+          <p:nvPr>
+            <p:ph type="title"/>
+          </p:nvPr>
+        </p:nvSpPr>
+        <p:spPr>
+          <a:xfrm>
+            <a:off x="1097280" y="5074920"/>
+            <a:ext cx="10113264" cy="822960"/>
           </a:xfrm>
         </p:spPr>
         <p:txBody>
-          <a:bodyPr anchor="b">
-            <a:normAutofit/>
+          <a:bodyPr lIns="91440" tIns="0" rIns="91440" bIns="0" anchor="b">
+            <a:noAutofit/>
           </a:bodyPr>
           <a:lstStyle>
-            <a:lvl1pPr algn="l">
-              <a:defRPr sz="3600" b="0"/>
+            <a:lvl1pPr>
+              <a:defRPr sz="3600" b="0">
+                <a:solidFill>
+                  <a:srgbClr val="FFFFFF"/>
+                </a:solidFill>
+              </a:defRPr>
             </a:lvl1pPr>
           </a:lstStyle>
           <a:p>
@@ -5352,62 +3215,58 @@
         </p:nvSpPr>
         <p:spPr>
           <a:xfrm>
-            <a:off x="6949546" y="1143000"/>
-            <a:ext cx="3200400" cy="4572000"/>
+            <a:off x="15" y="0"/>
+            <a:ext cx="12191985" cy="4915076"/>
           </a:xfrm>
-          <a:prstGeom prst="roundRect">
-            <a:avLst>
-              <a:gd name="adj" fmla="val 1858"/>
-            </a:avLst>
-          </a:prstGeom>
-          <a:effectLst>
-            <a:outerShdw blurRad="50800" dist="50800" dir="5400000" algn="tl" rotWithShape="0">
-              <a:srgbClr val="000000">
-                <a:alpha val="43000"/>
-              </a:srgbClr>
-            </a:outerShdw>
-          </a:effectLst>
+          <a:blipFill>
+            <a:blip r:embed="rId2"/>
+            <a:stretch>
+              <a:fillRect/>
+            </a:stretch>
+          </a:blipFill>
         </p:spPr>
         <p:txBody>
-          <a:bodyPr anchor="t">
-            <a:normAutofit/>
-          </a:bodyPr>
+          <a:bodyPr lIns="457200" tIns="457200" anchor="t"/>
           <a:lstStyle>
-            <a:lvl1pPr marL="0" indent="0" algn="ctr">
-              <a:buNone/>
-              <a:defRPr sz="1600"/>
+            <a:lvl1pPr marL="0" indent="0">
+              <a:buNone/>
+              <a:defRPr sz="3200">
+                <a:solidFill>
+                  <a:schemeClr val="bg1"/>
+                </a:solidFill>
+              </a:defRPr>
             </a:lvl1pPr>
             <a:lvl2pPr marL="457200" indent="0">
               <a:buNone/>
-              <a:defRPr sz="1600"/>
+              <a:defRPr sz="2800"/>
             </a:lvl2pPr>
             <a:lvl3pPr marL="914400" indent="0">
               <a:buNone/>
-              <a:defRPr sz="1600"/>
+              <a:defRPr sz="2400"/>
             </a:lvl3pPr>
             <a:lvl4pPr marL="1371600" indent="0">
               <a:buNone/>
-              <a:defRPr sz="1600"/>
+              <a:defRPr sz="2000"/>
             </a:lvl4pPr>
             <a:lvl5pPr marL="1828800" indent="0">
               <a:buNone/>
-              <a:defRPr sz="1600"/>
+              <a:defRPr sz="2000"/>
             </a:lvl5pPr>
             <a:lvl6pPr marL="2286000" indent="0">
               <a:buNone/>
-              <a:defRPr sz="1600"/>
+              <a:defRPr sz="2000"/>
             </a:lvl6pPr>
             <a:lvl7pPr marL="2743200" indent="0">
               <a:buNone/>
-              <a:defRPr sz="1600"/>
+              <a:defRPr sz="2000"/>
             </a:lvl7pPr>
             <a:lvl8pPr marL="3200400" indent="0">
               <a:buNone/>
-              <a:defRPr sz="1600"/>
+              <a:defRPr sz="2000"/>
             </a:lvl8pPr>
             <a:lvl9pPr marL="3657600" indent="0">
               <a:buNone/>
-              <a:defRPr sz="1600"/>
+              <a:defRPr sz="2000"/>
             </a:lvl9pPr>
           </a:lstStyle>
           <a:p>
@@ -5431,18 +3290,28 @@
         </p:nvSpPr>
         <p:spPr>
           <a:xfrm>
-            <a:off x="1154954" y="3657600"/>
-            <a:ext cx="5084979" cy="1371600"/>
+            <a:off x="1097280" y="5907023"/>
+            <a:ext cx="10113264" cy="594360"/>
           </a:xfrm>
         </p:spPr>
         <p:txBody>
-          <a:bodyPr>
+          <a:bodyPr lIns="91440" tIns="0" rIns="91440" bIns="0">
             <a:normAutofit/>
           </a:bodyPr>
           <a:lstStyle>
             <a:lvl1pPr marL="0" indent="0">
-              <a:buNone/>
-              <a:defRPr sz="1400"/>
+              <a:spcBef>
+                <a:spcPts val="0"/>
+              </a:spcBef>
+              <a:spcAft>
+                <a:spcPts val="600"/>
+              </a:spcAft>
+              <a:buNone/>
+              <a:defRPr sz="1500">
+                <a:solidFill>
+                  <a:srgbClr val="FFFFFF"/>
+                </a:solidFill>
+              </a:defRPr>
             </a:lvl1pPr>
             <a:lvl2pPr marL="457200" indent="0">
               <a:buNone/>
@@ -5503,7 +3372,7 @@
           <a:p>
             <a:fld id="{FD59F0F9-D457-40B1-A03A-FC6FE8C60E26}" type="datetimeFigureOut">
               <a:rPr lang="da-DK" smtClean="0"/>
-              <a:t>15-01-2022</a:t>
+              <a:t>16-01-2022</a:t>
             </a:fld>
             <a:endParaRPr lang="da-DK"/>
           </a:p>
@@ -5554,7 +3423,7 @@
     </p:spTree>
     <p:extLst>
       <p:ext uri="{BB962C8B-B14F-4D97-AF65-F5344CB8AC3E}">
-        <p14:creationId xmlns:p14="http://schemas.microsoft.com/office/powerpoint/2010/main" val="3185628788"/>
+        <p14:creationId xmlns:p14="http://schemas.microsoft.com/office/powerpoint/2010/main" val="2369241843"/>
       </p:ext>
     </p:extLst>
   </p:cSld>
@@ -5568,8 +3437,8 @@
 <p:sldMaster xmlns:a="http://schemas.openxmlformats.org/drawingml/2006/main" xmlns:r="http://schemas.openxmlformats.org/officeDocument/2006/relationships" xmlns:p="http://schemas.openxmlformats.org/presentationml/2006/main">
   <p:cSld>
     <p:bg>
-      <p:bgRef idx="1003">
-        <a:schemeClr val="bg2"/>
+      <p:bgRef idx="1001">
+        <a:schemeClr val="bg1"/>
       </p:bgRef>
     </p:bg>
     <p:spTree>
@@ -5586,120 +3455,37 @@
           <a:chExt cx="0" cy="0"/>
         </a:xfrm>
       </p:grpSpPr>
-      <p:pic>
-        <p:nvPicPr>
-          <p:cNvPr id="8" name="Picture 7"/>
-          <p:cNvPicPr>
-            <a:picLocks noChangeAspect="1"/>
-          </p:cNvPicPr>
+      <p:sp>
+        <p:nvSpPr>
+          <p:cNvPr id="7" name="Rectangle 6"/>
+          <p:cNvSpPr/>
           <p:nvPr/>
-        </p:nvPicPr>
-        <p:blipFill rotWithShape="1">
-          <a:blip r:embed="rId19">
-            <a:extLst>
-              <a:ext uri="{28A0092B-C50C-407E-A947-70E740481C1C}">
-                <a14:useLocalDpi xmlns:a14="http://schemas.microsoft.com/office/drawing/2010/main" val="0"/>
-              </a:ext>
-            </a:extLst>
-          </a:blip>
-          <a:srcRect l="3613"/>
-          <a:stretch/>
-        </p:blipFill>
+        </p:nvSpPr>
         <p:spPr>
           <a:xfrm>
-            <a:off x="0" y="2669685"/>
-            <a:ext cx="4037012" cy="4188315"/>
+            <a:off x="1" y="6400800"/>
+            <a:ext cx="12192000" cy="457200"/>
           </a:xfrm>
           <a:prstGeom prst="rect">
             <a:avLst/>
           </a:prstGeom>
-        </p:spPr>
-      </p:pic>
-      <p:pic>
-        <p:nvPicPr>
-          <p:cNvPr id="7" name="Picture 6"/>
-          <p:cNvPicPr>
-            <a:picLocks noChangeAspect="1"/>
-          </p:cNvPicPr>
-          <p:nvPr/>
-        </p:nvPicPr>
-        <p:blipFill rotWithShape="1">
-          <a:blip r:embed="rId20">
-            <a:extLst>
-              <a:ext uri="{28A0092B-C50C-407E-A947-70E740481C1C}">
-                <a14:useLocalDpi xmlns:a14="http://schemas.microsoft.com/office/drawing/2010/main" val="0"/>
-              </a:ext>
-            </a:extLst>
-          </a:blip>
-          <a:srcRect l="35640"/>
-          <a:stretch/>
-        </p:blipFill>
-        <p:spPr>
-          <a:xfrm>
-            <a:off x="0" y="2892347"/>
-            <a:ext cx="1522412" cy="2365453"/>
-          </a:xfrm>
-          <a:prstGeom prst="rect">
-            <a:avLst/>
-          </a:prstGeom>
-        </p:spPr>
-      </p:pic>
-      <p:sp>
-        <p:nvSpPr>
-          <p:cNvPr id="16" name="Oval 15"/>
-          <p:cNvSpPr/>
-          <p:nvPr/>
-        </p:nvSpPr>
-        <p:spPr>
-          <a:xfrm>
-            <a:off x="8609012" y="1676400"/>
-            <a:ext cx="2819400" cy="2819400"/>
-          </a:xfrm>
-          <a:prstGeom prst="ellipse">
-            <a:avLst/>
-          </a:prstGeom>
-          <a:gradFill flip="none" rotWithShape="1">
-            <a:gsLst>
-              <a:gs pos="0">
-                <a:schemeClr val="bg2">
-                  <a:lumMod val="60000"/>
-                  <a:lumOff val="40000"/>
-                  <a:alpha val="7000"/>
-                </a:schemeClr>
-              </a:gs>
-              <a:gs pos="69000">
-                <a:schemeClr val="bg2">
-                  <a:lumMod val="60000"/>
-                  <a:lumOff val="40000"/>
-                  <a:alpha val="0"/>
-                </a:schemeClr>
-              </a:gs>
-              <a:gs pos="36000">
-                <a:schemeClr val="bg2">
-                  <a:lumMod val="60000"/>
-                  <a:lumOff val="40000"/>
-                  <a:alpha val="6000"/>
-                </a:schemeClr>
-              </a:gs>
-            </a:gsLst>
-            <a:path path="circle">
-              <a:fillToRect l="50000" t="50000" r="50000" b="50000"/>
-            </a:path>
-            <a:tileRect/>
-          </a:gradFill>
+          <a:solidFill>
+            <a:schemeClr val="accent2"/>
+          </a:solidFill>
           <a:ln>
             <a:noFill/>
           </a:ln>
-          <a:effectLst/>
         </p:spPr>
         <p:style>
-          <a:lnRef idx="1">
-            <a:schemeClr val="accent1"/>
+          <a:lnRef idx="2">
+            <a:schemeClr val="accent1">
+              <a:shade val="50000"/>
+            </a:schemeClr>
           </a:lnRef>
-          <a:fillRef idx="3">
+          <a:fillRef idx="1">
             <a:schemeClr val="accent1"/>
           </a:fillRef>
-          <a:effectRef idx="2">
+          <a:effectRef idx="0">
             <a:schemeClr val="accent1"/>
           </a:effectRef>
           <a:fontRef idx="minor">
@@ -5707,74 +3493,16 @@
           </a:fontRef>
         </p:style>
       </p:sp>
-      <p:pic>
-        <p:nvPicPr>
-          <p:cNvPr id="9" name="Picture 8"/>
-          <p:cNvPicPr>
-            <a:picLocks noChangeAspect="1"/>
-          </p:cNvPicPr>
+      <p:sp>
+        <p:nvSpPr>
+          <p:cNvPr id="9" name="Rectangle 8"/>
+          <p:cNvSpPr/>
           <p:nvPr/>
-        </p:nvPicPr>
-        <p:blipFill rotWithShape="1">
-          <a:blip r:embed="rId21">
-            <a:extLst>
-              <a:ext uri="{28A0092B-C50C-407E-A947-70E740481C1C}">
-                <a14:useLocalDpi xmlns:a14="http://schemas.microsoft.com/office/drawing/2010/main" val="0"/>
-              </a:ext>
-            </a:extLst>
-          </a:blip>
-          <a:srcRect t="28813"/>
-          <a:stretch/>
-        </p:blipFill>
+        </p:nvSpPr>
         <p:spPr>
           <a:xfrm>
-            <a:off x="7999412" y="0"/>
-            <a:ext cx="1603387" cy="1141407"/>
-          </a:xfrm>
-          <a:prstGeom prst="rect">
-            <a:avLst/>
-          </a:prstGeom>
-        </p:spPr>
-      </p:pic>
-      <p:pic>
-        <p:nvPicPr>
-          <p:cNvPr id="10" name="Picture 9"/>
-          <p:cNvPicPr>
-            <a:picLocks noChangeAspect="1"/>
-          </p:cNvPicPr>
-          <p:nvPr/>
-        </p:nvPicPr>
-        <p:blipFill rotWithShape="1">
-          <a:blip r:embed="rId22">
-            <a:extLst>
-              <a:ext uri="{28A0092B-C50C-407E-A947-70E740481C1C}">
-                <a14:useLocalDpi xmlns:a14="http://schemas.microsoft.com/office/drawing/2010/main" val="0"/>
-              </a:ext>
-            </a:extLst>
-          </a:blip>
-          <a:srcRect b="23320"/>
-          <a:stretch/>
-        </p:blipFill>
-        <p:spPr>
-          <a:xfrm>
-            <a:off x="8605878" y="6096000"/>
-            <a:ext cx="993734" cy="762000"/>
-          </a:xfrm>
-          <a:prstGeom prst="rect">
-            <a:avLst/>
-          </a:prstGeom>
-        </p:spPr>
-      </p:pic>
-      <p:sp>
-        <p:nvSpPr>
-          <p:cNvPr id="14" name="Rectangle 13"/>
-          <p:cNvSpPr/>
-          <p:nvPr/>
-        </p:nvSpPr>
-        <p:spPr>
-          <a:xfrm>
-            <a:off x="10437812" y="0"/>
-            <a:ext cx="685800" cy="1143000"/>
+            <a:off x="0" y="6334316"/>
+            <a:ext cx="12192001" cy="65998"/>
           </a:xfrm>
           <a:prstGeom prst="rect">
             <a:avLst/>
@@ -5787,13 +3515,15 @@
           </a:ln>
         </p:spPr>
         <p:style>
-          <a:lnRef idx="1">
-            <a:schemeClr val="accent1"/>
+          <a:lnRef idx="2">
+            <a:schemeClr val="accent1">
+              <a:shade val="50000"/>
+            </a:schemeClr>
           </a:lnRef>
-          <a:fillRef idx="3">
+          <a:fillRef idx="1">
             <a:schemeClr val="accent1"/>
           </a:fillRef>
-          <a:effectRef idx="2">
+          <a:effectRef idx="0">
             <a:schemeClr val="accent1"/>
           </a:effectRef>
           <a:fontRef idx="minor">
@@ -5813,16 +3543,16 @@
         </p:nvSpPr>
         <p:spPr>
           <a:xfrm>
-            <a:off x="646111" y="452718"/>
-            <a:ext cx="9404723" cy="1400530"/>
+            <a:off x="1097280" y="286603"/>
+            <a:ext cx="10058400" cy="1450757"/>
           </a:xfrm>
           <a:prstGeom prst="rect">
             <a:avLst/>
           </a:prstGeom>
         </p:spPr>
         <p:txBody>
-          <a:bodyPr vert="horz" lIns="91440" tIns="45720" rIns="91440" bIns="45720" rtlCol="0" anchor="t">
-            <a:noAutofit/>
+          <a:bodyPr vert="horz" lIns="91440" tIns="45720" rIns="91440" bIns="45720" rtlCol="0" anchor="b">
+            <a:normAutofit/>
           </a:bodyPr>
           <a:lstStyle/>
           <a:p>
@@ -5846,15 +3576,15 @@
         </p:nvSpPr>
         <p:spPr>
           <a:xfrm>
-            <a:off x="1103312" y="2052918"/>
-            <a:ext cx="8946541" cy="4195481"/>
+            <a:off x="1097280" y="1845734"/>
+            <a:ext cx="10058400" cy="4023360"/>
           </a:xfrm>
           <a:prstGeom prst="rect">
             <a:avLst/>
           </a:prstGeom>
         </p:spPr>
         <p:txBody>
-          <a:bodyPr vert="horz" lIns="91440" tIns="45720" rIns="91440" bIns="45720" rtlCol="0">
+          <a:bodyPr vert="horz" lIns="0" tIns="45720" rIns="0" bIns="45720" rtlCol="0">
             <a:normAutofit/>
           </a:bodyPr>
           <a:lstStyle/>
@@ -5907,24 +3637,21 @@
           </p:nvPr>
         </p:nvSpPr>
         <p:spPr>
-          <a:xfrm rot="5400000">
-            <a:off x="10155639" y="1790701"/>
-            <a:ext cx="990599" cy="304799"/>
+          <a:xfrm>
+            <a:off x="1097280" y="6459785"/>
+            <a:ext cx="2472271" cy="365125"/>
           </a:xfrm>
           <a:prstGeom prst="rect">
             <a:avLst/>
           </a:prstGeom>
         </p:spPr>
         <p:txBody>
-          <a:bodyPr vert="horz" lIns="91440" tIns="45720" rIns="91440" bIns="45720" rtlCol="0" anchor="t"/>
+          <a:bodyPr vert="horz" lIns="91440" tIns="45720" rIns="91440" bIns="45720" rtlCol="0" anchor="ctr"/>
           <a:lstStyle>
             <a:lvl1pPr algn="l">
-              <a:defRPr sz="1100" b="0" i="0">
+              <a:defRPr sz="900">
                 <a:solidFill>
-                  <a:schemeClr val="tx1">
-                    <a:tint val="75000"/>
-                    <a:alpha val="60000"/>
-                  </a:schemeClr>
+                  <a:srgbClr val="FFFFFF"/>
                 </a:solidFill>
               </a:defRPr>
             </a:lvl1pPr>
@@ -5932,7 +3659,7 @@
           <a:p>
             <a:fld id="{FD59F0F9-D457-40B1-A03A-FC6FE8C60E26}" type="datetimeFigureOut">
               <a:rPr lang="da-DK" smtClean="0"/>
-              <a:t>15-01-2022</a:t>
+              <a:t>16-01-2022</a:t>
             </a:fld>
             <a:endParaRPr lang="da-DK"/>
           </a:p>
@@ -5949,24 +3676,21 @@
           </p:nvPr>
         </p:nvSpPr>
         <p:spPr>
-          <a:xfrm rot="5400000">
-            <a:off x="8951573" y="3225297"/>
-            <a:ext cx="3859795" cy="304801"/>
+          <a:xfrm>
+            <a:off x="3686185" y="6459785"/>
+            <a:ext cx="4822804" cy="365125"/>
           </a:xfrm>
           <a:prstGeom prst="rect">
             <a:avLst/>
           </a:prstGeom>
         </p:spPr>
         <p:txBody>
-          <a:bodyPr vert="horz" lIns="91440" tIns="45720" rIns="91440" bIns="45720" rtlCol="0" anchor="b"/>
+          <a:bodyPr vert="horz" lIns="91440" tIns="45720" rIns="91440" bIns="45720" rtlCol="0" anchor="ctr"/>
           <a:lstStyle>
-            <a:lvl1pPr algn="l">
-              <a:defRPr sz="1100" b="0" i="0">
+            <a:lvl1pPr algn="ctr">
+              <a:defRPr sz="900" cap="all" baseline="0">
                 <a:solidFill>
-                  <a:schemeClr val="tx1">
-                    <a:tint val="75000"/>
-                    <a:alpha val="60000"/>
-                  </a:schemeClr>
+                  <a:srgbClr val="FFFFFF"/>
                 </a:solidFill>
               </a:defRPr>
             </a:lvl1pPr>
@@ -5986,24 +3710,22 @@
             <p:ph type="sldNum" sz="quarter" idx="4"/>
           </p:nvPr>
         </p:nvSpPr>
-        <p:spPr bwMode="gray">
+        <p:spPr>
           <a:xfrm>
-            <a:off x="10352540" y="295729"/>
-            <a:ext cx="838199" cy="767687"/>
+            <a:off x="9900458" y="6459785"/>
+            <a:ext cx="1312025" cy="365125"/>
           </a:xfrm>
           <a:prstGeom prst="rect">
             <a:avLst/>
           </a:prstGeom>
         </p:spPr>
         <p:txBody>
-          <a:bodyPr vert="horz" lIns="91440" tIns="45720" rIns="91440" bIns="45720" rtlCol="0" anchor="b"/>
+          <a:bodyPr vert="horz" lIns="91440" tIns="45720" rIns="91440" bIns="45720" rtlCol="0" anchor="ctr"/>
           <a:lstStyle>
-            <a:lvl1pPr algn="ctr">
-              <a:defRPr sz="2800" b="0" i="0">
+            <a:lvl1pPr algn="r">
+              <a:defRPr sz="1050">
                 <a:solidFill>
-                  <a:schemeClr val="tx1">
-                    <a:tint val="75000"/>
-                  </a:schemeClr>
+                  <a:srgbClr val="FFFFFF"/>
                 </a:solidFill>
               </a:defRPr>
             </a:lvl1pPr>
@@ -6017,330 +3739,331 @@
           </a:p>
         </p:txBody>
       </p:sp>
+      <p:cxnSp>
+        <p:nvCxnSpPr>
+          <p:cNvPr id="10" name="Straight Connector 9"/>
+          <p:cNvCxnSpPr/>
+          <p:nvPr/>
+        </p:nvCxnSpPr>
+        <p:spPr>
+          <a:xfrm>
+            <a:off x="1193532" y="1737845"/>
+            <a:ext cx="9966960" cy="0"/>
+          </a:xfrm>
+          <a:prstGeom prst="line">
+            <a:avLst/>
+          </a:prstGeom>
+          <a:ln w="6350">
+            <a:solidFill>
+              <a:schemeClr val="tx1">
+                <a:lumMod val="50000"/>
+                <a:lumOff val="50000"/>
+              </a:schemeClr>
+            </a:solidFill>
+          </a:ln>
+        </p:spPr>
+        <p:style>
+          <a:lnRef idx="1">
+            <a:schemeClr val="accent1"/>
+          </a:lnRef>
+          <a:fillRef idx="0">
+            <a:schemeClr val="accent1"/>
+          </a:fillRef>
+          <a:effectRef idx="0">
+            <a:schemeClr val="accent1"/>
+          </a:effectRef>
+          <a:fontRef idx="minor">
+            <a:schemeClr val="tx1"/>
+          </a:fontRef>
+        </p:style>
+      </p:cxnSp>
     </p:spTree>
     <p:extLst>
       <p:ext uri="{BB962C8B-B14F-4D97-AF65-F5344CB8AC3E}">
-        <p14:creationId xmlns:p14="http://schemas.microsoft.com/office/powerpoint/2010/main" val="2391512805"/>
+        <p14:creationId xmlns:p14="http://schemas.microsoft.com/office/powerpoint/2010/main" val="9392664"/>
       </p:ext>
     </p:extLst>
   </p:cSld>
-  <p:clrMap bg1="dk1" tx1="lt1" bg2="dk2" tx2="lt2" accent1="accent1" accent2="accent2" accent3="accent3" accent4="accent4" accent5="accent5" accent6="accent6" hlink="hlink" folHlink="folHlink"/>
+  <p:clrMap bg1="lt1" tx1="dk1" bg2="lt2" tx2="dk2" accent1="accent1" accent2="accent2" accent3="accent3" accent4="accent4" accent5="accent5" accent6="accent6" hlink="hlink" folHlink="folHlink"/>
   <p:sldLayoutIdLst>
-    <p:sldLayoutId id="2147483787" r:id="rId1"/>
-    <p:sldLayoutId id="2147483788" r:id="rId2"/>
-    <p:sldLayoutId id="2147483789" r:id="rId3"/>
-    <p:sldLayoutId id="2147483790" r:id="rId4"/>
-    <p:sldLayoutId id="2147483791" r:id="rId5"/>
-    <p:sldLayoutId id="2147483792" r:id="rId6"/>
-    <p:sldLayoutId id="2147483793" r:id="rId7"/>
-    <p:sldLayoutId id="2147483794" r:id="rId8"/>
-    <p:sldLayoutId id="2147483795" r:id="rId9"/>
-    <p:sldLayoutId id="2147483796" r:id="rId10"/>
-    <p:sldLayoutId id="2147483797" r:id="rId11"/>
-    <p:sldLayoutId id="2147483798" r:id="rId12"/>
-    <p:sldLayoutId id="2147483799" r:id="rId13"/>
-    <p:sldLayoutId id="2147483800" r:id="rId14"/>
-    <p:sldLayoutId id="2147483801" r:id="rId15"/>
-    <p:sldLayoutId id="2147483802" r:id="rId16"/>
-    <p:sldLayoutId id="2147483803" r:id="rId17"/>
+    <p:sldLayoutId id="2147483841" r:id="rId1"/>
+    <p:sldLayoutId id="2147483842" r:id="rId2"/>
+    <p:sldLayoutId id="2147483843" r:id="rId3"/>
+    <p:sldLayoutId id="2147483844" r:id="rId4"/>
+    <p:sldLayoutId id="2147483845" r:id="rId5"/>
+    <p:sldLayoutId id="2147483846" r:id="rId6"/>
+    <p:sldLayoutId id="2147483847" r:id="rId7"/>
+    <p:sldLayoutId id="2147483848" r:id="rId8"/>
+    <p:sldLayoutId id="2147483849" r:id="rId9"/>
+    <p:sldLayoutId id="2147483850" r:id="rId10"/>
+    <p:sldLayoutId id="2147483851" r:id="rId11"/>
   </p:sldLayoutIdLst>
   <p:txStyles>
     <p:titleStyle>
-      <a:lvl1pPr algn="l" defTabSz="457200" rtl="0" eaLnBrk="1" latinLnBrk="0" hangingPunct="1">
+      <a:lvl1pPr algn="l" defTabSz="914400" rtl="0" eaLnBrk="1" latinLnBrk="0" hangingPunct="1">
+        <a:lnSpc>
+          <a:spcPct val="85000"/>
+        </a:lnSpc>
         <a:spcBef>
           <a:spcPct val="0"/>
         </a:spcBef>
         <a:buNone/>
-        <a:defRPr sz="4200" b="0" i="0" kern="1200">
+        <a:defRPr sz="4800" kern="1200" spc="-50" baseline="0">
           <a:solidFill>
-            <a:schemeClr val="tx2"/>
+            <a:schemeClr val="tx1">
+              <a:lumMod val="75000"/>
+              <a:lumOff val="25000"/>
+            </a:schemeClr>
           </a:solidFill>
           <a:latin typeface="+mj-lt"/>
           <a:ea typeface="+mj-ea"/>
           <a:cs typeface="+mj-cs"/>
         </a:defRPr>
       </a:lvl1pPr>
-      <a:lvl2pPr eaLnBrk="1" hangingPunct="1">
-        <a:defRPr>
+    </p:titleStyle>
+    <p:bodyStyle>
+      <a:lvl1pPr marL="91440" indent="-91440" algn="l" defTabSz="914400" rtl="0" eaLnBrk="1" latinLnBrk="0" hangingPunct="1">
+        <a:lnSpc>
+          <a:spcPct val="90000"/>
+        </a:lnSpc>
+        <a:spcBef>
+          <a:spcPts val="1200"/>
+        </a:spcBef>
+        <a:spcAft>
+          <a:spcPts val="200"/>
+        </a:spcAft>
+        <a:buClr>
+          <a:schemeClr val="accent1"/>
+        </a:buClr>
+        <a:buSzPct val="100000"/>
+        <a:buFont typeface="Calibri" panose="020F0502020204030204" pitchFamily="34" charset="0"/>
+        <a:buChar char=" "/>
+        <a:defRPr sz="2000" kern="1200">
           <a:solidFill>
-            <a:schemeClr val="tx2"/>
+            <a:schemeClr val="tx1">
+              <a:lumMod val="75000"/>
+              <a:lumOff val="25000"/>
+            </a:schemeClr>
           </a:solidFill>
+          <a:latin typeface="+mn-lt"/>
+          <a:ea typeface="+mn-ea"/>
+          <a:cs typeface="+mn-cs"/>
+        </a:defRPr>
+      </a:lvl1pPr>
+      <a:lvl2pPr marL="384048" indent="-182880" algn="l" defTabSz="914400" rtl="0" eaLnBrk="1" latinLnBrk="0" hangingPunct="1">
+        <a:lnSpc>
+          <a:spcPct val="90000"/>
+        </a:lnSpc>
+        <a:spcBef>
+          <a:spcPts val="200"/>
+        </a:spcBef>
+        <a:spcAft>
+          <a:spcPts val="400"/>
+        </a:spcAft>
+        <a:buClr>
+          <a:schemeClr val="accent1"/>
+        </a:buClr>
+        <a:buFont typeface="Calibri" pitchFamily="34" charset="0"/>
+        <a:buChar char="◦"/>
+        <a:defRPr sz="1800" kern="1200">
+          <a:solidFill>
+            <a:schemeClr val="tx1">
+              <a:lumMod val="75000"/>
+              <a:lumOff val="25000"/>
+            </a:schemeClr>
+          </a:solidFill>
+          <a:latin typeface="+mn-lt"/>
+          <a:ea typeface="+mn-ea"/>
+          <a:cs typeface="+mn-cs"/>
         </a:defRPr>
       </a:lvl2pPr>
-      <a:lvl3pPr eaLnBrk="1" hangingPunct="1">
-        <a:defRPr>
+      <a:lvl3pPr marL="566928" indent="-182880" algn="l" defTabSz="914400" rtl="0" eaLnBrk="1" latinLnBrk="0" hangingPunct="1">
+        <a:lnSpc>
+          <a:spcPct val="90000"/>
+        </a:lnSpc>
+        <a:spcBef>
+          <a:spcPts val="200"/>
+        </a:spcBef>
+        <a:spcAft>
+          <a:spcPts val="400"/>
+        </a:spcAft>
+        <a:buClr>
+          <a:schemeClr val="accent1"/>
+        </a:buClr>
+        <a:buFont typeface="Calibri" pitchFamily="34" charset="0"/>
+        <a:buChar char="◦"/>
+        <a:defRPr sz="1400" kern="1200">
           <a:solidFill>
-            <a:schemeClr val="tx2"/>
+            <a:schemeClr val="tx1">
+              <a:lumMod val="75000"/>
+              <a:lumOff val="25000"/>
+            </a:schemeClr>
           </a:solidFill>
+          <a:latin typeface="+mn-lt"/>
+          <a:ea typeface="+mn-ea"/>
+          <a:cs typeface="+mn-cs"/>
         </a:defRPr>
       </a:lvl3pPr>
-      <a:lvl4pPr eaLnBrk="1" hangingPunct="1">
-        <a:defRPr>
+      <a:lvl4pPr marL="749808" indent="-182880" algn="l" defTabSz="914400" rtl="0" eaLnBrk="1" latinLnBrk="0" hangingPunct="1">
+        <a:lnSpc>
+          <a:spcPct val="90000"/>
+        </a:lnSpc>
+        <a:spcBef>
+          <a:spcPts val="200"/>
+        </a:spcBef>
+        <a:spcAft>
+          <a:spcPts val="400"/>
+        </a:spcAft>
+        <a:buClr>
+          <a:schemeClr val="accent1"/>
+        </a:buClr>
+        <a:buFont typeface="Calibri" pitchFamily="34" charset="0"/>
+        <a:buChar char="◦"/>
+        <a:defRPr sz="1400" kern="1200">
           <a:solidFill>
-            <a:schemeClr val="tx2"/>
+            <a:schemeClr val="tx1">
+              <a:lumMod val="75000"/>
+              <a:lumOff val="25000"/>
+            </a:schemeClr>
           </a:solidFill>
+          <a:latin typeface="+mn-lt"/>
+          <a:ea typeface="+mn-ea"/>
+          <a:cs typeface="+mn-cs"/>
         </a:defRPr>
       </a:lvl4pPr>
-      <a:lvl5pPr eaLnBrk="1" hangingPunct="1">
-        <a:defRPr>
+      <a:lvl5pPr marL="932688" indent="-182880" algn="l" defTabSz="914400" rtl="0" eaLnBrk="1" latinLnBrk="0" hangingPunct="1">
+        <a:lnSpc>
+          <a:spcPct val="90000"/>
+        </a:lnSpc>
+        <a:spcBef>
+          <a:spcPts val="200"/>
+        </a:spcBef>
+        <a:spcAft>
+          <a:spcPts val="400"/>
+        </a:spcAft>
+        <a:buClr>
+          <a:schemeClr val="accent1"/>
+        </a:buClr>
+        <a:buFont typeface="Calibri" pitchFamily="34" charset="0"/>
+        <a:buChar char="◦"/>
+        <a:defRPr sz="1400" kern="1200">
           <a:solidFill>
-            <a:schemeClr val="tx2"/>
+            <a:schemeClr val="tx1">
+              <a:lumMod val="75000"/>
+              <a:lumOff val="25000"/>
+            </a:schemeClr>
           </a:solidFill>
+          <a:latin typeface="+mn-lt"/>
+          <a:ea typeface="+mn-ea"/>
+          <a:cs typeface="+mn-cs"/>
         </a:defRPr>
       </a:lvl5pPr>
-      <a:lvl6pPr eaLnBrk="1" hangingPunct="1">
-        <a:defRPr>
+      <a:lvl6pPr marL="1100000" indent="-228600" algn="l" defTabSz="914400" rtl="0" eaLnBrk="1" latinLnBrk="0" hangingPunct="1">
+        <a:lnSpc>
+          <a:spcPct val="90000"/>
+        </a:lnSpc>
+        <a:spcBef>
+          <a:spcPts val="200"/>
+        </a:spcBef>
+        <a:spcAft>
+          <a:spcPts val="400"/>
+        </a:spcAft>
+        <a:buClr>
+          <a:schemeClr val="accent1"/>
+        </a:buClr>
+        <a:buFont typeface="Calibri" pitchFamily="34" charset="0"/>
+        <a:buChar char="◦"/>
+        <a:defRPr sz="1400" kern="1200">
           <a:solidFill>
-            <a:schemeClr val="tx2"/>
+            <a:schemeClr val="tx1">
+              <a:lumMod val="75000"/>
+              <a:lumOff val="25000"/>
+            </a:schemeClr>
           </a:solidFill>
+          <a:latin typeface="+mn-lt"/>
+          <a:ea typeface="+mn-ea"/>
+          <a:cs typeface="+mn-cs"/>
         </a:defRPr>
       </a:lvl6pPr>
-      <a:lvl7pPr eaLnBrk="1" hangingPunct="1">
-        <a:defRPr>
+      <a:lvl7pPr marL="1300000" indent="-228600" algn="l" defTabSz="914400" rtl="0" eaLnBrk="1" latinLnBrk="0" hangingPunct="1">
+        <a:lnSpc>
+          <a:spcPct val="90000"/>
+        </a:lnSpc>
+        <a:spcBef>
+          <a:spcPts val="200"/>
+        </a:spcBef>
+        <a:spcAft>
+          <a:spcPts val="400"/>
+        </a:spcAft>
+        <a:buClr>
+          <a:schemeClr val="accent1"/>
+        </a:buClr>
+        <a:buFont typeface="Calibri" pitchFamily="34" charset="0"/>
+        <a:buChar char="◦"/>
+        <a:defRPr sz="1400" kern="1200">
           <a:solidFill>
-            <a:schemeClr val="tx2"/>
+            <a:schemeClr val="tx1">
+              <a:lumMod val="75000"/>
+              <a:lumOff val="25000"/>
+            </a:schemeClr>
           </a:solidFill>
+          <a:latin typeface="+mn-lt"/>
+          <a:ea typeface="+mn-ea"/>
+          <a:cs typeface="+mn-cs"/>
         </a:defRPr>
       </a:lvl7pPr>
-      <a:lvl8pPr eaLnBrk="1" hangingPunct="1">
-        <a:defRPr>
+      <a:lvl8pPr marL="1500000" indent="-228600" algn="l" defTabSz="914400" rtl="0" eaLnBrk="1" latinLnBrk="0" hangingPunct="1">
+        <a:lnSpc>
+          <a:spcPct val="90000"/>
+        </a:lnSpc>
+        <a:spcBef>
+          <a:spcPts val="200"/>
+        </a:spcBef>
+        <a:spcAft>
+          <a:spcPts val="400"/>
+        </a:spcAft>
+        <a:buClr>
+          <a:schemeClr val="accent1"/>
+        </a:buClr>
+        <a:buFont typeface="Calibri" pitchFamily="34" charset="0"/>
+        <a:buChar char="◦"/>
+        <a:defRPr sz="1400" kern="1200">
           <a:solidFill>
-            <a:schemeClr val="tx2"/>
+            <a:schemeClr val="tx1">
+              <a:lumMod val="75000"/>
+              <a:lumOff val="25000"/>
+            </a:schemeClr>
           </a:solidFill>
+          <a:latin typeface="+mn-lt"/>
+          <a:ea typeface="+mn-ea"/>
+          <a:cs typeface="+mn-cs"/>
         </a:defRPr>
       </a:lvl8pPr>
-      <a:lvl9pPr eaLnBrk="1" hangingPunct="1">
-        <a:defRPr>
-          <a:solidFill>
-            <a:schemeClr val="tx2"/>
-          </a:solidFill>
-        </a:defRPr>
-      </a:lvl9pPr>
-    </p:titleStyle>
-    <p:bodyStyle>
-      <a:lvl1pPr marL="342900" indent="-342900" algn="l" defTabSz="457200" rtl="0" eaLnBrk="1" latinLnBrk="0" hangingPunct="1">
+      <a:lvl9pPr marL="1700000" indent="-228600" algn="l" defTabSz="914400" rtl="0" eaLnBrk="1" latinLnBrk="0" hangingPunct="1">
+        <a:lnSpc>
+          <a:spcPct val="90000"/>
+        </a:lnSpc>
         <a:spcBef>
-          <a:spcPts val="1000"/>
+          <a:spcPts val="200"/>
         </a:spcBef>
         <a:spcAft>
-          <a:spcPts val="0"/>
+          <a:spcPts val="400"/>
         </a:spcAft>
         <a:buClr>
-          <a:schemeClr val="bg2">
-            <a:lumMod val="40000"/>
-            <a:lumOff val="60000"/>
-          </a:schemeClr>
+          <a:schemeClr val="accent1"/>
         </a:buClr>
-        <a:buSzPct val="80000"/>
-        <a:buFont typeface="Wingdings 3" charset="2"/>
-        <a:buChar char=""/>
-        <a:defRPr sz="2000" b="0" i="0" kern="1200">
+        <a:buFont typeface="Calibri" pitchFamily="34" charset="0"/>
+        <a:buChar char="◦"/>
+        <a:defRPr sz="1400" kern="1200">
           <a:solidFill>
-            <a:schemeClr val="tx1"/>
+            <a:schemeClr val="tx1">
+              <a:lumMod val="75000"/>
+              <a:lumOff val="25000"/>
+            </a:schemeClr>
           </a:solidFill>
-          <a:latin typeface="+mj-lt"/>
-          <a:ea typeface="+mj-ea"/>
-          <a:cs typeface="+mj-cs"/>
-        </a:defRPr>
-      </a:lvl1pPr>
-      <a:lvl2pPr marL="742950" indent="-285750" algn="l" defTabSz="457200" rtl="0" eaLnBrk="1" latinLnBrk="0" hangingPunct="1">
-        <a:spcBef>
-          <a:spcPts val="1000"/>
-        </a:spcBef>
-        <a:spcAft>
-          <a:spcPts val="0"/>
-        </a:spcAft>
-        <a:buClr>
-          <a:schemeClr val="bg2">
-            <a:lumMod val="40000"/>
-            <a:lumOff val="60000"/>
-          </a:schemeClr>
-        </a:buClr>
-        <a:buSzPct val="80000"/>
-        <a:buFont typeface="Wingdings 3" charset="2"/>
-        <a:buChar char=""/>
-        <a:defRPr sz="1800" b="0" i="0" kern="1200">
-          <a:solidFill>
-            <a:schemeClr val="tx1"/>
-          </a:solidFill>
-          <a:latin typeface="+mj-lt"/>
-          <a:ea typeface="+mj-ea"/>
-          <a:cs typeface="+mj-cs"/>
-        </a:defRPr>
-      </a:lvl2pPr>
-      <a:lvl3pPr marL="1143000" indent="-228600" algn="l" defTabSz="457200" rtl="0" eaLnBrk="1" latinLnBrk="0" hangingPunct="1">
-        <a:spcBef>
-          <a:spcPts val="1000"/>
-        </a:spcBef>
-        <a:spcAft>
-          <a:spcPts val="0"/>
-        </a:spcAft>
-        <a:buClr>
-          <a:schemeClr val="bg2">
-            <a:lumMod val="40000"/>
-            <a:lumOff val="60000"/>
-          </a:schemeClr>
-        </a:buClr>
-        <a:buSzPct val="80000"/>
-        <a:buFont typeface="Wingdings 3" charset="2"/>
-        <a:buChar char=""/>
-        <a:defRPr sz="1600" b="0" i="0" kern="1200">
-          <a:solidFill>
-            <a:schemeClr val="tx1"/>
-          </a:solidFill>
-          <a:latin typeface="+mj-lt"/>
-          <a:ea typeface="+mj-ea"/>
-          <a:cs typeface="+mj-cs"/>
-        </a:defRPr>
-      </a:lvl3pPr>
-      <a:lvl4pPr marL="1600200" indent="-228600" algn="l" defTabSz="457200" rtl="0" eaLnBrk="1" latinLnBrk="0" hangingPunct="1">
-        <a:spcBef>
-          <a:spcPts val="1000"/>
-        </a:spcBef>
-        <a:spcAft>
-          <a:spcPts val="0"/>
-        </a:spcAft>
-        <a:buClr>
-          <a:schemeClr val="bg2">
-            <a:lumMod val="40000"/>
-            <a:lumOff val="60000"/>
-          </a:schemeClr>
-        </a:buClr>
-        <a:buSzPct val="80000"/>
-        <a:buFont typeface="Wingdings 3" charset="2"/>
-        <a:buChar char=""/>
-        <a:defRPr sz="1400" b="0" i="0" kern="1200">
-          <a:solidFill>
-            <a:schemeClr val="tx1"/>
-          </a:solidFill>
-          <a:latin typeface="+mj-lt"/>
-          <a:ea typeface="+mj-ea"/>
-          <a:cs typeface="+mj-cs"/>
-        </a:defRPr>
-      </a:lvl4pPr>
-      <a:lvl5pPr marL="2057400" indent="-228600" algn="l" defTabSz="457200" rtl="0" eaLnBrk="1" latinLnBrk="0" hangingPunct="1">
-        <a:spcBef>
-          <a:spcPts val="1000"/>
-        </a:spcBef>
-        <a:spcAft>
-          <a:spcPts val="0"/>
-        </a:spcAft>
-        <a:buClr>
-          <a:schemeClr val="bg2">
-            <a:lumMod val="40000"/>
-            <a:lumOff val="60000"/>
-          </a:schemeClr>
-        </a:buClr>
-        <a:buSzPct val="80000"/>
-        <a:buFont typeface="Wingdings 3" charset="2"/>
-        <a:buChar char=""/>
-        <a:defRPr sz="1400" b="0" i="0" kern="1200">
-          <a:solidFill>
-            <a:schemeClr val="tx1"/>
-          </a:solidFill>
-          <a:latin typeface="+mj-lt"/>
-          <a:ea typeface="+mj-ea"/>
-          <a:cs typeface="+mj-cs"/>
-        </a:defRPr>
-      </a:lvl5pPr>
-      <a:lvl6pPr marL="2506000" indent="-228600" algn="l" defTabSz="457200" rtl="0" eaLnBrk="1" latinLnBrk="0" hangingPunct="1">
-        <a:spcBef>
-          <a:spcPts val="1000"/>
-        </a:spcBef>
-        <a:spcAft>
-          <a:spcPts val="0"/>
-        </a:spcAft>
-        <a:buClr>
-          <a:schemeClr val="bg2">
-            <a:lumMod val="40000"/>
-            <a:lumOff val="60000"/>
-          </a:schemeClr>
-        </a:buClr>
-        <a:buSzPct val="80000"/>
-        <a:buFont typeface="Wingdings 3" charset="2"/>
-        <a:buChar char=""/>
-        <a:defRPr sz="1400" b="0" i="0" kern="1200">
-          <a:solidFill>
-            <a:schemeClr val="tx1"/>
-          </a:solidFill>
-          <a:latin typeface="+mj-lt"/>
-          <a:ea typeface="+mj-ea"/>
-          <a:cs typeface="+mj-cs"/>
-        </a:defRPr>
-      </a:lvl6pPr>
-      <a:lvl7pPr marL="2971800" indent="-228600" algn="l" defTabSz="457200" rtl="0" eaLnBrk="1" latinLnBrk="0" hangingPunct="1">
-        <a:spcBef>
-          <a:spcPts val="1000"/>
-        </a:spcBef>
-        <a:spcAft>
-          <a:spcPts val="0"/>
-        </a:spcAft>
-        <a:buClr>
-          <a:schemeClr val="bg2">
-            <a:lumMod val="40000"/>
-            <a:lumOff val="60000"/>
-          </a:schemeClr>
-        </a:buClr>
-        <a:buSzPct val="80000"/>
-        <a:buFont typeface="Wingdings 3" charset="2"/>
-        <a:buChar char=""/>
-        <a:defRPr sz="1400" b="0" i="0" kern="1200">
-          <a:solidFill>
-            <a:schemeClr val="tx1"/>
-          </a:solidFill>
-          <a:latin typeface="+mj-lt"/>
-          <a:ea typeface="+mj-ea"/>
-          <a:cs typeface="+mj-cs"/>
-        </a:defRPr>
-      </a:lvl7pPr>
-      <a:lvl8pPr marL="3429000" indent="-228600" algn="l" defTabSz="457200" rtl="0" eaLnBrk="1" latinLnBrk="0" hangingPunct="1">
-        <a:spcBef>
-          <a:spcPts val="1000"/>
-        </a:spcBef>
-        <a:spcAft>
-          <a:spcPts val="0"/>
-        </a:spcAft>
-        <a:buClr>
-          <a:schemeClr val="bg2">
-            <a:lumMod val="40000"/>
-            <a:lumOff val="60000"/>
-          </a:schemeClr>
-        </a:buClr>
-        <a:buSzPct val="80000"/>
-        <a:buFont typeface="Wingdings 3" charset="2"/>
-        <a:buChar char=""/>
-        <a:defRPr sz="1400" b="0" i="0" kern="1200">
-          <a:solidFill>
-            <a:schemeClr val="tx1"/>
-          </a:solidFill>
-          <a:latin typeface="+mj-lt"/>
-          <a:ea typeface="+mj-ea"/>
-          <a:cs typeface="+mj-cs"/>
-        </a:defRPr>
-      </a:lvl8pPr>
-      <a:lvl9pPr marL="3886200" indent="-228600" algn="l" defTabSz="457200" rtl="0" eaLnBrk="1" latinLnBrk="0" hangingPunct="1">
-        <a:spcBef>
-          <a:spcPts val="1000"/>
-        </a:spcBef>
-        <a:spcAft>
-          <a:spcPts val="0"/>
-        </a:spcAft>
-        <a:buClr>
-          <a:schemeClr val="bg2">
-            <a:lumMod val="40000"/>
-            <a:lumOff val="60000"/>
-          </a:schemeClr>
-        </a:buClr>
-        <a:buSzPct val="80000"/>
-        <a:buFont typeface="Wingdings 3" charset="2"/>
-        <a:buChar char=""/>
-        <a:defRPr sz="1400" b="0" i="0" kern="1200">
-          <a:solidFill>
-            <a:schemeClr val="tx1"/>
-          </a:solidFill>
-          <a:latin typeface="+mj-lt"/>
-          <a:ea typeface="+mj-ea"/>
-          <a:cs typeface="+mj-cs"/>
+          <a:latin typeface="+mn-lt"/>
+          <a:ea typeface="+mn-ea"/>
+          <a:cs typeface="+mn-cs"/>
         </a:defRPr>
       </a:lvl9pPr>
     </p:bodyStyle>
@@ -6348,7 +4071,7 @@
       <a:defPPr>
         <a:defRPr lang="en-US"/>
       </a:defPPr>
-      <a:lvl1pPr marL="0" algn="l" defTabSz="457200" rtl="0" eaLnBrk="1" latinLnBrk="0" hangingPunct="1">
+      <a:lvl1pPr marL="0" algn="l" defTabSz="914400" rtl="0" eaLnBrk="1" latinLnBrk="0" hangingPunct="1">
         <a:defRPr sz="1800" kern="1200">
           <a:solidFill>
             <a:schemeClr val="tx1"/>
@@ -6358,7 +4081,7 @@
           <a:cs typeface="+mn-cs"/>
         </a:defRPr>
       </a:lvl1pPr>
-      <a:lvl2pPr marL="457200" algn="l" defTabSz="457200" rtl="0" eaLnBrk="1" latinLnBrk="0" hangingPunct="1">
+      <a:lvl2pPr marL="457200" algn="l" defTabSz="914400" rtl="0" eaLnBrk="1" latinLnBrk="0" hangingPunct="1">
         <a:defRPr sz="1800" kern="1200">
           <a:solidFill>
             <a:schemeClr val="tx1"/>
@@ -6368,7 +4091,7 @@
           <a:cs typeface="+mn-cs"/>
         </a:defRPr>
       </a:lvl2pPr>
-      <a:lvl3pPr marL="914400" algn="l" defTabSz="457200" rtl="0" eaLnBrk="1" latinLnBrk="0" hangingPunct="1">
+      <a:lvl3pPr marL="914400" algn="l" defTabSz="914400" rtl="0" eaLnBrk="1" latinLnBrk="0" hangingPunct="1">
         <a:defRPr sz="1800" kern="1200">
           <a:solidFill>
             <a:schemeClr val="tx1"/>
@@ -6378,7 +4101,7 @@
           <a:cs typeface="+mn-cs"/>
         </a:defRPr>
       </a:lvl3pPr>
-      <a:lvl4pPr marL="1371600" algn="l" defTabSz="457200" rtl="0" eaLnBrk="1" latinLnBrk="0" hangingPunct="1">
+      <a:lvl4pPr marL="1371600" algn="l" defTabSz="914400" rtl="0" eaLnBrk="1" latinLnBrk="0" hangingPunct="1">
         <a:defRPr sz="1800" kern="1200">
           <a:solidFill>
             <a:schemeClr val="tx1"/>
@@ -6388,7 +4111,7 @@
           <a:cs typeface="+mn-cs"/>
         </a:defRPr>
       </a:lvl4pPr>
-      <a:lvl5pPr marL="1828800" algn="l" defTabSz="457200" rtl="0" eaLnBrk="1" latinLnBrk="0" hangingPunct="1">
+      <a:lvl5pPr marL="1828800" algn="l" defTabSz="914400" rtl="0" eaLnBrk="1" latinLnBrk="0" hangingPunct="1">
         <a:defRPr sz="1800" kern="1200">
           <a:solidFill>
             <a:schemeClr val="tx1"/>
@@ -6398,7 +4121,7 @@
           <a:cs typeface="+mn-cs"/>
         </a:defRPr>
       </a:lvl5pPr>
-      <a:lvl6pPr marL="2286000" algn="l" defTabSz="457200" rtl="0" eaLnBrk="1" latinLnBrk="0" hangingPunct="1">
+      <a:lvl6pPr marL="2286000" algn="l" defTabSz="914400" rtl="0" eaLnBrk="1" latinLnBrk="0" hangingPunct="1">
         <a:defRPr sz="1800" kern="1200">
           <a:solidFill>
             <a:schemeClr val="tx1"/>
@@ -6408,7 +4131,7 @@
           <a:cs typeface="+mn-cs"/>
         </a:defRPr>
       </a:lvl6pPr>
-      <a:lvl7pPr marL="2743200" algn="l" defTabSz="457200" rtl="0" eaLnBrk="1" latinLnBrk="0" hangingPunct="1">
+      <a:lvl7pPr marL="2743200" algn="l" defTabSz="914400" rtl="0" eaLnBrk="1" latinLnBrk="0" hangingPunct="1">
         <a:defRPr sz="1800" kern="1200">
           <a:solidFill>
             <a:schemeClr val="tx1"/>
@@ -6418,7 +4141,7 @@
           <a:cs typeface="+mn-cs"/>
         </a:defRPr>
       </a:lvl7pPr>
-      <a:lvl8pPr marL="3200400" algn="l" defTabSz="457200" rtl="0" eaLnBrk="1" latinLnBrk="0" hangingPunct="1">
+      <a:lvl8pPr marL="3200400" algn="l" defTabSz="914400" rtl="0" eaLnBrk="1" latinLnBrk="0" hangingPunct="1">
         <a:defRPr sz="1800" kern="1200">
           <a:solidFill>
             <a:schemeClr val="tx1"/>
@@ -6428,7 +4151,7 @@
           <a:cs typeface="+mn-cs"/>
         </a:defRPr>
       </a:lvl8pPr>
-      <a:lvl9pPr marL="3657600" algn="l" defTabSz="457200" rtl="0" eaLnBrk="1" latinLnBrk="0" hangingPunct="1">
+      <a:lvl9pPr marL="3657600" algn="l" defTabSz="914400" rtl="0" eaLnBrk="1" latinLnBrk="0" hangingPunct="1">
         <a:defRPr sz="1800" kern="1200">
           <a:solidFill>
             <a:schemeClr val="tx1"/>
@@ -6603,6 +4326,14 @@
           <a:bodyPr/>
           <a:lstStyle/>
           <a:p>
+            <a:pPr>
+              <a:buFont typeface="Arial" panose="020B0604020202020204" pitchFamily="34" charset="0"/>
+              <a:buChar char="•"/>
+            </a:pPr>
+            <a:r>
+              <a:rPr lang="en-US" dirty="0"/>
+              <a:t> </a:t>
+            </a:r>
             <a:r>
               <a:rPr lang="en-US" dirty="0" err="1"/>
               <a:t>Github</a:t>
@@ -6610,6 +4341,10 @@
             <a:br>
               <a:rPr lang="en-US" dirty="0"/>
             </a:br>
+            <a:r>
+              <a:rPr lang="en-US" dirty="0"/>
+              <a:t> </a:t>
+            </a:r>
             <a:r>
               <a:rPr lang="en-US" dirty="0">
                 <a:hlinkClick r:id="rId2"/>
@@ -6622,15 +4357,23 @@
             </a:r>
           </a:p>
           <a:p>
+            <a:pPr>
+              <a:buFont typeface="Arial" panose="020B0604020202020204" pitchFamily="34" charset="0"/>
+              <a:buChar char="•"/>
+            </a:pPr>
             <a:r>
               <a:rPr lang="en-US" dirty="0"/>
-              <a:t>Pair programming</a:t>
-            </a:r>
-          </a:p>
-          <a:p>
+              <a:t> Pair programming</a:t>
+            </a:r>
+          </a:p>
+          <a:p>
+            <a:pPr>
+              <a:buFont typeface="Arial" panose="020B0604020202020204" pitchFamily="34" charset="0"/>
+              <a:buChar char="•"/>
+            </a:pPr>
             <a:r>
               <a:rPr lang="en-US" dirty="0"/>
-              <a:t>Last 20 min. we run benchmark and see which made the fastest</a:t>
+              <a:t> Last 20 min. we run benchmark and see which made the fastest</a:t>
             </a:r>
             <a:endParaRPr lang="da-DK" dirty="0"/>
           </a:p>
@@ -6716,21 +4459,33 @@
           <a:bodyPr/>
           <a:lstStyle/>
           <a:p>
+            <a:pPr>
+              <a:buFont typeface="Arial" panose="020B0604020202020204" pitchFamily="34" charset="0"/>
+              <a:buChar char="•"/>
+            </a:pPr>
             <a:r>
               <a:rPr lang="en-US" dirty="0"/>
-              <a:t>Outbox pattern</a:t>
-            </a:r>
-          </a:p>
-          <a:p>
+              <a:t> Outbox pattern</a:t>
+            </a:r>
+          </a:p>
+          <a:p>
+            <a:pPr>
+              <a:buFont typeface="Arial" panose="020B0604020202020204" pitchFamily="34" charset="0"/>
+              <a:buChar char="•"/>
+            </a:pPr>
             <a:r>
               <a:rPr lang="en-US" dirty="0"/>
-              <a:t>Observable code</a:t>
-            </a:r>
-          </a:p>
-          <a:p>
+              <a:t> Observable code</a:t>
+            </a:r>
+          </a:p>
+          <a:p>
+            <a:pPr>
+              <a:buFont typeface="Arial" panose="020B0604020202020204" pitchFamily="34" charset="0"/>
+              <a:buChar char="•"/>
+            </a:pPr>
             <a:r>
               <a:rPr lang="en-US" dirty="0"/>
-              <a:t>Exercise</a:t>
+              <a:t> Exercise</a:t>
             </a:r>
             <a:endParaRPr lang="da-DK" dirty="0"/>
           </a:p>
@@ -6819,7 +4574,7 @@
         </p:blipFill>
         <p:spPr>
           <a:xfrm>
-            <a:off x="4033838" y="2274094"/>
+            <a:off x="4583113" y="1981200"/>
             <a:ext cx="3086100" cy="3752850"/>
           </a:xfrm>
         </p:spPr>
@@ -6907,7 +4662,7 @@
         </p:blipFill>
         <p:spPr>
           <a:xfrm>
-            <a:off x="3524250" y="3621881"/>
+            <a:off x="4073525" y="3328988"/>
             <a:ext cx="4105275" cy="1057275"/>
           </a:xfrm>
         </p:spPr>
@@ -7060,8 +4815,8 @@
         </p:blipFill>
         <p:spPr>
           <a:xfrm>
-            <a:off x="1103313" y="2235981"/>
-            <a:ext cx="8947150" cy="3829076"/>
+            <a:off x="1426346" y="1846263"/>
+            <a:ext cx="9399634" cy="4022725"/>
           </a:xfrm>
         </p:spPr>
       </p:pic>
@@ -7154,8 +4909,8 @@
         </p:blipFill>
         <p:spPr>
           <a:xfrm>
-            <a:off x="1103313" y="3242736"/>
-            <a:ext cx="8947150" cy="1815566"/>
+            <a:off x="1096963" y="2837094"/>
+            <a:ext cx="10058400" cy="2041062"/>
           </a:xfrm>
         </p:spPr>
       </p:pic>
@@ -7242,7 +4997,7 @@
         </p:blipFill>
         <p:spPr>
           <a:xfrm>
-            <a:off x="1276350" y="2602706"/>
+            <a:off x="1825625" y="2309813"/>
             <a:ext cx="8601075" cy="3095625"/>
           </a:xfrm>
         </p:spPr>
@@ -7449,52 +5204,52 @@
 </file>
 
 <file path=ppt/theme/theme1.xml><?xml version="1.0" encoding="utf-8"?>
-<a:theme xmlns:a="http://schemas.openxmlformats.org/drawingml/2006/main" name="Ion">
+<a:theme xmlns:a="http://schemas.openxmlformats.org/drawingml/2006/main" name="Retrospect">
   <a:themeElements>
-    <a:clrScheme name="Ion">
+    <a:clrScheme name="Retrospect">
       <a:dk1>
-        <a:sysClr val="windowText" lastClr="000000"/>
+        <a:srgbClr val="000000"/>
       </a:dk1>
       <a:lt1>
         <a:sysClr val="window" lastClr="FFFFFF"/>
       </a:lt1>
       <a:dk2>
-        <a:srgbClr val="1E5155"/>
+        <a:srgbClr val="637052"/>
       </a:dk2>
       <a:lt2>
-        <a:srgbClr val="EBEBEB"/>
+        <a:srgbClr val="CCDDEA"/>
       </a:lt2>
       <a:accent1>
-        <a:srgbClr val="B01513"/>
+        <a:srgbClr val="E48312"/>
       </a:accent1>
       <a:accent2>
-        <a:srgbClr val="EA6312"/>
+        <a:srgbClr val="BD582C"/>
       </a:accent2>
       <a:accent3>
-        <a:srgbClr val="E6B729"/>
+        <a:srgbClr val="865640"/>
       </a:accent3>
       <a:accent4>
-        <a:srgbClr val="6AAC90"/>
+        <a:srgbClr val="9B8357"/>
       </a:accent4>
       <a:accent5>
-        <a:srgbClr val="54849A"/>
+        <a:srgbClr val="C2BC80"/>
       </a:accent5>
       <a:accent6>
-        <a:srgbClr val="9E5E9B"/>
+        <a:srgbClr val="94A088"/>
       </a:accent6>
       <a:hlink>
-        <a:srgbClr val="58C1BA"/>
+        <a:srgbClr val="2998E3"/>
       </a:hlink>
       <a:folHlink>
-        <a:srgbClr val="9DFFCB"/>
+        <a:srgbClr val="8C8C8C"/>
       </a:folHlink>
     </a:clrScheme>
-    <a:fontScheme name="Ion">
+    <a:fontScheme name="Retrospect">
       <a:majorFont>
-        <a:latin typeface="Century Gothic" panose="020B0502020202020204"/>
+        <a:latin typeface="Calibri Light" panose="020F0302020204030204"/>
         <a:ea typeface=""/>
         <a:cs typeface=""/>
-        <a:font script="Jpan" typeface="メイリオ"/>
+        <a:font script="Jpan" typeface="ＭＳ Ｐゴシック"/>
         <a:font script="Hang" typeface="맑은 고딕"/>
         <a:font script="Hans" typeface="宋体"/>
         <a:font script="Hant" typeface="新細明體"/>
@@ -7526,10 +5281,10 @@
         <a:font script="Geor" typeface="Sylfaen"/>
       </a:majorFont>
       <a:minorFont>
-        <a:latin typeface="Century Gothic" panose="020B0502020202020204"/>
+        <a:latin typeface="Calibri" panose="020F0502020204030204"/>
         <a:ea typeface=""/>
         <a:cs typeface=""/>
-        <a:font script="Jpan" typeface="メイリオ"/>
+        <a:font script="Jpan" typeface="ＭＳ Ｐゴシック"/>
         <a:font script="Hang" typeface="맑은 고딕"/>
         <a:font script="Hans" typeface="宋体"/>
         <a:font script="Hant" typeface="新細明體"/>
@@ -7561,7 +5316,7 @@
         <a:font script="Geor" typeface="Sylfaen"/>
       </a:minorFont>
     </a:fontScheme>
-    <a:fmtScheme name="Ion">
+    <a:fmtScheme name="Retrospect">
       <a:fillStyleLst>
         <a:solidFill>
           <a:schemeClr val="phClr"/>
@@ -7570,52 +5325,77 @@
           <a:gsLst>
             <a:gs pos="0">
               <a:schemeClr val="phClr">
-                <a:tint val="64000"/>
-                <a:lumMod val="118000"/>
+                <a:tint val="65000"/>
+                <a:shade val="92000"/>
+                <a:satMod val="130000"/>
+              </a:schemeClr>
+            </a:gs>
+            <a:gs pos="45000">
+              <a:schemeClr val="phClr">
+                <a:tint val="60000"/>
+                <a:shade val="99000"/>
+                <a:satMod val="120000"/>
               </a:schemeClr>
             </a:gs>
             <a:gs pos="100000">
               <a:schemeClr val="phClr">
-                <a:tint val="92000"/>
-                <a:alpha val="100000"/>
-                <a:lumMod val="110000"/>
+                <a:tint val="55000"/>
+                <a:satMod val="140000"/>
               </a:schemeClr>
             </a:gs>
           </a:gsLst>
-          <a:lin ang="5400000" scaled="0"/>
+          <a:path path="circle">
+            <a:fillToRect l="100000" t="100000" r="100000" b="100000"/>
+          </a:path>
         </a:gradFill>
         <a:gradFill rotWithShape="1">
           <a:gsLst>
             <a:gs pos="0">
               <a:schemeClr val="phClr">
-                <a:tint val="98000"/>
-                <a:lumMod val="114000"/>
+                <a:shade val="85000"/>
+                <a:satMod val="130000"/>
+              </a:schemeClr>
+            </a:gs>
+            <a:gs pos="34000">
+              <a:schemeClr val="phClr">
+                <a:shade val="87000"/>
+                <a:satMod val="125000"/>
+              </a:schemeClr>
+            </a:gs>
+            <a:gs pos="70000">
+              <a:schemeClr val="phClr">
+                <a:tint val="100000"/>
+                <a:shade val="90000"/>
+                <a:satMod val="130000"/>
               </a:schemeClr>
             </a:gs>
             <a:gs pos="100000">
               <a:schemeClr val="phClr">
-                <a:shade val="90000"/>
-                <a:lumMod val="84000"/>
+                <a:tint val="100000"/>
+                <a:shade val="100000"/>
+                <a:satMod val="110000"/>
               </a:schemeClr>
             </a:gs>
           </a:gsLst>
-          <a:lin ang="5400000" scaled="0"/>
+          <a:path path="circle">
+            <a:fillToRect l="100000" t="100000" r="100000" b="100000"/>
+          </a:path>
         </a:gradFill>
       </a:fillStyleLst>
       <a:lnStyleLst>
-        <a:ln w="9525" cap="rnd" cmpd="sng" algn="ctr">
+        <a:ln w="12700" cap="flat" cmpd="sng" algn="ctr">
           <a:solidFill>
             <a:schemeClr val="phClr"/>
           </a:solidFill>
           <a:prstDash val="solid"/>
         </a:ln>
-        <a:ln w="19050" cap="rnd" cmpd="sng" algn="ctr">
+        <a:ln w="15875" cap="flat" cmpd="sng" algn="ctr">
           <a:solidFill>
             <a:schemeClr val="phClr"/>
           </a:solidFill>
           <a:prstDash val="solid"/>
         </a:ln>
-        <a:ln w="28575" cap="rnd" cmpd="sng" algn="ctr">
+        <a:ln w="25400" cap="flat" cmpd="sng" algn="ctr">
           <a:solidFill>
             <a:schemeClr val="phClr"/>
           </a:solidFill>
@@ -7628,16 +5408,16 @@
         </a:effectStyle>
         <a:effectStyle>
           <a:effectLst>
-            <a:outerShdw blurRad="38100" dist="25400" dir="5400000" rotWithShape="0">
+            <a:outerShdw blurRad="38100" dist="25400" dir="2700000" algn="br" rotWithShape="0">
               <a:srgbClr val="000000">
-                <a:alpha val="45000"/>
+                <a:alpha val="60000"/>
               </a:srgbClr>
             </a:outerShdw>
           </a:effectLst>
         </a:effectStyle>
         <a:effectStyle>
           <a:effectLst>
-            <a:outerShdw blurRad="63500" dist="38100" dir="5400000" rotWithShape="0">
+            <a:outerShdw blurRad="44450" dist="25400" dir="2700000" algn="br" rotWithShape="0">
               <a:srgbClr val="000000">
                 <a:alpha val="60000"/>
               </a:srgbClr>
@@ -7647,10 +5427,12 @@
             <a:camera prst="orthographicFront">
               <a:rot lat="0" lon="0" rev="0"/>
             </a:camera>
-            <a:lightRig rig="threePt" dir="tl"/>
+            <a:lightRig rig="threePt" dir="t">
+              <a:rot lat="0" lon="0" rev="19800000"/>
+            </a:lightRig>
           </a:scene3d>
-          <a:sp3d prstMaterial="plastic">
-            <a:bevelT w="0" h="0"/>
+          <a:sp3d prstMaterial="flat">
+            <a:bevelT w="25400" h="31750"/>
           </a:sp3d>
         </a:effectStyle>
       </a:effectStyleLst>
@@ -7658,49 +5440,39 @@
         <a:solidFill>
           <a:schemeClr val="phClr"/>
         </a:solidFill>
+        <a:solidFill>
+          <a:schemeClr val="phClr">
+            <a:tint val="90000"/>
+            <a:shade val="97000"/>
+            <a:satMod val="130000"/>
+          </a:schemeClr>
+        </a:solidFill>
         <a:gradFill rotWithShape="1">
           <a:gsLst>
             <a:gs pos="0">
               <a:schemeClr val="phClr">
-                <a:tint val="97000"/>
-                <a:hueMod val="88000"/>
+                <a:tint val="96000"/>
+                <a:shade val="99000"/>
+                <a:satMod val="140000"/>
+              </a:schemeClr>
+            </a:gs>
+            <a:gs pos="65000">
+              <a:schemeClr val="phClr">
+                <a:tint val="100000"/>
+                <a:shade val="80000"/>
                 <a:satMod val="130000"/>
-                <a:lumMod val="124000"/>
               </a:schemeClr>
             </a:gs>
             <a:gs pos="100000">
               <a:schemeClr val="phClr">
-                <a:tint val="96000"/>
-                <a:shade val="88000"/>
-                <a:hueMod val="108000"/>
-                <a:satMod val="164000"/>
-                <a:lumMod val="76000"/>
+                <a:tint val="100000"/>
+                <a:shade val="48000"/>
+                <a:satMod val="120000"/>
               </a:schemeClr>
             </a:gs>
           </a:gsLst>
-          <a:path path="circle">
-            <a:fillToRect l="45000" t="65000" r="125000" b="100000"/>
-          </a:path>
+          <a:lin ang="16200000" scaled="0"/>
         </a:gradFill>
-        <a:blipFill rotWithShape="1">
-          <a:blip xmlns:r="http://schemas.openxmlformats.org/officeDocument/2006/relationships" r:embed="rId1">
-            <a:duotone>
-              <a:schemeClr val="phClr">
-                <a:shade val="69000"/>
-                <a:hueMod val="108000"/>
-                <a:satMod val="164000"/>
-                <a:lumMod val="74000"/>
-              </a:schemeClr>
-              <a:schemeClr val="phClr">
-                <a:tint val="96000"/>
-                <a:hueMod val="88000"/>
-                <a:satMod val="140000"/>
-                <a:lumMod val="132000"/>
-              </a:schemeClr>
-            </a:duotone>
-          </a:blip>
-          <a:stretch/>
-        </a:blipFill>
       </a:bgFillStyleLst>
     </a:fmtScheme>
   </a:themeElements>
@@ -7708,7 +5480,7 @@
   <a:extraClrSchemeLst/>
   <a:extLst>
     <a:ext uri="{05A4C25C-085E-4340-85A3-A5531E510DB2}">
-      <thm15:themeFamily xmlns:thm15="http://schemas.microsoft.com/office/thememl/2012/main" name="Ion" id="{B8441ADB-2E43-4AF7-B97A-BD870242C6A8}" vid="{292E63A9-BB86-4E3D-B92A-7223C6510D2E}"/>
+      <thm15:themeFamily xmlns:thm15="http://schemas.microsoft.com/office/thememl/2012/main" name="Retrospect" id="{5F128B03-DCCA-4EEB-AB3B-CF2899314A46}" vid="{3F1AAB62-24C6-49D2-8E01-B56FAC9A3DCD}"/>
     </a:ext>
   </a:extLst>
 </a:theme>
